--- a/Báo cáo Final.pptx
+++ b/Báo cáo Final.pptx
@@ -5,24 +5,28 @@
     <p:sldMasterId id="2147483673" r:id="rId1"/>
   </p:sldMasterIdLst>
   <p:notesMasterIdLst>
-    <p:notesMasterId r:id="rId17"/>
+    <p:notesMasterId r:id="rId21"/>
   </p:notesMasterIdLst>
   <p:sldIdLst>
     <p:sldId id="260" r:id="rId2"/>
     <p:sldId id="261" r:id="rId3"/>
     <p:sldId id="262" r:id="rId4"/>
     <p:sldId id="263" r:id="rId5"/>
-    <p:sldId id="271" r:id="rId6"/>
-    <p:sldId id="264" r:id="rId7"/>
-    <p:sldId id="272" r:id="rId8"/>
-    <p:sldId id="273" r:id="rId9"/>
-    <p:sldId id="274" r:id="rId10"/>
-    <p:sldId id="265" r:id="rId11"/>
-    <p:sldId id="266" r:id="rId12"/>
-    <p:sldId id="267" r:id="rId13"/>
-    <p:sldId id="268" r:id="rId14"/>
-    <p:sldId id="269" r:id="rId15"/>
-    <p:sldId id="270" r:id="rId16"/>
+    <p:sldId id="276" r:id="rId6"/>
+    <p:sldId id="271" r:id="rId7"/>
+    <p:sldId id="264" r:id="rId8"/>
+    <p:sldId id="272" r:id="rId9"/>
+    <p:sldId id="278" r:id="rId10"/>
+    <p:sldId id="273" r:id="rId11"/>
+    <p:sldId id="274" r:id="rId12"/>
+    <p:sldId id="277" r:id="rId13"/>
+    <p:sldId id="275" r:id="rId14"/>
+    <p:sldId id="265" r:id="rId15"/>
+    <p:sldId id="266" r:id="rId16"/>
+    <p:sldId id="267" r:id="rId17"/>
+    <p:sldId id="268" r:id="rId18"/>
+    <p:sldId id="269" r:id="rId19"/>
+    <p:sldId id="270" r:id="rId20"/>
   </p:sldIdLst>
   <p:sldSz cx="12192000" cy="6858000"/>
   <p:notesSz cx="6858000" cy="9144000"/>
@@ -131,7 +135,7 @@
 
 <file path=ppt/commentAuthors.xml><?xml version="1.0" encoding="utf-8"?>
 <p:cmAuthorLst xmlns:a="http://schemas.openxmlformats.org/drawingml/2006/main" xmlns:r="http://schemas.openxmlformats.org/officeDocument/2006/relationships" xmlns:p="http://schemas.openxmlformats.org/presentationml/2006/main">
-  <p:cmAuthor id="1" name="DELL" initials="D" lastIdx="6" clrIdx="0">
+  <p:cmAuthor id="1" name="DELL" initials="D" lastIdx="18" clrIdx="0">
     <p:extLst>
       <p:ext uri="{19B8F6BF-5375-455C-9EA6-DF929625EA0E}">
         <p15:presenceInfo xmlns:p15="http://schemas.microsoft.com/office/powerpoint/2012/main" userId="c80741e920081c47" providerId="Windows Live"/>
@@ -157,6 +161,82 @@
 
 <file path=ppt/comments/comment2.xml><?xml version="1.0" encoding="utf-8"?>
 <p:cmLst xmlns:a="http://schemas.openxmlformats.org/drawingml/2006/main" xmlns:r="http://schemas.openxmlformats.org/officeDocument/2006/relationships" xmlns:p="http://schemas.openxmlformats.org/presentationml/2006/main">
+  <p:cm authorId="1" dt="2025-05-14T15:56:00.738" idx="10">
+    <p:pos x="4492" y="694"/>
+    <p:text>Cách tiếp cận cơ bản đầu tiên để giải quyết bài toán tô màu ảnh là xem nó như một bài toán hồi quy</p:text>
+    <p:extLst>
+      <p:ext uri="{C676402C-5697-4E1C-873F-D02D1690AC5C}">
+        <p15:threadingInfo xmlns:p15="http://schemas.microsoft.com/office/powerpoint/2012/main" timeZoneBias="-420"/>
+      </p:ext>
+    </p:extLst>
+  </p:cm>
+  <p:cm authorId="1" dt="2025-05-14T16:01:51.842" idx="11">
+    <p:pos x="4492" y="790"/>
+    <p:text>Quy trình của hihf là: Đầu vào ảnh xám sau khi qua model thì model sẽ dự đoán được 2 màu ab, ảnh thật sau khi chuyển từ RGB-&gt;LAB thì sẽ tách lấy 2 màu ab  =&gt; Sau đó dùng Loss function để so sánh ab ảnh thật và tạo rồi thu thập các thông tin để cho model học</p:text>
+    <p:extLst>
+      <p:ext uri="{C676402C-5697-4E1C-873F-D02D1690AC5C}">
+        <p15:threadingInfo xmlns:p15="http://schemas.microsoft.com/office/powerpoint/2012/main" timeZoneBias="-420">
+          <p15:parentCm authorId="1" idx="10"/>
+        </p15:threadingInfo>
+      </p:ext>
+    </p:extLst>
+  </p:cm>
+  <p:cm authorId="1" dt="2025-05-14T16:13:29.520" idx="12">
+    <p:pos x="4492" y="886"/>
+    <p:text>Phía dưới là ví dụ</p:text>
+    <p:extLst>
+      <p:ext uri="{C676402C-5697-4E1C-873F-D02D1690AC5C}">
+        <p15:threadingInfo xmlns:p15="http://schemas.microsoft.com/office/powerpoint/2012/main" timeZoneBias="-420">
+          <p15:parentCm authorId="1" idx="10"/>
+        </p15:threadingInfo>
+      </p:ext>
+    </p:extLst>
+  </p:cm>
+  <p:cm authorId="1" dt="2025-05-14T16:15:46.391" idx="13">
+    <p:pos x="4492" y="982"/>
+    <p:text>Tuy nhiên, hàm mất mát (loss) này không đủ mạnh để xử lý tính mơ hồ vốn có và bản chất nhiều khả năng của bài toán tô màu. Nếu một vật thể có thể mang nhiều giá trị màu a và b khác nhau, thì nghiệm tối ưu theo hàm mất mát Euclidean sẽ là trung bình cộng của các giá trị đó.
+Trong bài toán dự đoán màu, hiệu ứng trung bình này khiến cho kết quả có xu hướng xám xịt, thiếu màu sắc sống động.</p:text>
+    <p:extLst>
+      <p:ext uri="{C676402C-5697-4E1C-873F-D02D1690AC5C}">
+        <p15:threadingInfo xmlns:p15="http://schemas.microsoft.com/office/powerpoint/2012/main" timeZoneBias="-420">
+          <p15:parentCm authorId="1" idx="10"/>
+        </p15:threadingInfo>
+      </p:ext>
+    </p:extLst>
+  </p:cm>
+</p:cmLst>
+</file>
+
+<file path=ppt/comments/comment3.xml><?xml version="1.0" encoding="utf-8"?>
+<p:cmLst xmlns:a="http://schemas.openxmlformats.org/drawingml/2006/main" xmlns:r="http://schemas.openxmlformats.org/officeDocument/2006/relationships" xmlns:p="http://schemas.openxmlformats.org/presentationml/2006/main">
+  <p:cm authorId="1" dt="2025-05-14T16:20:46.786" idx="14">
+    <p:pos x="10" y="10"/>
+    <p:text>-Chính vì vậy, chúng tôi xử lý bài toán như là một bài toán phân loại đa thức.Chúng tôi lượng tử hóa không gian đầu ra ab thành các ô vuông (bin) với kích thước lưới là 10 và giữ lại Q = 313 giá trị nằm trong gamut màu (phạm vi màu hợp lệ)</p:text>
+    <p:extLst>
+      <p:ext uri="{C676402C-5697-4E1C-873F-D02D1690AC5C}">
+        <p15:threadingInfo xmlns:p15="http://schemas.microsoft.com/office/powerpoint/2012/main" timeZoneBias="-420"/>
+      </p:ext>
+    </p:extLst>
+  </p:cm>
+</p:cmLst>
+</file>
+
+<file path=ppt/comments/comment4.xml><?xml version="1.0" encoding="utf-8"?>
+<p:cmLst xmlns:a="http://schemas.openxmlformats.org/drawingml/2006/main" xmlns:r="http://schemas.openxmlformats.org/officeDocument/2006/relationships" xmlns:p="http://schemas.openxmlformats.org/presentationml/2006/main">
+  <p:cm authorId="1" dt="2025-05-14T16:30:55.045" idx="16">
+    <p:pos x="10" y="10"/>
+    <p:text>Chúng tôi lượng tử hóa không gian màu ab thành 313 (Q=313) lớp rời rạc. Mỗi điểm ảnh được gán một lớp màu tương ứng, và mô hình sẽ dự đoán xác suất cho từng lớp này.</p:text>
+    <p:extLst>
+      <p:ext uri="{C676402C-5697-4E1C-873F-D02D1690AC5C}">
+        <p15:threadingInfo xmlns:p15="http://schemas.microsoft.com/office/powerpoint/2012/main" timeZoneBias="-420"/>
+      </p:ext>
+    </p:extLst>
+  </p:cm>
+</p:cmLst>
+</file>
+
+<file path=ppt/comments/comment5.xml><?xml version="1.0" encoding="utf-8"?>
+<p:cmLst xmlns:a="http://schemas.openxmlformats.org/drawingml/2006/main" xmlns:r="http://schemas.openxmlformats.org/officeDocument/2006/relationships" xmlns:p="http://schemas.openxmlformats.org/presentationml/2006/main">
   <p:cm authorId="1" dt="2025-05-10T00:44:22.119" idx="2">
     <p:pos x="2651" y="1508"/>
     <p:text>Thứ tự trình bày:  Đầu vào sẽ là kênh L (256x256x1) -&gt; Dùng CNN để dự đoán phân phối màu ra y^logit (256x256x313) -&gt;Sau đó dùng hàm argmax(ylogit) để chọn màu có xác xuất cao nhất trong 313 màu (tức là chọn ra 1 bin màu) Sau đó ta được 256x256x1 -&gt; Ánh xạ màu sang giá trị ab.  Ta sẽ tra cứu bảng màu đã được định nghĩa để chuyển bin sang ab sẽ thu được (256x256x2 ) =&gt; Sau đó cho kết hợp kênh L và ab để tạo ra ảnh -&gt; rồi chuyển Lab sáng RGB để có ảnh thật.</p:text>
@@ -169,7 +249,21 @@
 </p:cmLst>
 </file>
 
-<file path=ppt/comments/comment3.xml><?xml version="1.0" encoding="utf-8"?>
+<file path=ppt/comments/comment6.xml><?xml version="1.0" encoding="utf-8"?>
+<p:cmLst xmlns:a="http://schemas.openxmlformats.org/drawingml/2006/main" xmlns:r="http://schemas.openxmlformats.org/officeDocument/2006/relationships" xmlns:p="http://schemas.openxmlformats.org/presentationml/2006/main">
+  <p:cm authorId="1" dt="2025-05-14T17:10:21.207" idx="18">
+    <p:pos x="10" y="10"/>
+    <p:text>Nhược điểm là đậm hơn...</p:text>
+    <p:extLst>
+      <p:ext uri="{C676402C-5697-4E1C-873F-D02D1690AC5C}">
+        <p15:threadingInfo xmlns:p15="http://schemas.microsoft.com/office/powerpoint/2012/main" timeZoneBias="-420"/>
+      </p:ext>
+    </p:extLst>
+  </p:cm>
+</p:cmLst>
+</file>
+
+<file path=ppt/comments/comment7.xml><?xml version="1.0" encoding="utf-8"?>
 <p:cmLst xmlns:a="http://schemas.openxmlformats.org/drawingml/2006/main" xmlns:r="http://schemas.openxmlformats.org/officeDocument/2006/relationships" xmlns:p="http://schemas.openxmlformats.org/presentationml/2006/main">
   <p:cm authorId="1" dt="2025-05-10T01:18:50.846" idx="5">
     <p:pos x="4058" y="1530"/>
@@ -181,12 +275,48 @@
     </p:extLst>
   </p:cm>
   <p:cm authorId="1" dt="2025-05-10T01:19:36.495" idx="6">
-    <p:pos x="2290" y="1578"/>
+    <p:pos x="2884" y="1468"/>
     <p:text>Lý do tính tổng trọng số này có mục đích là Mượt mà hơn argmax Tránh chuyển màu rời rạc giữa các pixel.
 Tận dụng thông tin từ nhiều màu</p:text>
+    <p:extLst mod="1">
+      <p:ext uri="{C676402C-5697-4E1C-873F-D02D1690AC5C}">
+        <p15:threadingInfo xmlns:p15="http://schemas.microsoft.com/office/powerpoint/2012/main" timeZoneBias="-420"/>
+      </p:ext>
+    </p:extLst>
+  </p:cm>
+</p:cmLst>
+</file>
+
+<file path=ppt/comments/comment8.xml><?xml version="1.0" encoding="utf-8"?>
+<p:cmLst xmlns:a="http://schemas.openxmlformats.org/drawingml/2006/main" xmlns:r="http://schemas.openxmlformats.org/officeDocument/2006/relationships" xmlns:p="http://schemas.openxmlformats.org/presentationml/2006/main">
+  <p:cm authorId="1" dt="2025-05-14T14:54:12.791" idx="7">
+    <p:pos x="5226" y="1442"/>
+    <p:text>Hạn chế khi dùng MSE&amp;PSNR là: Không đo được sự tự nhiên hay thẩm mỹ của màu.</p:text>
     <p:extLst>
       <p:ext uri="{C676402C-5697-4E1C-873F-D02D1690AC5C}">
         <p15:threadingInfo xmlns:p15="http://schemas.microsoft.com/office/powerpoint/2012/main" timeZoneBias="-420"/>
+      </p:ext>
+    </p:extLst>
+  </p:cm>
+  <p:cm authorId="1" dt="2025-05-14T14:55:55.429" idx="8">
+    <p:pos x="5226" y="1538"/>
+    <p:text>Một ảnh xám có thể tô bằng nhiều bảng màu hợp lý (ví dụ: áo có thể là xanh lam hoặc xanh lục). MSE/PSNR chỉ đo sai số so với 1 ground truth duy nhất.</p:text>
+    <p:extLst>
+      <p:ext uri="{C676402C-5697-4E1C-873F-D02D1690AC5C}">
+        <p15:threadingInfo xmlns:p15="http://schemas.microsoft.com/office/powerpoint/2012/main" timeZoneBias="-420">
+          <p15:parentCm authorId="1" idx="7"/>
+        </p15:threadingInfo>
+      </p:ext>
+    </p:extLst>
+  </p:cm>
+  <p:cm authorId="1" dt="2025-05-14T14:56:30.832" idx="9">
+    <p:pos x="5226" y="1634"/>
+    <p:text>Màu sắc không đồng đều trong dữ liệu: Một số màu (như xám, nâu) xuất hiện nhiều hơn màu sặc sỡ (đỏ, tím), khiến MSE bị chi phối bởi màu phổ biến.</p:text>
+    <p:extLst>
+      <p:ext uri="{C676402C-5697-4E1C-873F-D02D1690AC5C}">
+        <p15:threadingInfo xmlns:p15="http://schemas.microsoft.com/office/powerpoint/2012/main" timeZoneBias="-420">
+          <p15:parentCm authorId="1" idx="7"/>
+        </p15:threadingInfo>
       </p:ext>
     </p:extLst>
   </p:cm>
@@ -275,7 +405,7 @@
           <a:p>
             <a:fld id="{AE70FEDE-5384-4AAC-BC2F-15E717367EFE}" type="datetimeFigureOut">
               <a:rPr lang="en-US" smtClean="0"/>
-              <a:t>5/10/2025</a:t>
+              <a:t>5/14/2025</a:t>
             </a:fld>
             <a:endParaRPr lang="en-US"/>
           </a:p>
@@ -643,6 +773,90 @@
     <p:extLst>
       <p:ext uri="{BB962C8B-B14F-4D97-AF65-F5344CB8AC3E}">
         <p14:creationId xmlns:p14="http://schemas.microsoft.com/office/powerpoint/2010/main" val="1687128162"/>
+      </p:ext>
+    </p:extLst>
+  </p:cSld>
+  <p:clrMapOvr>
+    <a:masterClrMapping/>
+  </p:clrMapOvr>
+</p:notes>
+</file>
+
+<file path=ppt/notesSlides/notesSlide2.xml><?xml version="1.0" encoding="utf-8"?>
+<p:notes xmlns:a="http://schemas.openxmlformats.org/drawingml/2006/main" xmlns:r="http://schemas.openxmlformats.org/officeDocument/2006/relationships" xmlns:p="http://schemas.openxmlformats.org/presentationml/2006/main">
+  <p:cSld>
+    <p:spTree>
+      <p:nvGrpSpPr>
+        <p:cNvPr id="1" name=""/>
+        <p:cNvGrpSpPr/>
+        <p:nvPr/>
+      </p:nvGrpSpPr>
+      <p:grpSpPr>
+        <a:xfrm>
+          <a:off x="0" y="0"/>
+          <a:ext cx="0" cy="0"/>
+          <a:chOff x="0" y="0"/>
+          <a:chExt cx="0" cy="0"/>
+        </a:xfrm>
+      </p:grpSpPr>
+      <p:sp>
+        <p:nvSpPr>
+          <p:cNvPr id="2" name="Slide Image Placeholder 1"/>
+          <p:cNvSpPr>
+            <a:spLocks noGrp="1" noRot="1" noChangeAspect="1"/>
+          </p:cNvSpPr>
+          <p:nvPr>
+            <p:ph type="sldImg"/>
+          </p:nvPr>
+        </p:nvSpPr>
+        <p:spPr/>
+      </p:sp>
+      <p:sp>
+        <p:nvSpPr>
+          <p:cNvPr id="3" name="Notes Placeholder 2"/>
+          <p:cNvSpPr>
+            <a:spLocks noGrp="1"/>
+          </p:cNvSpPr>
+          <p:nvPr>
+            <p:ph type="body" idx="1"/>
+          </p:nvPr>
+        </p:nvSpPr>
+        <p:spPr/>
+        <p:txBody>
+          <a:bodyPr/>
+          <a:lstStyle/>
+          <a:p>
+            <a:endParaRPr lang="en-US" dirty="0"/>
+          </a:p>
+        </p:txBody>
+      </p:sp>
+      <p:sp>
+        <p:nvSpPr>
+          <p:cNvPr id="4" name="Slide Number Placeholder 3"/>
+          <p:cNvSpPr>
+            <a:spLocks noGrp="1"/>
+          </p:cNvSpPr>
+          <p:nvPr>
+            <p:ph type="sldNum" sz="quarter" idx="10"/>
+          </p:nvPr>
+        </p:nvSpPr>
+        <p:spPr/>
+        <p:txBody>
+          <a:bodyPr/>
+          <a:lstStyle/>
+          <a:p>
+            <a:fld id="{D2A0FD22-CC27-4A2A-B83E-6828D7AB975F}" type="slidenum">
+              <a:rPr lang="en-US" smtClean="0"/>
+              <a:t>5</a:t>
+            </a:fld>
+            <a:endParaRPr lang="en-US"/>
+          </a:p>
+        </p:txBody>
+      </p:sp>
+    </p:spTree>
+    <p:extLst>
+      <p:ext uri="{BB962C8B-B14F-4D97-AF65-F5344CB8AC3E}">
+        <p14:creationId xmlns:p14="http://schemas.microsoft.com/office/powerpoint/2010/main" val="158230543"/>
       </p:ext>
     </p:extLst>
   </p:cSld>
@@ -7483,6 +7697,2385 @@
       </p:grpSpPr>
       <p:sp>
         <p:nvSpPr>
+          <p:cNvPr id="3" name="Text Placeholder 2"/>
+          <p:cNvSpPr>
+            <a:spLocks noGrp="1"/>
+          </p:cNvSpPr>
+          <p:nvPr>
+            <p:ph type="body" idx="1"/>
+          </p:nvPr>
+        </p:nvSpPr>
+        <p:spPr>
+          <a:xfrm>
+            <a:off x="629200" y="1521264"/>
+            <a:ext cx="10962800" cy="819206"/>
+          </a:xfrm>
+        </p:spPr>
+        <p:txBody>
+          <a:bodyPr/>
+          <a:lstStyle/>
+          <a:p>
+            <a:pPr marL="118531" indent="0">
+              <a:buNone/>
+            </a:pPr>
+            <a:r>
+              <a:rPr lang="en-US" sz="2000" dirty="0" smtClean="0"/>
+              <a:t>- Ý </a:t>
+            </a:r>
+            <a:r>
+              <a:rPr lang="en-US" sz="2000" dirty="0" err="1" smtClean="0"/>
+              <a:t>tưởng</a:t>
+            </a:r>
+            <a:r>
+              <a:rPr lang="en-US" sz="2000" dirty="0" smtClean="0"/>
+              <a:t> </a:t>
+            </a:r>
+            <a:r>
+              <a:rPr lang="en-US" sz="2000" dirty="0" err="1" smtClean="0"/>
+              <a:t>là</a:t>
+            </a:r>
+            <a:r>
+              <a:rPr lang="en-US" sz="2000" dirty="0" smtClean="0"/>
+              <a:t> </a:t>
+            </a:r>
+            <a:r>
+              <a:rPr lang="en-US" sz="2000" dirty="0" smtClean="0"/>
+              <a:t>s</a:t>
+            </a:r>
+            <a:r>
+              <a:rPr lang="vi-VN" sz="2000" dirty="0" smtClean="0"/>
+              <a:t>ử </a:t>
+            </a:r>
+            <a:r>
+              <a:rPr lang="vi-VN" sz="2000" dirty="0"/>
+              <a:t>dụng </a:t>
+            </a:r>
+            <a:r>
+              <a:rPr lang="vi-VN" sz="2000" b="1" dirty="0"/>
+              <a:t>top-k lớp màu</a:t>
+            </a:r>
+            <a:r>
+              <a:rPr lang="vi-VN" sz="2000" dirty="0"/>
+              <a:t> được dự đoán, chúng ta chuyển chúng thành giá trị ab. Giá trị ab cuối cùng được tính bằng </a:t>
+            </a:r>
+            <a:r>
+              <a:rPr lang="vi-VN" sz="2000" b="1" dirty="0"/>
+              <a:t>tổng có trọng số</a:t>
+            </a:r>
+            <a:r>
+              <a:rPr lang="vi-VN" sz="2000" dirty="0"/>
+              <a:t> của </a:t>
+            </a:r>
+            <a:r>
+              <a:rPr lang="vi-VN" sz="2000" b="1" dirty="0"/>
+              <a:t>top-k giá trị ab</a:t>
+            </a:r>
+            <a:r>
+              <a:rPr lang="vi-VN" sz="2000" dirty="0"/>
+              <a:t>, với trọng số là </a:t>
+            </a:r>
+            <a:r>
+              <a:rPr lang="vi-VN" sz="2000" b="1" dirty="0"/>
+              <a:t>xác suất softmax</a:t>
+            </a:r>
+            <a:r>
+              <a:rPr lang="vi-VN" sz="2000" dirty="0"/>
+              <a:t> của chúng</a:t>
+            </a:r>
+            <a:endParaRPr lang="en-US" sz="2000" dirty="0"/>
+          </a:p>
+        </p:txBody>
+      </p:sp>
+      <p:pic>
+        <p:nvPicPr>
+          <p:cNvPr id="7" name="Picture 6"/>
+          <p:cNvPicPr>
+            <a:picLocks noChangeAspect="1"/>
+          </p:cNvPicPr>
+          <p:nvPr/>
+        </p:nvPicPr>
+        <p:blipFill>
+          <a:blip r:embed="rId2"/>
+          <a:stretch>
+            <a:fillRect/>
+          </a:stretch>
+        </p:blipFill>
+        <p:spPr>
+          <a:xfrm>
+            <a:off x="1083838" y="2880649"/>
+            <a:ext cx="9265237" cy="3119194"/>
+          </a:xfrm>
+          <a:prstGeom prst="rect">
+            <a:avLst/>
+          </a:prstGeom>
+        </p:spPr>
+      </p:pic>
+      <p:sp>
+        <p:nvSpPr>
+          <p:cNvPr id="6" name="Text Placeholder 2"/>
+          <p:cNvSpPr txBox="1">
+            <a:spLocks/>
+          </p:cNvSpPr>
+          <p:nvPr/>
+        </p:nvSpPr>
+        <p:spPr>
+          <a:xfrm>
+            <a:off x="0" y="971167"/>
+            <a:ext cx="10962800" cy="551920"/>
+          </a:xfrm>
+          <a:prstGeom prst="rect">
+            <a:avLst/>
+          </a:prstGeom>
+          <a:noFill/>
+          <a:ln>
+            <a:noFill/>
+          </a:ln>
+        </p:spPr>
+        <p:txBody>
+          <a:bodyPr spcFirstLastPara="1" wrap="square" lIns="91425" tIns="91425" rIns="91425" bIns="91425" anchor="t" anchorCtr="0">
+            <a:noAutofit/>
+          </a:bodyPr>
+          <a:lstStyle>
+            <a:defPPr marR="0" lvl="0" algn="l" rtl="0">
+              <a:lnSpc>
+                <a:spcPct val="100000"/>
+              </a:lnSpc>
+              <a:spcBef>
+                <a:spcPts val="0"/>
+              </a:spcBef>
+              <a:spcAft>
+                <a:spcPts val="0"/>
+              </a:spcAft>
+            </a:defPPr>
+            <a:lvl1pPr marL="609585" marR="0" lvl="0" indent="-491054" algn="l" rtl="0">
+              <a:lnSpc>
+                <a:spcPct val="115000"/>
+              </a:lnSpc>
+              <a:spcBef>
+                <a:spcPts val="0"/>
+              </a:spcBef>
+              <a:spcAft>
+                <a:spcPts val="0"/>
+              </a:spcAft>
+              <a:buClr>
+                <a:srgbClr val="000000"/>
+              </a:buClr>
+              <a:buSzPts val="2200"/>
+              <a:buFont typeface="Roboto"/>
+              <a:buChar char="●"/>
+              <a:defRPr sz="2933" b="0" i="0" u="none" strike="noStrike" cap="none">
+                <a:solidFill>
+                  <a:srgbClr val="000000"/>
+                </a:solidFill>
+                <a:latin typeface="Roboto"/>
+                <a:ea typeface="Roboto"/>
+                <a:cs typeface="Roboto"/>
+                <a:sym typeface="Roboto"/>
+              </a:defRPr>
+            </a:lvl1pPr>
+            <a:lvl2pPr marL="1219170" marR="0" lvl="1" indent="-474121" algn="l" rtl="0">
+              <a:lnSpc>
+                <a:spcPct val="115000"/>
+              </a:lnSpc>
+              <a:spcBef>
+                <a:spcPts val="2133"/>
+              </a:spcBef>
+              <a:spcAft>
+                <a:spcPts val="0"/>
+              </a:spcAft>
+              <a:buClr>
+                <a:srgbClr val="000000"/>
+              </a:buClr>
+              <a:buSzPts val="2000"/>
+              <a:buFont typeface="Roboto"/>
+              <a:buChar char="○"/>
+              <a:defRPr sz="2667" b="0" i="0" u="none" strike="noStrike" cap="none">
+                <a:solidFill>
+                  <a:srgbClr val="000000"/>
+                </a:solidFill>
+                <a:latin typeface="Roboto"/>
+                <a:ea typeface="Roboto"/>
+                <a:cs typeface="Roboto"/>
+                <a:sym typeface="Roboto"/>
+              </a:defRPr>
+            </a:lvl2pPr>
+            <a:lvl3pPr marL="1828754" marR="0" lvl="2" indent="-457189" algn="l" rtl="0">
+              <a:lnSpc>
+                <a:spcPct val="115000"/>
+              </a:lnSpc>
+              <a:spcBef>
+                <a:spcPts val="2133"/>
+              </a:spcBef>
+              <a:spcAft>
+                <a:spcPts val="0"/>
+              </a:spcAft>
+              <a:buClr>
+                <a:srgbClr val="000000"/>
+              </a:buClr>
+              <a:buSzPts val="1800"/>
+              <a:buFont typeface="Roboto"/>
+              <a:buChar char="■"/>
+              <a:defRPr sz="2400" b="0" i="0" u="none" strike="noStrike" cap="none">
+                <a:solidFill>
+                  <a:srgbClr val="000000"/>
+                </a:solidFill>
+                <a:latin typeface="Roboto"/>
+                <a:ea typeface="Roboto"/>
+                <a:cs typeface="Roboto"/>
+                <a:sym typeface="Roboto"/>
+              </a:defRPr>
+            </a:lvl3pPr>
+            <a:lvl4pPr marL="2438339" marR="0" lvl="3" indent="-440256" algn="l" rtl="0">
+              <a:lnSpc>
+                <a:spcPct val="115000"/>
+              </a:lnSpc>
+              <a:spcBef>
+                <a:spcPts val="2133"/>
+              </a:spcBef>
+              <a:spcAft>
+                <a:spcPts val="0"/>
+              </a:spcAft>
+              <a:buClr>
+                <a:srgbClr val="000000"/>
+              </a:buClr>
+              <a:buSzPts val="1600"/>
+              <a:buFont typeface="Roboto"/>
+              <a:buChar char="●"/>
+              <a:defRPr sz="2133" b="0" i="0" u="none" strike="noStrike" cap="none">
+                <a:solidFill>
+                  <a:srgbClr val="000000"/>
+                </a:solidFill>
+                <a:latin typeface="Roboto"/>
+                <a:ea typeface="Roboto"/>
+                <a:cs typeface="Roboto"/>
+                <a:sym typeface="Roboto"/>
+              </a:defRPr>
+            </a:lvl4pPr>
+            <a:lvl5pPr marL="3047924" marR="0" lvl="4" indent="-423323" algn="l" rtl="0">
+              <a:lnSpc>
+                <a:spcPct val="115000"/>
+              </a:lnSpc>
+              <a:spcBef>
+                <a:spcPts val="2133"/>
+              </a:spcBef>
+              <a:spcAft>
+                <a:spcPts val="0"/>
+              </a:spcAft>
+              <a:buClr>
+                <a:srgbClr val="000000"/>
+              </a:buClr>
+              <a:buSzPts val="1400"/>
+              <a:buFont typeface="Roboto"/>
+              <a:buChar char="○"/>
+              <a:defRPr sz="1867" b="0" i="0" u="none" strike="noStrike" cap="none">
+                <a:solidFill>
+                  <a:srgbClr val="000000"/>
+                </a:solidFill>
+                <a:latin typeface="Roboto"/>
+                <a:ea typeface="Roboto"/>
+                <a:cs typeface="Roboto"/>
+                <a:sym typeface="Roboto"/>
+              </a:defRPr>
+            </a:lvl5pPr>
+            <a:lvl6pPr marL="3657509" marR="0" lvl="5" indent="-423323" algn="l" rtl="0">
+              <a:lnSpc>
+                <a:spcPct val="115000"/>
+              </a:lnSpc>
+              <a:spcBef>
+                <a:spcPts val="2133"/>
+              </a:spcBef>
+              <a:spcAft>
+                <a:spcPts val="0"/>
+              </a:spcAft>
+              <a:buClr>
+                <a:srgbClr val="000000"/>
+              </a:buClr>
+              <a:buSzPts val="1400"/>
+              <a:buFont typeface="Roboto"/>
+              <a:buChar char="■"/>
+              <a:defRPr sz="1867" b="0" i="0" u="none" strike="noStrike" cap="none">
+                <a:solidFill>
+                  <a:srgbClr val="000000"/>
+                </a:solidFill>
+                <a:latin typeface="Roboto"/>
+                <a:ea typeface="Roboto"/>
+                <a:cs typeface="Roboto"/>
+                <a:sym typeface="Roboto"/>
+              </a:defRPr>
+            </a:lvl6pPr>
+            <a:lvl7pPr marL="4267093" marR="0" lvl="6" indent="-423323" algn="l" rtl="0">
+              <a:lnSpc>
+                <a:spcPct val="115000"/>
+              </a:lnSpc>
+              <a:spcBef>
+                <a:spcPts val="2133"/>
+              </a:spcBef>
+              <a:spcAft>
+                <a:spcPts val="0"/>
+              </a:spcAft>
+              <a:buClr>
+                <a:srgbClr val="000000"/>
+              </a:buClr>
+              <a:buSzPts val="1400"/>
+              <a:buFont typeface="Roboto"/>
+              <a:buChar char="●"/>
+              <a:defRPr sz="1867" b="0" i="0" u="none" strike="noStrike" cap="none">
+                <a:solidFill>
+                  <a:srgbClr val="000000"/>
+                </a:solidFill>
+                <a:latin typeface="Roboto"/>
+                <a:ea typeface="Roboto"/>
+                <a:cs typeface="Roboto"/>
+                <a:sym typeface="Roboto"/>
+              </a:defRPr>
+            </a:lvl7pPr>
+            <a:lvl8pPr marL="4876678" marR="0" lvl="7" indent="-423323" algn="l" rtl="0">
+              <a:lnSpc>
+                <a:spcPct val="115000"/>
+              </a:lnSpc>
+              <a:spcBef>
+                <a:spcPts val="2133"/>
+              </a:spcBef>
+              <a:spcAft>
+                <a:spcPts val="0"/>
+              </a:spcAft>
+              <a:buClr>
+                <a:srgbClr val="000000"/>
+              </a:buClr>
+              <a:buSzPts val="1400"/>
+              <a:buFont typeface="Roboto"/>
+              <a:buChar char="○"/>
+              <a:defRPr sz="1867" b="0" i="0" u="none" strike="noStrike" cap="none">
+                <a:solidFill>
+                  <a:srgbClr val="000000"/>
+                </a:solidFill>
+                <a:latin typeface="Roboto"/>
+                <a:ea typeface="Roboto"/>
+                <a:cs typeface="Roboto"/>
+                <a:sym typeface="Roboto"/>
+              </a:defRPr>
+            </a:lvl8pPr>
+            <a:lvl9pPr marL="5486263" marR="0" lvl="8" indent="-423323" algn="l" rtl="0">
+              <a:lnSpc>
+                <a:spcPct val="115000"/>
+              </a:lnSpc>
+              <a:spcBef>
+                <a:spcPts val="2133"/>
+              </a:spcBef>
+              <a:spcAft>
+                <a:spcPts val="2133"/>
+              </a:spcAft>
+              <a:buClr>
+                <a:schemeClr val="lt2"/>
+              </a:buClr>
+              <a:buSzPts val="1400"/>
+              <a:buFont typeface="Roboto"/>
+              <a:buChar char="■"/>
+              <a:defRPr sz="1867" b="0" i="0" u="none" strike="noStrike" cap="none">
+                <a:solidFill>
+                  <a:schemeClr val="lt2"/>
+                </a:solidFill>
+                <a:latin typeface="Roboto"/>
+                <a:ea typeface="Roboto"/>
+                <a:cs typeface="Roboto"/>
+                <a:sym typeface="Roboto"/>
+              </a:defRPr>
+            </a:lvl9pPr>
+          </a:lstStyle>
+          <a:p>
+            <a:pPr marL="118531" indent="0">
+              <a:buFont typeface="Roboto"/>
+              <a:buNone/>
+            </a:pPr>
+            <a:r>
+              <a:rPr lang="en-US" sz="2000" b="1" kern="0" dirty="0" smtClean="0"/>
+              <a:t>2.2 </a:t>
+            </a:r>
+            <a:r>
+              <a:rPr lang="en-US" sz="2000" b="1" kern="0" dirty="0" err="1" smtClean="0"/>
+              <a:t>Phương</a:t>
+            </a:r>
+            <a:r>
+              <a:rPr lang="en-US" sz="2000" b="1" kern="0" dirty="0" smtClean="0"/>
+              <a:t> </a:t>
+            </a:r>
+            <a:r>
+              <a:rPr lang="en-US" sz="2000" b="1" kern="0" dirty="0" err="1" smtClean="0"/>
+              <a:t>pháp</a:t>
+            </a:r>
+            <a:r>
+              <a:rPr lang="en-US" sz="2000" b="1" kern="0" dirty="0" smtClean="0"/>
+              <a:t> Classification-</a:t>
+            </a:r>
+            <a:r>
+              <a:rPr lang="en-US" sz="2000" b="1" kern="0" dirty="0" err="1" smtClean="0"/>
+              <a:t>softmax</a:t>
+            </a:r>
+            <a:endParaRPr lang="en-US" sz="2000" b="1" kern="0" dirty="0"/>
+          </a:p>
+        </p:txBody>
+      </p:sp>
+      <p:sp>
+        <p:nvSpPr>
+          <p:cNvPr id="9" name="Title 1"/>
+          <p:cNvSpPr>
+            <a:spLocks noGrp="1"/>
+          </p:cNvSpPr>
+          <p:nvPr>
+            <p:ph type="title"/>
+          </p:nvPr>
+        </p:nvSpPr>
+        <p:spPr>
+          <a:xfrm>
+            <a:off x="629200" y="77167"/>
+            <a:ext cx="10962800" cy="894000"/>
+          </a:xfrm>
+        </p:spPr>
+        <p:txBody>
+          <a:bodyPr/>
+          <a:lstStyle/>
+          <a:p>
+            <a:r>
+              <a:rPr lang="en" sz="4800" b="1" dirty="0" smtClean="0"/>
+              <a:t>Phương pháp</a:t>
+            </a:r>
+            <a:endParaRPr lang="en-US" sz="4800" dirty="0"/>
+          </a:p>
+        </p:txBody>
+      </p:sp>
+    </p:spTree>
+    <p:extLst>
+      <p:ext uri="{BB962C8B-B14F-4D97-AF65-F5344CB8AC3E}">
+        <p14:creationId xmlns:p14="http://schemas.microsoft.com/office/powerpoint/2010/main" val="919936371"/>
+      </p:ext>
+    </p:extLst>
+  </p:cSld>
+  <p:clrMapOvr>
+    <a:masterClrMapping/>
+  </p:clrMapOvr>
+  <p:timing>
+    <p:tnLst>
+      <p:par>
+        <p:cTn id="1" dur="indefinite" restart="never" nodeType="tmRoot"/>
+      </p:par>
+    </p:tnLst>
+  </p:timing>
+</p:sld>
+</file>
+
+<file path=ppt/slides/slide11.xml><?xml version="1.0" encoding="utf-8"?>
+<p:sld xmlns:a="http://schemas.openxmlformats.org/drawingml/2006/main" xmlns:r="http://schemas.openxmlformats.org/officeDocument/2006/relationships" xmlns:p="http://schemas.openxmlformats.org/presentationml/2006/main">
+  <p:cSld>
+    <p:spTree>
+      <p:nvGrpSpPr>
+        <p:cNvPr id="1" name=""/>
+        <p:cNvGrpSpPr/>
+        <p:nvPr/>
+      </p:nvGrpSpPr>
+      <p:grpSpPr>
+        <a:xfrm>
+          <a:off x="0" y="0"/>
+          <a:ext cx="0" cy="0"/>
+          <a:chOff x="0" y="0"/>
+          <a:chExt cx="0" cy="0"/>
+        </a:xfrm>
+      </p:grpSpPr>
+      <p:pic>
+        <p:nvPicPr>
+          <p:cNvPr id="8" name="Picture 7"/>
+          <p:cNvPicPr>
+            <a:picLocks noChangeAspect="1"/>
+          </p:cNvPicPr>
+          <p:nvPr/>
+        </p:nvPicPr>
+        <p:blipFill>
+          <a:blip r:embed="rId2"/>
+          <a:stretch>
+            <a:fillRect/>
+          </a:stretch>
+        </p:blipFill>
+        <p:spPr>
+          <a:xfrm>
+            <a:off x="1349828" y="5824552"/>
+            <a:ext cx="614619" cy="481007"/>
+          </a:xfrm>
+          <a:prstGeom prst="rect">
+            <a:avLst/>
+          </a:prstGeom>
+        </p:spPr>
+      </p:pic>
+      <p:sp>
+        <p:nvSpPr>
+          <p:cNvPr id="10" name="TextBox 9"/>
+          <p:cNvSpPr txBox="1"/>
+          <p:nvPr/>
+        </p:nvSpPr>
+        <p:spPr>
+          <a:xfrm>
+            <a:off x="1964447" y="5865000"/>
+            <a:ext cx="8893439" cy="400110"/>
+          </a:xfrm>
+          <a:prstGeom prst="rect">
+            <a:avLst/>
+          </a:prstGeom>
+          <a:noFill/>
+        </p:spPr>
+        <p:txBody>
+          <a:bodyPr wrap="square" rtlCol="0">
+            <a:spAutoFit/>
+          </a:bodyPr>
+          <a:lstStyle/>
+          <a:p>
+            <a:r>
+              <a:rPr lang="en-US" sz="2000" b="1" dirty="0">
+                <a:solidFill>
+                  <a:schemeClr val="bg2">
+                    <a:lumMod val="50000"/>
+                  </a:schemeClr>
+                </a:solidFill>
+              </a:rPr>
+              <a:t>Pixel </a:t>
+            </a:r>
+            <a:r>
+              <a:rPr lang="en-US" sz="2000" b="1" dirty="0" err="1">
+                <a:solidFill>
+                  <a:schemeClr val="bg2">
+                    <a:lumMod val="50000"/>
+                  </a:schemeClr>
+                </a:solidFill>
+              </a:rPr>
+              <a:t>này</a:t>
+            </a:r>
+            <a:r>
+              <a:rPr lang="en-US" sz="2000" b="1" dirty="0">
+                <a:solidFill>
+                  <a:schemeClr val="bg2">
+                    <a:lumMod val="50000"/>
+                  </a:schemeClr>
+                </a:solidFill>
+              </a:rPr>
+              <a:t> </a:t>
+            </a:r>
+            <a:r>
+              <a:rPr lang="en-US" sz="2000" b="1" dirty="0" err="1">
+                <a:solidFill>
+                  <a:schemeClr val="bg2">
+                    <a:lumMod val="50000"/>
+                  </a:schemeClr>
+                </a:solidFill>
+              </a:rPr>
+              <a:t>có</a:t>
+            </a:r>
+            <a:r>
+              <a:rPr lang="en-US" sz="2000" b="1" dirty="0">
+                <a:solidFill>
+                  <a:schemeClr val="bg2">
+                    <a:lumMod val="50000"/>
+                  </a:schemeClr>
+                </a:solidFill>
+              </a:rPr>
+              <a:t> </a:t>
+            </a:r>
+            <a:r>
+              <a:rPr lang="en-US" sz="2000" b="1" dirty="0" err="1">
+                <a:solidFill>
+                  <a:schemeClr val="bg2">
+                    <a:lumMod val="50000"/>
+                  </a:schemeClr>
+                </a:solidFill>
+              </a:rPr>
+              <a:t>màu</a:t>
+            </a:r>
+            <a:r>
+              <a:rPr lang="en-US" sz="2000" b="1" dirty="0">
+                <a:solidFill>
+                  <a:schemeClr val="bg2">
+                    <a:lumMod val="50000"/>
+                  </a:schemeClr>
+                </a:solidFill>
+              </a:rPr>
+              <a:t> </a:t>
+            </a:r>
+            <a:r>
+              <a:rPr lang="en-US" sz="2000" b="1" dirty="0" err="1" smtClean="0">
+                <a:solidFill>
+                  <a:schemeClr val="bg2">
+                    <a:lumMod val="50000"/>
+                  </a:schemeClr>
+                </a:solidFill>
+              </a:rPr>
+              <a:t>vàng</a:t>
+            </a:r>
+            <a:r>
+              <a:rPr lang="en-US" sz="2000" b="1" dirty="0" smtClean="0">
+                <a:solidFill>
+                  <a:schemeClr val="bg2">
+                    <a:lumMod val="50000"/>
+                  </a:schemeClr>
+                </a:solidFill>
+              </a:rPr>
+              <a:t> </a:t>
+            </a:r>
+            <a:r>
+              <a:rPr lang="en-US" sz="2000" b="1" dirty="0" err="1" smtClean="0">
+                <a:solidFill>
+                  <a:schemeClr val="bg2">
+                    <a:lumMod val="50000"/>
+                  </a:schemeClr>
+                </a:solidFill>
+              </a:rPr>
+              <a:t>nhẹ</a:t>
+            </a:r>
+            <a:r>
+              <a:rPr lang="en-US" sz="2000" b="1" dirty="0">
+                <a:solidFill>
+                  <a:schemeClr val="bg2">
+                    <a:lumMod val="50000"/>
+                  </a:schemeClr>
+                </a:solidFill>
+              </a:rPr>
+              <a:t> (</a:t>
+            </a:r>
+            <a:r>
+              <a:rPr lang="en-US" sz="2000" b="1" dirty="0" err="1">
+                <a:solidFill>
+                  <a:schemeClr val="bg2">
+                    <a:lumMod val="50000"/>
+                  </a:schemeClr>
+                </a:solidFill>
+              </a:rPr>
+              <a:t>thay</a:t>
+            </a:r>
+            <a:r>
+              <a:rPr lang="en-US" sz="2000" b="1" dirty="0">
+                <a:solidFill>
+                  <a:schemeClr val="bg2">
+                    <a:lumMod val="50000"/>
+                  </a:schemeClr>
+                </a:solidFill>
+              </a:rPr>
+              <a:t> </a:t>
+            </a:r>
+            <a:r>
+              <a:rPr lang="en-US" sz="2000" b="1" dirty="0" err="1">
+                <a:solidFill>
+                  <a:schemeClr val="bg2">
+                    <a:lumMod val="50000"/>
+                  </a:schemeClr>
+                </a:solidFill>
+              </a:rPr>
+              <a:t>vì</a:t>
+            </a:r>
+            <a:r>
+              <a:rPr lang="en-US" sz="2000" b="1" dirty="0">
+                <a:solidFill>
+                  <a:schemeClr val="bg2">
+                    <a:lumMod val="50000"/>
+                  </a:schemeClr>
+                </a:solidFill>
+              </a:rPr>
+              <a:t> cam </a:t>
+            </a:r>
+            <a:r>
+              <a:rPr lang="en-US" sz="2000" b="1" dirty="0" err="1">
+                <a:solidFill>
+                  <a:schemeClr val="bg2">
+                    <a:lumMod val="50000"/>
+                  </a:schemeClr>
+                </a:solidFill>
+              </a:rPr>
+              <a:t>đậm</a:t>
+            </a:r>
+            <a:r>
+              <a:rPr lang="en-US" sz="2000" b="1" dirty="0">
+                <a:solidFill>
+                  <a:schemeClr val="bg2">
+                    <a:lumMod val="50000"/>
+                  </a:schemeClr>
+                </a:solidFill>
+              </a:rPr>
+              <a:t> </a:t>
+            </a:r>
+            <a:r>
+              <a:rPr lang="en-US" sz="2000" b="1" dirty="0" err="1">
+                <a:solidFill>
+                  <a:schemeClr val="bg2">
+                    <a:lumMod val="50000"/>
+                  </a:schemeClr>
+                </a:solidFill>
+              </a:rPr>
+              <a:t>nếu</a:t>
+            </a:r>
+            <a:r>
+              <a:rPr lang="en-US" sz="2000" b="1" dirty="0">
+                <a:solidFill>
+                  <a:schemeClr val="bg2">
+                    <a:lumMod val="50000"/>
+                  </a:schemeClr>
+                </a:solidFill>
+              </a:rPr>
+              <a:t> </a:t>
+            </a:r>
+            <a:r>
+              <a:rPr lang="en-US" sz="2000" b="1" dirty="0" err="1">
+                <a:solidFill>
+                  <a:schemeClr val="bg2">
+                    <a:lumMod val="50000"/>
+                  </a:schemeClr>
+                </a:solidFill>
+              </a:rPr>
+              <a:t>chỉ</a:t>
+            </a:r>
+            <a:r>
+              <a:rPr lang="en-US" sz="2000" b="1" dirty="0">
+                <a:solidFill>
+                  <a:schemeClr val="bg2">
+                    <a:lumMod val="50000"/>
+                  </a:schemeClr>
+                </a:solidFill>
+              </a:rPr>
+              <a:t> </a:t>
+            </a:r>
+            <a:r>
+              <a:rPr lang="en-US" sz="2000" b="1" dirty="0" err="1">
+                <a:solidFill>
+                  <a:schemeClr val="bg2">
+                    <a:lumMod val="50000"/>
+                  </a:schemeClr>
+                </a:solidFill>
+              </a:rPr>
+              <a:t>chọn</a:t>
+            </a:r>
+            <a:r>
+              <a:rPr lang="en-US" sz="2000" b="1" dirty="0">
+                <a:solidFill>
+                  <a:schemeClr val="bg2">
+                    <a:lumMod val="50000"/>
+                  </a:schemeClr>
+                </a:solidFill>
+              </a:rPr>
+              <a:t> </a:t>
+            </a:r>
+            <a:r>
+              <a:rPr lang="en-US" sz="2000" b="1" dirty="0" err="1">
+                <a:solidFill>
+                  <a:schemeClr val="bg2">
+                    <a:lumMod val="50000"/>
+                  </a:schemeClr>
+                </a:solidFill>
+              </a:rPr>
+              <a:t>argmax</a:t>
+            </a:r>
+            <a:r>
+              <a:rPr lang="en-US" sz="2000" b="1" dirty="0">
+                <a:solidFill>
+                  <a:schemeClr val="bg2">
+                    <a:lumMod val="50000"/>
+                  </a:schemeClr>
+                </a:solidFill>
+              </a:rPr>
+              <a:t>).</a:t>
+            </a:r>
+          </a:p>
+        </p:txBody>
+      </p:sp>
+      <p:pic>
+        <p:nvPicPr>
+          <p:cNvPr id="13" name="Picture 12"/>
+          <p:cNvPicPr>
+            <a:picLocks noChangeAspect="1"/>
+          </p:cNvPicPr>
+          <p:nvPr/>
+        </p:nvPicPr>
+        <p:blipFill>
+          <a:blip r:embed="rId3"/>
+          <a:stretch>
+            <a:fillRect/>
+          </a:stretch>
+        </p:blipFill>
+        <p:spPr>
+          <a:xfrm>
+            <a:off x="1043576" y="1399176"/>
+            <a:ext cx="8556171" cy="3427701"/>
+          </a:xfrm>
+          <a:prstGeom prst="rect">
+            <a:avLst/>
+          </a:prstGeom>
+        </p:spPr>
+      </p:pic>
+      <p:pic>
+        <p:nvPicPr>
+          <p:cNvPr id="14" name="Picture 13"/>
+          <p:cNvPicPr>
+            <a:picLocks noChangeAspect="1"/>
+          </p:cNvPicPr>
+          <p:nvPr/>
+        </p:nvPicPr>
+        <p:blipFill>
+          <a:blip r:embed="rId4"/>
+          <a:stretch>
+            <a:fillRect/>
+          </a:stretch>
+        </p:blipFill>
+        <p:spPr>
+          <a:xfrm>
+            <a:off x="1043576" y="4826877"/>
+            <a:ext cx="5241189" cy="430580"/>
+          </a:xfrm>
+          <a:prstGeom prst="rect">
+            <a:avLst/>
+          </a:prstGeom>
+        </p:spPr>
+      </p:pic>
+      <p:pic>
+        <p:nvPicPr>
+          <p:cNvPr id="15" name="Picture 14"/>
+          <p:cNvPicPr>
+            <a:picLocks noChangeAspect="1"/>
+          </p:cNvPicPr>
+          <p:nvPr/>
+        </p:nvPicPr>
+        <p:blipFill>
+          <a:blip r:embed="rId5"/>
+          <a:stretch>
+            <a:fillRect/>
+          </a:stretch>
+        </p:blipFill>
+        <p:spPr>
+          <a:xfrm>
+            <a:off x="1043576" y="5257457"/>
+            <a:ext cx="5241189" cy="423689"/>
+          </a:xfrm>
+          <a:prstGeom prst="rect">
+            <a:avLst/>
+          </a:prstGeom>
+        </p:spPr>
+      </p:pic>
+      <p:sp>
+        <p:nvSpPr>
+          <p:cNvPr id="11" name="Title 1"/>
+          <p:cNvSpPr>
+            <a:spLocks noGrp="1"/>
+          </p:cNvSpPr>
+          <p:nvPr>
+            <p:ph type="title"/>
+          </p:nvPr>
+        </p:nvSpPr>
+        <p:spPr>
+          <a:xfrm>
+            <a:off x="629200" y="77167"/>
+            <a:ext cx="10962800" cy="894000"/>
+          </a:xfrm>
+        </p:spPr>
+        <p:txBody>
+          <a:bodyPr/>
+          <a:lstStyle/>
+          <a:p>
+            <a:r>
+              <a:rPr lang="en" sz="4800" b="1" dirty="0" smtClean="0"/>
+              <a:t>Phương pháp</a:t>
+            </a:r>
+            <a:endParaRPr lang="en-US" sz="4800" dirty="0"/>
+          </a:p>
+        </p:txBody>
+      </p:sp>
+      <p:sp>
+        <p:nvSpPr>
+          <p:cNvPr id="16" name="Text Placeholder 2"/>
+          <p:cNvSpPr txBox="1">
+            <a:spLocks/>
+          </p:cNvSpPr>
+          <p:nvPr/>
+        </p:nvSpPr>
+        <p:spPr>
+          <a:xfrm>
+            <a:off x="-17829" y="907052"/>
+            <a:ext cx="10962800" cy="551920"/>
+          </a:xfrm>
+          <a:prstGeom prst="rect">
+            <a:avLst/>
+          </a:prstGeom>
+          <a:noFill/>
+          <a:ln>
+            <a:noFill/>
+          </a:ln>
+        </p:spPr>
+        <p:txBody>
+          <a:bodyPr spcFirstLastPara="1" wrap="square" lIns="91425" tIns="91425" rIns="91425" bIns="91425" anchor="t" anchorCtr="0">
+            <a:noAutofit/>
+          </a:bodyPr>
+          <a:lstStyle>
+            <a:defPPr marR="0" lvl="0" algn="l" rtl="0">
+              <a:lnSpc>
+                <a:spcPct val="100000"/>
+              </a:lnSpc>
+              <a:spcBef>
+                <a:spcPts val="0"/>
+              </a:spcBef>
+              <a:spcAft>
+                <a:spcPts val="0"/>
+              </a:spcAft>
+            </a:defPPr>
+            <a:lvl1pPr marL="609585" marR="0" lvl="0" indent="-491054" algn="l" rtl="0">
+              <a:lnSpc>
+                <a:spcPct val="115000"/>
+              </a:lnSpc>
+              <a:spcBef>
+                <a:spcPts val="0"/>
+              </a:spcBef>
+              <a:spcAft>
+                <a:spcPts val="0"/>
+              </a:spcAft>
+              <a:buClr>
+                <a:srgbClr val="000000"/>
+              </a:buClr>
+              <a:buSzPts val="2200"/>
+              <a:buFont typeface="Roboto"/>
+              <a:buChar char="●"/>
+              <a:defRPr sz="2933" b="0" i="0" u="none" strike="noStrike" cap="none">
+                <a:solidFill>
+                  <a:srgbClr val="000000"/>
+                </a:solidFill>
+                <a:latin typeface="Roboto"/>
+                <a:ea typeface="Roboto"/>
+                <a:cs typeface="Roboto"/>
+                <a:sym typeface="Roboto"/>
+              </a:defRPr>
+            </a:lvl1pPr>
+            <a:lvl2pPr marL="1219170" marR="0" lvl="1" indent="-474121" algn="l" rtl="0">
+              <a:lnSpc>
+                <a:spcPct val="115000"/>
+              </a:lnSpc>
+              <a:spcBef>
+                <a:spcPts val="2133"/>
+              </a:spcBef>
+              <a:spcAft>
+                <a:spcPts val="0"/>
+              </a:spcAft>
+              <a:buClr>
+                <a:srgbClr val="000000"/>
+              </a:buClr>
+              <a:buSzPts val="2000"/>
+              <a:buFont typeface="Roboto"/>
+              <a:buChar char="○"/>
+              <a:defRPr sz="2667" b="0" i="0" u="none" strike="noStrike" cap="none">
+                <a:solidFill>
+                  <a:srgbClr val="000000"/>
+                </a:solidFill>
+                <a:latin typeface="Roboto"/>
+                <a:ea typeface="Roboto"/>
+                <a:cs typeface="Roboto"/>
+                <a:sym typeface="Roboto"/>
+              </a:defRPr>
+            </a:lvl2pPr>
+            <a:lvl3pPr marL="1828754" marR="0" lvl="2" indent="-457189" algn="l" rtl="0">
+              <a:lnSpc>
+                <a:spcPct val="115000"/>
+              </a:lnSpc>
+              <a:spcBef>
+                <a:spcPts val="2133"/>
+              </a:spcBef>
+              <a:spcAft>
+                <a:spcPts val="0"/>
+              </a:spcAft>
+              <a:buClr>
+                <a:srgbClr val="000000"/>
+              </a:buClr>
+              <a:buSzPts val="1800"/>
+              <a:buFont typeface="Roboto"/>
+              <a:buChar char="■"/>
+              <a:defRPr sz="2400" b="0" i="0" u="none" strike="noStrike" cap="none">
+                <a:solidFill>
+                  <a:srgbClr val="000000"/>
+                </a:solidFill>
+                <a:latin typeface="Roboto"/>
+                <a:ea typeface="Roboto"/>
+                <a:cs typeface="Roboto"/>
+                <a:sym typeface="Roboto"/>
+              </a:defRPr>
+            </a:lvl3pPr>
+            <a:lvl4pPr marL="2438339" marR="0" lvl="3" indent="-440256" algn="l" rtl="0">
+              <a:lnSpc>
+                <a:spcPct val="115000"/>
+              </a:lnSpc>
+              <a:spcBef>
+                <a:spcPts val="2133"/>
+              </a:spcBef>
+              <a:spcAft>
+                <a:spcPts val="0"/>
+              </a:spcAft>
+              <a:buClr>
+                <a:srgbClr val="000000"/>
+              </a:buClr>
+              <a:buSzPts val="1600"/>
+              <a:buFont typeface="Roboto"/>
+              <a:buChar char="●"/>
+              <a:defRPr sz="2133" b="0" i="0" u="none" strike="noStrike" cap="none">
+                <a:solidFill>
+                  <a:srgbClr val="000000"/>
+                </a:solidFill>
+                <a:latin typeface="Roboto"/>
+                <a:ea typeface="Roboto"/>
+                <a:cs typeface="Roboto"/>
+                <a:sym typeface="Roboto"/>
+              </a:defRPr>
+            </a:lvl4pPr>
+            <a:lvl5pPr marL="3047924" marR="0" lvl="4" indent="-423323" algn="l" rtl="0">
+              <a:lnSpc>
+                <a:spcPct val="115000"/>
+              </a:lnSpc>
+              <a:spcBef>
+                <a:spcPts val="2133"/>
+              </a:spcBef>
+              <a:spcAft>
+                <a:spcPts val="0"/>
+              </a:spcAft>
+              <a:buClr>
+                <a:srgbClr val="000000"/>
+              </a:buClr>
+              <a:buSzPts val="1400"/>
+              <a:buFont typeface="Roboto"/>
+              <a:buChar char="○"/>
+              <a:defRPr sz="1867" b="0" i="0" u="none" strike="noStrike" cap="none">
+                <a:solidFill>
+                  <a:srgbClr val="000000"/>
+                </a:solidFill>
+                <a:latin typeface="Roboto"/>
+                <a:ea typeface="Roboto"/>
+                <a:cs typeface="Roboto"/>
+                <a:sym typeface="Roboto"/>
+              </a:defRPr>
+            </a:lvl5pPr>
+            <a:lvl6pPr marL="3657509" marR="0" lvl="5" indent="-423323" algn="l" rtl="0">
+              <a:lnSpc>
+                <a:spcPct val="115000"/>
+              </a:lnSpc>
+              <a:spcBef>
+                <a:spcPts val="2133"/>
+              </a:spcBef>
+              <a:spcAft>
+                <a:spcPts val="0"/>
+              </a:spcAft>
+              <a:buClr>
+                <a:srgbClr val="000000"/>
+              </a:buClr>
+              <a:buSzPts val="1400"/>
+              <a:buFont typeface="Roboto"/>
+              <a:buChar char="■"/>
+              <a:defRPr sz="1867" b="0" i="0" u="none" strike="noStrike" cap="none">
+                <a:solidFill>
+                  <a:srgbClr val="000000"/>
+                </a:solidFill>
+                <a:latin typeface="Roboto"/>
+                <a:ea typeface="Roboto"/>
+                <a:cs typeface="Roboto"/>
+                <a:sym typeface="Roboto"/>
+              </a:defRPr>
+            </a:lvl6pPr>
+            <a:lvl7pPr marL="4267093" marR="0" lvl="6" indent="-423323" algn="l" rtl="0">
+              <a:lnSpc>
+                <a:spcPct val="115000"/>
+              </a:lnSpc>
+              <a:spcBef>
+                <a:spcPts val="2133"/>
+              </a:spcBef>
+              <a:spcAft>
+                <a:spcPts val="0"/>
+              </a:spcAft>
+              <a:buClr>
+                <a:srgbClr val="000000"/>
+              </a:buClr>
+              <a:buSzPts val="1400"/>
+              <a:buFont typeface="Roboto"/>
+              <a:buChar char="●"/>
+              <a:defRPr sz="1867" b="0" i="0" u="none" strike="noStrike" cap="none">
+                <a:solidFill>
+                  <a:srgbClr val="000000"/>
+                </a:solidFill>
+                <a:latin typeface="Roboto"/>
+                <a:ea typeface="Roboto"/>
+                <a:cs typeface="Roboto"/>
+                <a:sym typeface="Roboto"/>
+              </a:defRPr>
+            </a:lvl7pPr>
+            <a:lvl8pPr marL="4876678" marR="0" lvl="7" indent="-423323" algn="l" rtl="0">
+              <a:lnSpc>
+                <a:spcPct val="115000"/>
+              </a:lnSpc>
+              <a:spcBef>
+                <a:spcPts val="2133"/>
+              </a:spcBef>
+              <a:spcAft>
+                <a:spcPts val="0"/>
+              </a:spcAft>
+              <a:buClr>
+                <a:srgbClr val="000000"/>
+              </a:buClr>
+              <a:buSzPts val="1400"/>
+              <a:buFont typeface="Roboto"/>
+              <a:buChar char="○"/>
+              <a:defRPr sz="1867" b="0" i="0" u="none" strike="noStrike" cap="none">
+                <a:solidFill>
+                  <a:srgbClr val="000000"/>
+                </a:solidFill>
+                <a:latin typeface="Roboto"/>
+                <a:ea typeface="Roboto"/>
+                <a:cs typeface="Roboto"/>
+                <a:sym typeface="Roboto"/>
+              </a:defRPr>
+            </a:lvl8pPr>
+            <a:lvl9pPr marL="5486263" marR="0" lvl="8" indent="-423323" algn="l" rtl="0">
+              <a:lnSpc>
+                <a:spcPct val="115000"/>
+              </a:lnSpc>
+              <a:spcBef>
+                <a:spcPts val="2133"/>
+              </a:spcBef>
+              <a:spcAft>
+                <a:spcPts val="2133"/>
+              </a:spcAft>
+              <a:buClr>
+                <a:schemeClr val="lt2"/>
+              </a:buClr>
+              <a:buSzPts val="1400"/>
+              <a:buFont typeface="Roboto"/>
+              <a:buChar char="■"/>
+              <a:defRPr sz="1867" b="0" i="0" u="none" strike="noStrike" cap="none">
+                <a:solidFill>
+                  <a:schemeClr val="lt2"/>
+                </a:solidFill>
+                <a:latin typeface="Roboto"/>
+                <a:ea typeface="Roboto"/>
+                <a:cs typeface="Roboto"/>
+                <a:sym typeface="Roboto"/>
+              </a:defRPr>
+            </a:lvl9pPr>
+          </a:lstStyle>
+          <a:p>
+            <a:pPr marL="118531" indent="0">
+              <a:buFont typeface="Roboto"/>
+              <a:buNone/>
+            </a:pPr>
+            <a:r>
+              <a:rPr lang="en-US" sz="2000" b="1" kern="0" dirty="0" smtClean="0"/>
+              <a:t>2.2 </a:t>
+            </a:r>
+            <a:r>
+              <a:rPr lang="en-US" sz="2000" b="1" kern="0" dirty="0" err="1" smtClean="0"/>
+              <a:t>Phương</a:t>
+            </a:r>
+            <a:r>
+              <a:rPr lang="en-US" sz="2000" b="1" kern="0" dirty="0" smtClean="0"/>
+              <a:t> </a:t>
+            </a:r>
+            <a:r>
+              <a:rPr lang="en-US" sz="2000" b="1" kern="0" dirty="0" err="1" smtClean="0"/>
+              <a:t>pháp</a:t>
+            </a:r>
+            <a:r>
+              <a:rPr lang="en-US" sz="2000" b="1" kern="0" dirty="0" smtClean="0"/>
+              <a:t> Classification-</a:t>
+            </a:r>
+            <a:r>
+              <a:rPr lang="en-US" sz="2000" b="1" kern="0" dirty="0" err="1" smtClean="0"/>
+              <a:t>softmax</a:t>
+            </a:r>
+            <a:endParaRPr lang="en-US" sz="2000" b="1" kern="0" dirty="0"/>
+          </a:p>
+        </p:txBody>
+      </p:sp>
+    </p:spTree>
+    <p:extLst>
+      <p:ext uri="{BB962C8B-B14F-4D97-AF65-F5344CB8AC3E}">
+        <p14:creationId xmlns:p14="http://schemas.microsoft.com/office/powerpoint/2010/main" val="2795498513"/>
+      </p:ext>
+    </p:extLst>
+  </p:cSld>
+  <p:clrMapOvr>
+    <a:masterClrMapping/>
+  </p:clrMapOvr>
+  <p:timing>
+    <p:tnLst>
+      <p:par>
+        <p:cTn id="1" dur="indefinite" restart="never" nodeType="tmRoot"/>
+      </p:par>
+    </p:tnLst>
+  </p:timing>
+</p:sld>
+</file>
+
+<file path=ppt/slides/slide12.xml><?xml version="1.0" encoding="utf-8"?>
+<p:sld xmlns:a="http://schemas.openxmlformats.org/drawingml/2006/main" xmlns:r="http://schemas.openxmlformats.org/officeDocument/2006/relationships" xmlns:p="http://schemas.openxmlformats.org/presentationml/2006/main">
+  <p:cSld>
+    <p:spTree>
+      <p:nvGrpSpPr>
+        <p:cNvPr id="1" name=""/>
+        <p:cNvGrpSpPr/>
+        <p:nvPr/>
+      </p:nvGrpSpPr>
+      <p:grpSpPr>
+        <a:xfrm>
+          <a:off x="0" y="0"/>
+          <a:ext cx="0" cy="0"/>
+          <a:chOff x="0" y="0"/>
+          <a:chExt cx="0" cy="0"/>
+        </a:xfrm>
+      </p:grpSpPr>
+      <p:sp>
+        <p:nvSpPr>
+          <p:cNvPr id="4" name="Title 1"/>
+          <p:cNvSpPr>
+            <a:spLocks noGrp="1"/>
+          </p:cNvSpPr>
+          <p:nvPr>
+            <p:ph type="title"/>
+          </p:nvPr>
+        </p:nvSpPr>
+        <p:spPr>
+          <a:xfrm>
+            <a:off x="629200" y="77167"/>
+            <a:ext cx="10962800" cy="894000"/>
+          </a:xfrm>
+        </p:spPr>
+        <p:txBody>
+          <a:bodyPr/>
+          <a:lstStyle/>
+          <a:p>
+            <a:r>
+              <a:rPr lang="en" sz="4800" b="1" dirty="0" smtClean="0"/>
+              <a:t>Phương pháp</a:t>
+            </a:r>
+            <a:endParaRPr lang="en-US" sz="4800" b="1" dirty="0"/>
+          </a:p>
+        </p:txBody>
+      </p:sp>
+      <p:sp>
+        <p:nvSpPr>
+          <p:cNvPr id="5" name="Text Placeholder 2"/>
+          <p:cNvSpPr txBox="1">
+            <a:spLocks/>
+          </p:cNvSpPr>
+          <p:nvPr/>
+        </p:nvSpPr>
+        <p:spPr>
+          <a:xfrm>
+            <a:off x="0" y="971167"/>
+            <a:ext cx="10962800" cy="551920"/>
+          </a:xfrm>
+          <a:prstGeom prst="rect">
+            <a:avLst/>
+          </a:prstGeom>
+          <a:noFill/>
+          <a:ln>
+            <a:noFill/>
+          </a:ln>
+        </p:spPr>
+        <p:txBody>
+          <a:bodyPr spcFirstLastPara="1" wrap="square" lIns="91425" tIns="91425" rIns="91425" bIns="91425" anchor="t" anchorCtr="0">
+            <a:noAutofit/>
+          </a:bodyPr>
+          <a:lstStyle>
+            <a:defPPr marR="0" lvl="0" algn="l" rtl="0">
+              <a:lnSpc>
+                <a:spcPct val="100000"/>
+              </a:lnSpc>
+              <a:spcBef>
+                <a:spcPts val="0"/>
+              </a:spcBef>
+              <a:spcAft>
+                <a:spcPts val="0"/>
+              </a:spcAft>
+            </a:defPPr>
+            <a:lvl1pPr marL="609585" marR="0" lvl="0" indent="-491054" algn="l" rtl="0">
+              <a:lnSpc>
+                <a:spcPct val="115000"/>
+              </a:lnSpc>
+              <a:spcBef>
+                <a:spcPts val="0"/>
+              </a:spcBef>
+              <a:spcAft>
+                <a:spcPts val="0"/>
+              </a:spcAft>
+              <a:buClr>
+                <a:srgbClr val="000000"/>
+              </a:buClr>
+              <a:buSzPts val="2200"/>
+              <a:buFont typeface="Roboto"/>
+              <a:buChar char="●"/>
+              <a:defRPr sz="2933" b="0" i="0" u="none" strike="noStrike" cap="none">
+                <a:solidFill>
+                  <a:srgbClr val="000000"/>
+                </a:solidFill>
+                <a:latin typeface="Roboto"/>
+                <a:ea typeface="Roboto"/>
+                <a:cs typeface="Roboto"/>
+                <a:sym typeface="Roboto"/>
+              </a:defRPr>
+            </a:lvl1pPr>
+            <a:lvl2pPr marL="1219170" marR="0" lvl="1" indent="-474121" algn="l" rtl="0">
+              <a:lnSpc>
+                <a:spcPct val="115000"/>
+              </a:lnSpc>
+              <a:spcBef>
+                <a:spcPts val="2133"/>
+              </a:spcBef>
+              <a:spcAft>
+                <a:spcPts val="0"/>
+              </a:spcAft>
+              <a:buClr>
+                <a:srgbClr val="000000"/>
+              </a:buClr>
+              <a:buSzPts val="2000"/>
+              <a:buFont typeface="Roboto"/>
+              <a:buChar char="○"/>
+              <a:defRPr sz="2667" b="0" i="0" u="none" strike="noStrike" cap="none">
+                <a:solidFill>
+                  <a:srgbClr val="000000"/>
+                </a:solidFill>
+                <a:latin typeface="Roboto"/>
+                <a:ea typeface="Roboto"/>
+                <a:cs typeface="Roboto"/>
+                <a:sym typeface="Roboto"/>
+              </a:defRPr>
+            </a:lvl2pPr>
+            <a:lvl3pPr marL="1828754" marR="0" lvl="2" indent="-457189" algn="l" rtl="0">
+              <a:lnSpc>
+                <a:spcPct val="115000"/>
+              </a:lnSpc>
+              <a:spcBef>
+                <a:spcPts val="2133"/>
+              </a:spcBef>
+              <a:spcAft>
+                <a:spcPts val="0"/>
+              </a:spcAft>
+              <a:buClr>
+                <a:srgbClr val="000000"/>
+              </a:buClr>
+              <a:buSzPts val="1800"/>
+              <a:buFont typeface="Roboto"/>
+              <a:buChar char="■"/>
+              <a:defRPr sz="2400" b="0" i="0" u="none" strike="noStrike" cap="none">
+                <a:solidFill>
+                  <a:srgbClr val="000000"/>
+                </a:solidFill>
+                <a:latin typeface="Roboto"/>
+                <a:ea typeface="Roboto"/>
+                <a:cs typeface="Roboto"/>
+                <a:sym typeface="Roboto"/>
+              </a:defRPr>
+            </a:lvl3pPr>
+            <a:lvl4pPr marL="2438339" marR="0" lvl="3" indent="-440256" algn="l" rtl="0">
+              <a:lnSpc>
+                <a:spcPct val="115000"/>
+              </a:lnSpc>
+              <a:spcBef>
+                <a:spcPts val="2133"/>
+              </a:spcBef>
+              <a:spcAft>
+                <a:spcPts val="0"/>
+              </a:spcAft>
+              <a:buClr>
+                <a:srgbClr val="000000"/>
+              </a:buClr>
+              <a:buSzPts val="1600"/>
+              <a:buFont typeface="Roboto"/>
+              <a:buChar char="●"/>
+              <a:defRPr sz="2133" b="0" i="0" u="none" strike="noStrike" cap="none">
+                <a:solidFill>
+                  <a:srgbClr val="000000"/>
+                </a:solidFill>
+                <a:latin typeface="Roboto"/>
+                <a:ea typeface="Roboto"/>
+                <a:cs typeface="Roboto"/>
+                <a:sym typeface="Roboto"/>
+              </a:defRPr>
+            </a:lvl4pPr>
+            <a:lvl5pPr marL="3047924" marR="0" lvl="4" indent="-423323" algn="l" rtl="0">
+              <a:lnSpc>
+                <a:spcPct val="115000"/>
+              </a:lnSpc>
+              <a:spcBef>
+                <a:spcPts val="2133"/>
+              </a:spcBef>
+              <a:spcAft>
+                <a:spcPts val="0"/>
+              </a:spcAft>
+              <a:buClr>
+                <a:srgbClr val="000000"/>
+              </a:buClr>
+              <a:buSzPts val="1400"/>
+              <a:buFont typeface="Roboto"/>
+              <a:buChar char="○"/>
+              <a:defRPr sz="1867" b="0" i="0" u="none" strike="noStrike" cap="none">
+                <a:solidFill>
+                  <a:srgbClr val="000000"/>
+                </a:solidFill>
+                <a:latin typeface="Roboto"/>
+                <a:ea typeface="Roboto"/>
+                <a:cs typeface="Roboto"/>
+                <a:sym typeface="Roboto"/>
+              </a:defRPr>
+            </a:lvl5pPr>
+            <a:lvl6pPr marL="3657509" marR="0" lvl="5" indent="-423323" algn="l" rtl="0">
+              <a:lnSpc>
+                <a:spcPct val="115000"/>
+              </a:lnSpc>
+              <a:spcBef>
+                <a:spcPts val="2133"/>
+              </a:spcBef>
+              <a:spcAft>
+                <a:spcPts val="0"/>
+              </a:spcAft>
+              <a:buClr>
+                <a:srgbClr val="000000"/>
+              </a:buClr>
+              <a:buSzPts val="1400"/>
+              <a:buFont typeface="Roboto"/>
+              <a:buChar char="■"/>
+              <a:defRPr sz="1867" b="0" i="0" u="none" strike="noStrike" cap="none">
+                <a:solidFill>
+                  <a:srgbClr val="000000"/>
+                </a:solidFill>
+                <a:latin typeface="Roboto"/>
+                <a:ea typeface="Roboto"/>
+                <a:cs typeface="Roboto"/>
+                <a:sym typeface="Roboto"/>
+              </a:defRPr>
+            </a:lvl6pPr>
+            <a:lvl7pPr marL="4267093" marR="0" lvl="6" indent="-423323" algn="l" rtl="0">
+              <a:lnSpc>
+                <a:spcPct val="115000"/>
+              </a:lnSpc>
+              <a:spcBef>
+                <a:spcPts val="2133"/>
+              </a:spcBef>
+              <a:spcAft>
+                <a:spcPts val="0"/>
+              </a:spcAft>
+              <a:buClr>
+                <a:srgbClr val="000000"/>
+              </a:buClr>
+              <a:buSzPts val="1400"/>
+              <a:buFont typeface="Roboto"/>
+              <a:buChar char="●"/>
+              <a:defRPr sz="1867" b="0" i="0" u="none" strike="noStrike" cap="none">
+                <a:solidFill>
+                  <a:srgbClr val="000000"/>
+                </a:solidFill>
+                <a:latin typeface="Roboto"/>
+                <a:ea typeface="Roboto"/>
+                <a:cs typeface="Roboto"/>
+                <a:sym typeface="Roboto"/>
+              </a:defRPr>
+            </a:lvl7pPr>
+            <a:lvl8pPr marL="4876678" marR="0" lvl="7" indent="-423323" algn="l" rtl="0">
+              <a:lnSpc>
+                <a:spcPct val="115000"/>
+              </a:lnSpc>
+              <a:spcBef>
+                <a:spcPts val="2133"/>
+              </a:spcBef>
+              <a:spcAft>
+                <a:spcPts val="0"/>
+              </a:spcAft>
+              <a:buClr>
+                <a:srgbClr val="000000"/>
+              </a:buClr>
+              <a:buSzPts val="1400"/>
+              <a:buFont typeface="Roboto"/>
+              <a:buChar char="○"/>
+              <a:defRPr sz="1867" b="0" i="0" u="none" strike="noStrike" cap="none">
+                <a:solidFill>
+                  <a:srgbClr val="000000"/>
+                </a:solidFill>
+                <a:latin typeface="Roboto"/>
+                <a:ea typeface="Roboto"/>
+                <a:cs typeface="Roboto"/>
+                <a:sym typeface="Roboto"/>
+              </a:defRPr>
+            </a:lvl8pPr>
+            <a:lvl9pPr marL="5486263" marR="0" lvl="8" indent="-423323" algn="l" rtl="0">
+              <a:lnSpc>
+                <a:spcPct val="115000"/>
+              </a:lnSpc>
+              <a:spcBef>
+                <a:spcPts val="2133"/>
+              </a:spcBef>
+              <a:spcAft>
+                <a:spcPts val="2133"/>
+              </a:spcAft>
+              <a:buClr>
+                <a:schemeClr val="lt2"/>
+              </a:buClr>
+              <a:buSzPts val="1400"/>
+              <a:buFont typeface="Roboto"/>
+              <a:buChar char="■"/>
+              <a:defRPr sz="1867" b="0" i="0" u="none" strike="noStrike" cap="none">
+                <a:solidFill>
+                  <a:schemeClr val="lt2"/>
+                </a:solidFill>
+                <a:latin typeface="Roboto"/>
+                <a:ea typeface="Roboto"/>
+                <a:cs typeface="Roboto"/>
+                <a:sym typeface="Roboto"/>
+              </a:defRPr>
+            </a:lvl9pPr>
+          </a:lstStyle>
+          <a:p>
+            <a:pPr marL="118531" indent="0">
+              <a:buFont typeface="Roboto"/>
+              <a:buNone/>
+            </a:pPr>
+            <a:r>
+              <a:rPr lang="en-US" sz="2000" b="1" kern="0" dirty="0" smtClean="0"/>
+              <a:t>2.2 </a:t>
+            </a:r>
+            <a:r>
+              <a:rPr lang="en-US" sz="2000" b="1" kern="0" dirty="0" err="1" smtClean="0"/>
+              <a:t>Phương</a:t>
+            </a:r>
+            <a:r>
+              <a:rPr lang="en-US" sz="2000" b="1" kern="0" dirty="0" smtClean="0"/>
+              <a:t> </a:t>
+            </a:r>
+            <a:r>
+              <a:rPr lang="en-US" sz="2000" b="1" kern="0" dirty="0" err="1" smtClean="0"/>
+              <a:t>pháp</a:t>
+            </a:r>
+            <a:r>
+              <a:rPr lang="en-US" sz="2000" b="1" kern="0" dirty="0" smtClean="0"/>
+              <a:t> Classification-</a:t>
+            </a:r>
+            <a:r>
+              <a:rPr lang="en-US" sz="2000" b="1" kern="0" dirty="0" err="1" smtClean="0"/>
+              <a:t>softmax</a:t>
+            </a:r>
+            <a:endParaRPr lang="en-US" sz="2000" b="1" kern="0" dirty="0"/>
+          </a:p>
+        </p:txBody>
+      </p:sp>
+      <p:sp>
+        <p:nvSpPr>
+          <p:cNvPr id="6" name="TextBox 5"/>
+          <p:cNvSpPr txBox="1"/>
+          <p:nvPr/>
+        </p:nvSpPr>
+        <p:spPr>
+          <a:xfrm>
+            <a:off x="4673424" y="1500427"/>
+            <a:ext cx="2588455" cy="369332"/>
+          </a:xfrm>
+          <a:prstGeom prst="rect">
+            <a:avLst/>
+          </a:prstGeom>
+          <a:noFill/>
+        </p:spPr>
+        <p:txBody>
+          <a:bodyPr wrap="square" rtlCol="0">
+            <a:spAutoFit/>
+          </a:bodyPr>
+          <a:lstStyle/>
+          <a:p>
+            <a:pPr algn="ctr"/>
+            <a:r>
+              <a:rPr lang="en-US" b="1" i="1" dirty="0" err="1" smtClean="0">
+                <a:solidFill>
+                  <a:srgbClr val="FF0000"/>
+                </a:solidFill>
+              </a:rPr>
+              <a:t>Kết</a:t>
+            </a:r>
+            <a:r>
+              <a:rPr lang="en-US" b="1" i="1" dirty="0" smtClean="0">
+                <a:solidFill>
+                  <a:srgbClr val="FF0000"/>
+                </a:solidFill>
+              </a:rPr>
+              <a:t> </a:t>
+            </a:r>
+            <a:r>
+              <a:rPr lang="en-US" b="1" i="1" dirty="0" err="1" smtClean="0">
+                <a:solidFill>
+                  <a:srgbClr val="FF0000"/>
+                </a:solidFill>
+              </a:rPr>
+              <a:t>quả</a:t>
+            </a:r>
+            <a:r>
+              <a:rPr lang="en-US" b="1" i="1" dirty="0" smtClean="0">
+                <a:solidFill>
+                  <a:srgbClr val="FF0000"/>
+                </a:solidFill>
+              </a:rPr>
+              <a:t> </a:t>
+            </a:r>
+            <a:r>
+              <a:rPr lang="en-US" b="1" i="1" dirty="0" err="1" smtClean="0">
+                <a:solidFill>
+                  <a:srgbClr val="FF0000"/>
+                </a:solidFill>
+              </a:rPr>
+              <a:t>đạt</a:t>
+            </a:r>
+            <a:r>
+              <a:rPr lang="en-US" b="1" i="1" dirty="0" smtClean="0">
+                <a:solidFill>
+                  <a:srgbClr val="FF0000"/>
+                </a:solidFill>
+              </a:rPr>
+              <a:t> </a:t>
+            </a:r>
+            <a:r>
+              <a:rPr lang="en-US" b="1" i="1" dirty="0" err="1" smtClean="0">
+                <a:solidFill>
+                  <a:srgbClr val="FF0000"/>
+                </a:solidFill>
+              </a:rPr>
+              <a:t>được</a:t>
+            </a:r>
+            <a:endParaRPr lang="en-US" b="1" i="1" dirty="0">
+              <a:solidFill>
+                <a:srgbClr val="FF0000"/>
+              </a:solidFill>
+            </a:endParaRPr>
+          </a:p>
+        </p:txBody>
+      </p:sp>
+      <p:pic>
+        <p:nvPicPr>
+          <p:cNvPr id="8" name="Picture 7"/>
+          <p:cNvPicPr>
+            <a:picLocks noChangeAspect="1"/>
+          </p:cNvPicPr>
+          <p:nvPr/>
+        </p:nvPicPr>
+        <p:blipFill>
+          <a:blip r:embed="rId2"/>
+          <a:stretch>
+            <a:fillRect/>
+          </a:stretch>
+        </p:blipFill>
+        <p:spPr>
+          <a:xfrm>
+            <a:off x="2253606" y="2283037"/>
+            <a:ext cx="5446642" cy="4038027"/>
+          </a:xfrm>
+          <a:prstGeom prst="rect">
+            <a:avLst/>
+          </a:prstGeom>
+        </p:spPr>
+      </p:pic>
+      <p:pic>
+        <p:nvPicPr>
+          <p:cNvPr id="9" name="Picture 8"/>
+          <p:cNvPicPr>
+            <a:picLocks noChangeAspect="1"/>
+          </p:cNvPicPr>
+          <p:nvPr/>
+        </p:nvPicPr>
+        <p:blipFill>
+          <a:blip r:embed="rId3"/>
+          <a:stretch>
+            <a:fillRect/>
+          </a:stretch>
+        </p:blipFill>
+        <p:spPr>
+          <a:xfrm>
+            <a:off x="7700248" y="2283037"/>
+            <a:ext cx="1758543" cy="4038027"/>
+          </a:xfrm>
+          <a:prstGeom prst="rect">
+            <a:avLst/>
+          </a:prstGeom>
+        </p:spPr>
+      </p:pic>
+      <p:pic>
+        <p:nvPicPr>
+          <p:cNvPr id="11" name="Picture 10"/>
+          <p:cNvPicPr>
+            <a:picLocks noChangeAspect="1"/>
+          </p:cNvPicPr>
+          <p:nvPr/>
+        </p:nvPicPr>
+        <p:blipFill>
+          <a:blip r:embed="rId4"/>
+          <a:stretch>
+            <a:fillRect/>
+          </a:stretch>
+        </p:blipFill>
+        <p:spPr>
+          <a:xfrm>
+            <a:off x="7941255" y="1995082"/>
+            <a:ext cx="1276528" cy="285790"/>
+          </a:xfrm>
+          <a:prstGeom prst="rect">
+            <a:avLst/>
+          </a:prstGeom>
+        </p:spPr>
+      </p:pic>
+      <p:pic>
+        <p:nvPicPr>
+          <p:cNvPr id="13" name="Picture 12"/>
+          <p:cNvPicPr>
+            <a:picLocks noChangeAspect="1"/>
+          </p:cNvPicPr>
+          <p:nvPr/>
+        </p:nvPicPr>
+        <p:blipFill>
+          <a:blip r:embed="rId5"/>
+          <a:stretch>
+            <a:fillRect/>
+          </a:stretch>
+        </p:blipFill>
+        <p:spPr>
+          <a:xfrm>
+            <a:off x="2833451" y="1923616"/>
+            <a:ext cx="2647949" cy="323895"/>
+          </a:xfrm>
+          <a:prstGeom prst="rect">
+            <a:avLst/>
+          </a:prstGeom>
+        </p:spPr>
+      </p:pic>
+      <p:pic>
+        <p:nvPicPr>
+          <p:cNvPr id="14" name="Picture 13"/>
+          <p:cNvPicPr>
+            <a:picLocks noChangeAspect="1"/>
+          </p:cNvPicPr>
+          <p:nvPr/>
+        </p:nvPicPr>
+        <p:blipFill>
+          <a:blip r:embed="rId6"/>
+          <a:stretch>
+            <a:fillRect/>
+          </a:stretch>
+        </p:blipFill>
+        <p:spPr>
+          <a:xfrm>
+            <a:off x="6123006" y="1950389"/>
+            <a:ext cx="1214211" cy="317856"/>
+          </a:xfrm>
+          <a:prstGeom prst="rect">
+            <a:avLst/>
+          </a:prstGeom>
+        </p:spPr>
+      </p:pic>
+    </p:spTree>
+    <p:extLst>
+      <p:ext uri="{BB962C8B-B14F-4D97-AF65-F5344CB8AC3E}">
+        <p14:creationId xmlns:p14="http://schemas.microsoft.com/office/powerpoint/2010/main" val="3761766192"/>
+      </p:ext>
+    </p:extLst>
+  </p:cSld>
+  <p:clrMapOvr>
+    <a:masterClrMapping/>
+  </p:clrMapOvr>
+</p:sld>
+</file>
+
+<file path=ppt/slides/slide13.xml><?xml version="1.0" encoding="utf-8"?>
+<p:sld xmlns:a="http://schemas.openxmlformats.org/drawingml/2006/main" xmlns:r="http://schemas.openxmlformats.org/officeDocument/2006/relationships" xmlns:p="http://schemas.openxmlformats.org/presentationml/2006/main">
+  <p:cSld>
+    <p:spTree>
+      <p:nvGrpSpPr>
+        <p:cNvPr id="1" name=""/>
+        <p:cNvGrpSpPr/>
+        <p:nvPr/>
+      </p:nvGrpSpPr>
+      <p:grpSpPr>
+        <a:xfrm>
+          <a:off x="0" y="0"/>
+          <a:ext cx="0" cy="0"/>
+          <a:chOff x="0" y="0"/>
+          <a:chExt cx="0" cy="0"/>
+        </a:xfrm>
+      </p:grpSpPr>
+      <p:sp>
+        <p:nvSpPr>
+          <p:cNvPr id="2" name="Title 1"/>
+          <p:cNvSpPr>
+            <a:spLocks noGrp="1"/>
+          </p:cNvSpPr>
+          <p:nvPr>
+            <p:ph type="title"/>
+          </p:nvPr>
+        </p:nvSpPr>
+        <p:spPr/>
+        <p:txBody>
+          <a:bodyPr/>
+          <a:lstStyle/>
+          <a:p>
+            <a:r>
+              <a:rPr lang="en-US" sz="4800" b="1" dirty="0" err="1" smtClean="0"/>
+              <a:t>Đánh</a:t>
+            </a:r>
+            <a:r>
+              <a:rPr lang="en-US" sz="4800" b="1" dirty="0" smtClean="0"/>
+              <a:t> </a:t>
+            </a:r>
+            <a:r>
+              <a:rPr lang="en-US" sz="4800" b="1" dirty="0" err="1" smtClean="0"/>
+              <a:t>giá</a:t>
+            </a:r>
+            <a:endParaRPr lang="en-US" sz="4800" b="1" dirty="0"/>
+          </a:p>
+        </p:txBody>
+      </p:sp>
+      <p:sp>
+        <p:nvSpPr>
+          <p:cNvPr id="3" name="Text Placeholder 2"/>
+          <p:cNvSpPr>
+            <a:spLocks noGrp="1"/>
+          </p:cNvSpPr>
+          <p:nvPr>
+            <p:ph type="body" idx="1"/>
+          </p:nvPr>
+        </p:nvSpPr>
+        <p:spPr>
+          <a:xfrm>
+            <a:off x="742305" y="1205990"/>
+            <a:ext cx="11325004" cy="553537"/>
+          </a:xfrm>
+        </p:spPr>
+        <p:txBody>
+          <a:bodyPr/>
+          <a:lstStyle/>
+          <a:p>
+            <a:r>
+              <a:rPr lang="en-US" sz="1800" b="1" dirty="0" smtClean="0"/>
+              <a:t>Theo </a:t>
+            </a:r>
+            <a:r>
+              <a:rPr lang="en-US" sz="1800" b="1" dirty="0" err="1"/>
+              <a:t>góc</a:t>
+            </a:r>
+            <a:r>
+              <a:rPr lang="en-US" sz="1800" b="1" dirty="0"/>
+              <a:t> </a:t>
+            </a:r>
+            <a:r>
+              <a:rPr lang="en-US" sz="1800" b="1" dirty="0" err="1"/>
+              <a:t>độ</a:t>
+            </a:r>
+            <a:r>
+              <a:rPr lang="en-US" sz="1800" b="1" dirty="0"/>
+              <a:t> </a:t>
+            </a:r>
+            <a:r>
+              <a:rPr lang="en-US" sz="1800" b="1" dirty="0" err="1"/>
+              <a:t>định</a:t>
+            </a:r>
+            <a:r>
+              <a:rPr lang="en-US" sz="1800" b="1" dirty="0"/>
+              <a:t> </a:t>
+            </a:r>
+            <a:r>
+              <a:rPr lang="en-US" sz="1800" b="1" dirty="0" err="1" smtClean="0"/>
+              <a:t>lượng</a:t>
+            </a:r>
+            <a:r>
+              <a:rPr lang="en-US" sz="1800" b="1" dirty="0" smtClean="0"/>
+              <a:t>: </a:t>
+            </a:r>
+            <a:r>
+              <a:rPr lang="en-US" sz="1800" dirty="0" err="1" smtClean="0"/>
+              <a:t>Sử</a:t>
+            </a:r>
+            <a:r>
+              <a:rPr lang="en-US" sz="1800" dirty="0" smtClean="0"/>
+              <a:t> </a:t>
+            </a:r>
+            <a:r>
+              <a:rPr lang="en-US" sz="1800" dirty="0" err="1" smtClean="0"/>
+              <a:t>dụng</a:t>
+            </a:r>
+            <a:r>
+              <a:rPr lang="en-US" sz="1800" dirty="0" smtClean="0"/>
+              <a:t> MSE&amp;PSNR </a:t>
+            </a:r>
+            <a:r>
+              <a:rPr lang="en-US" sz="1800" dirty="0" err="1" smtClean="0"/>
+              <a:t>để</a:t>
+            </a:r>
+            <a:r>
+              <a:rPr lang="en-US" sz="1800" dirty="0" smtClean="0"/>
+              <a:t> </a:t>
+            </a:r>
+            <a:r>
+              <a:rPr lang="en-US" sz="1800" dirty="0" err="1" smtClean="0"/>
+              <a:t>đánh</a:t>
+            </a:r>
+            <a:r>
+              <a:rPr lang="en-US" sz="1800" dirty="0" smtClean="0"/>
+              <a:t> </a:t>
+            </a:r>
+            <a:r>
+              <a:rPr lang="en-US" sz="1800" dirty="0" err="1" smtClean="0"/>
+              <a:t>giá</a:t>
+            </a:r>
+            <a:r>
+              <a:rPr lang="en-US" sz="1800" dirty="0" smtClean="0"/>
+              <a:t> </a:t>
+            </a:r>
+            <a:r>
+              <a:rPr lang="en-US" sz="1800" dirty="0" err="1" smtClean="0"/>
+              <a:t>chất</a:t>
+            </a:r>
+            <a:r>
+              <a:rPr lang="en-US" sz="1800" dirty="0" smtClean="0"/>
+              <a:t> </a:t>
+            </a:r>
+            <a:r>
+              <a:rPr lang="en-US" sz="1800" dirty="0" err="1" smtClean="0"/>
+              <a:t>lượng</a:t>
+            </a:r>
+            <a:r>
+              <a:rPr lang="en-US" sz="1800" dirty="0" smtClean="0"/>
+              <a:t> </a:t>
+            </a:r>
+            <a:r>
+              <a:rPr lang="en-US" sz="1800" dirty="0" err="1" smtClean="0"/>
+              <a:t>tái</a:t>
+            </a:r>
+            <a:r>
+              <a:rPr lang="en-US" sz="1800" dirty="0" smtClean="0"/>
+              <a:t> </a:t>
+            </a:r>
+            <a:r>
+              <a:rPr lang="en-US" sz="1800" dirty="0" err="1" smtClean="0"/>
+              <a:t>tạo</a:t>
+            </a:r>
+            <a:r>
+              <a:rPr lang="en-US" sz="1800" dirty="0" smtClean="0"/>
+              <a:t> </a:t>
+            </a:r>
+            <a:r>
+              <a:rPr lang="en-US" sz="1800" dirty="0" err="1" smtClean="0"/>
+              <a:t>màu</a:t>
+            </a:r>
+            <a:endParaRPr lang="en-US" sz="1800" b="1" dirty="0"/>
+          </a:p>
+        </p:txBody>
+      </p:sp>
+      <p:pic>
+        <p:nvPicPr>
+          <p:cNvPr id="4" name="Picture 3"/>
+          <p:cNvPicPr>
+            <a:picLocks noChangeAspect="1"/>
+          </p:cNvPicPr>
+          <p:nvPr/>
+        </p:nvPicPr>
+        <p:blipFill>
+          <a:blip r:embed="rId2"/>
+          <a:stretch>
+            <a:fillRect/>
+          </a:stretch>
+        </p:blipFill>
+        <p:spPr>
+          <a:xfrm>
+            <a:off x="2386196" y="1585129"/>
+            <a:ext cx="5659831" cy="3365306"/>
+          </a:xfrm>
+          <a:prstGeom prst="rect">
+            <a:avLst/>
+          </a:prstGeom>
+        </p:spPr>
+      </p:pic>
+      <p:sp>
+        <p:nvSpPr>
+          <p:cNvPr id="5" name="Text Placeholder 2"/>
+          <p:cNvSpPr txBox="1">
+            <a:spLocks/>
+          </p:cNvSpPr>
+          <p:nvPr/>
+        </p:nvSpPr>
+        <p:spPr>
+          <a:xfrm>
+            <a:off x="742305" y="4823435"/>
+            <a:ext cx="10573395" cy="1475765"/>
+          </a:xfrm>
+          <a:prstGeom prst="rect">
+            <a:avLst/>
+          </a:prstGeom>
+          <a:noFill/>
+          <a:ln>
+            <a:noFill/>
+          </a:ln>
+        </p:spPr>
+        <p:txBody>
+          <a:bodyPr spcFirstLastPara="1" wrap="square" lIns="91425" tIns="91425" rIns="91425" bIns="91425" anchor="t" anchorCtr="0">
+            <a:noAutofit/>
+          </a:bodyPr>
+          <a:lstStyle>
+            <a:defPPr marR="0" lvl="0" algn="l" rtl="0">
+              <a:lnSpc>
+                <a:spcPct val="100000"/>
+              </a:lnSpc>
+              <a:spcBef>
+                <a:spcPts val="0"/>
+              </a:spcBef>
+              <a:spcAft>
+                <a:spcPts val="0"/>
+              </a:spcAft>
+            </a:defPPr>
+            <a:lvl1pPr marL="609585" marR="0" lvl="0" indent="-491054" algn="l" rtl="0">
+              <a:lnSpc>
+                <a:spcPct val="115000"/>
+              </a:lnSpc>
+              <a:spcBef>
+                <a:spcPts val="0"/>
+              </a:spcBef>
+              <a:spcAft>
+                <a:spcPts val="0"/>
+              </a:spcAft>
+              <a:buClr>
+                <a:srgbClr val="000000"/>
+              </a:buClr>
+              <a:buSzPts val="2200"/>
+              <a:buFont typeface="Roboto"/>
+              <a:buChar char="●"/>
+              <a:defRPr sz="2933" b="0" i="0" u="none" strike="noStrike" cap="none">
+                <a:solidFill>
+                  <a:srgbClr val="000000"/>
+                </a:solidFill>
+                <a:latin typeface="Roboto"/>
+                <a:ea typeface="Roboto"/>
+                <a:cs typeface="Roboto"/>
+                <a:sym typeface="Roboto"/>
+              </a:defRPr>
+            </a:lvl1pPr>
+            <a:lvl2pPr marL="1219170" marR="0" lvl="1" indent="-474121" algn="l" rtl="0">
+              <a:lnSpc>
+                <a:spcPct val="115000"/>
+              </a:lnSpc>
+              <a:spcBef>
+                <a:spcPts val="2133"/>
+              </a:spcBef>
+              <a:spcAft>
+                <a:spcPts val="0"/>
+              </a:spcAft>
+              <a:buClr>
+                <a:srgbClr val="000000"/>
+              </a:buClr>
+              <a:buSzPts val="2000"/>
+              <a:buFont typeface="Roboto"/>
+              <a:buChar char="○"/>
+              <a:defRPr sz="2667" b="0" i="0" u="none" strike="noStrike" cap="none">
+                <a:solidFill>
+                  <a:srgbClr val="000000"/>
+                </a:solidFill>
+                <a:latin typeface="Roboto"/>
+                <a:ea typeface="Roboto"/>
+                <a:cs typeface="Roboto"/>
+                <a:sym typeface="Roboto"/>
+              </a:defRPr>
+            </a:lvl2pPr>
+            <a:lvl3pPr marL="1828754" marR="0" lvl="2" indent="-457189" algn="l" rtl="0">
+              <a:lnSpc>
+                <a:spcPct val="115000"/>
+              </a:lnSpc>
+              <a:spcBef>
+                <a:spcPts val="2133"/>
+              </a:spcBef>
+              <a:spcAft>
+                <a:spcPts val="0"/>
+              </a:spcAft>
+              <a:buClr>
+                <a:srgbClr val="000000"/>
+              </a:buClr>
+              <a:buSzPts val="1800"/>
+              <a:buFont typeface="Roboto"/>
+              <a:buChar char="■"/>
+              <a:defRPr sz="2400" b="0" i="0" u="none" strike="noStrike" cap="none">
+                <a:solidFill>
+                  <a:srgbClr val="000000"/>
+                </a:solidFill>
+                <a:latin typeface="Roboto"/>
+                <a:ea typeface="Roboto"/>
+                <a:cs typeface="Roboto"/>
+                <a:sym typeface="Roboto"/>
+              </a:defRPr>
+            </a:lvl3pPr>
+            <a:lvl4pPr marL="2438339" marR="0" lvl="3" indent="-440256" algn="l" rtl="0">
+              <a:lnSpc>
+                <a:spcPct val="115000"/>
+              </a:lnSpc>
+              <a:spcBef>
+                <a:spcPts val="2133"/>
+              </a:spcBef>
+              <a:spcAft>
+                <a:spcPts val="0"/>
+              </a:spcAft>
+              <a:buClr>
+                <a:srgbClr val="000000"/>
+              </a:buClr>
+              <a:buSzPts val="1600"/>
+              <a:buFont typeface="Roboto"/>
+              <a:buChar char="●"/>
+              <a:defRPr sz="2133" b="0" i="0" u="none" strike="noStrike" cap="none">
+                <a:solidFill>
+                  <a:srgbClr val="000000"/>
+                </a:solidFill>
+                <a:latin typeface="Roboto"/>
+                <a:ea typeface="Roboto"/>
+                <a:cs typeface="Roboto"/>
+                <a:sym typeface="Roboto"/>
+              </a:defRPr>
+            </a:lvl4pPr>
+            <a:lvl5pPr marL="3047924" marR="0" lvl="4" indent="-423323" algn="l" rtl="0">
+              <a:lnSpc>
+                <a:spcPct val="115000"/>
+              </a:lnSpc>
+              <a:spcBef>
+                <a:spcPts val="2133"/>
+              </a:spcBef>
+              <a:spcAft>
+                <a:spcPts val="0"/>
+              </a:spcAft>
+              <a:buClr>
+                <a:srgbClr val="000000"/>
+              </a:buClr>
+              <a:buSzPts val="1400"/>
+              <a:buFont typeface="Roboto"/>
+              <a:buChar char="○"/>
+              <a:defRPr sz="1867" b="0" i="0" u="none" strike="noStrike" cap="none">
+                <a:solidFill>
+                  <a:srgbClr val="000000"/>
+                </a:solidFill>
+                <a:latin typeface="Roboto"/>
+                <a:ea typeface="Roboto"/>
+                <a:cs typeface="Roboto"/>
+                <a:sym typeface="Roboto"/>
+              </a:defRPr>
+            </a:lvl5pPr>
+            <a:lvl6pPr marL="3657509" marR="0" lvl="5" indent="-423323" algn="l" rtl="0">
+              <a:lnSpc>
+                <a:spcPct val="115000"/>
+              </a:lnSpc>
+              <a:spcBef>
+                <a:spcPts val="2133"/>
+              </a:spcBef>
+              <a:spcAft>
+                <a:spcPts val="0"/>
+              </a:spcAft>
+              <a:buClr>
+                <a:srgbClr val="000000"/>
+              </a:buClr>
+              <a:buSzPts val="1400"/>
+              <a:buFont typeface="Roboto"/>
+              <a:buChar char="■"/>
+              <a:defRPr sz="1867" b="0" i="0" u="none" strike="noStrike" cap="none">
+                <a:solidFill>
+                  <a:srgbClr val="000000"/>
+                </a:solidFill>
+                <a:latin typeface="Roboto"/>
+                <a:ea typeface="Roboto"/>
+                <a:cs typeface="Roboto"/>
+                <a:sym typeface="Roboto"/>
+              </a:defRPr>
+            </a:lvl6pPr>
+            <a:lvl7pPr marL="4267093" marR="0" lvl="6" indent="-423323" algn="l" rtl="0">
+              <a:lnSpc>
+                <a:spcPct val="115000"/>
+              </a:lnSpc>
+              <a:spcBef>
+                <a:spcPts val="2133"/>
+              </a:spcBef>
+              <a:spcAft>
+                <a:spcPts val="0"/>
+              </a:spcAft>
+              <a:buClr>
+                <a:srgbClr val="000000"/>
+              </a:buClr>
+              <a:buSzPts val="1400"/>
+              <a:buFont typeface="Roboto"/>
+              <a:buChar char="●"/>
+              <a:defRPr sz="1867" b="0" i="0" u="none" strike="noStrike" cap="none">
+                <a:solidFill>
+                  <a:srgbClr val="000000"/>
+                </a:solidFill>
+                <a:latin typeface="Roboto"/>
+                <a:ea typeface="Roboto"/>
+                <a:cs typeface="Roboto"/>
+                <a:sym typeface="Roboto"/>
+              </a:defRPr>
+            </a:lvl7pPr>
+            <a:lvl8pPr marL="4876678" marR="0" lvl="7" indent="-423323" algn="l" rtl="0">
+              <a:lnSpc>
+                <a:spcPct val="115000"/>
+              </a:lnSpc>
+              <a:spcBef>
+                <a:spcPts val="2133"/>
+              </a:spcBef>
+              <a:spcAft>
+                <a:spcPts val="0"/>
+              </a:spcAft>
+              <a:buClr>
+                <a:srgbClr val="000000"/>
+              </a:buClr>
+              <a:buSzPts val="1400"/>
+              <a:buFont typeface="Roboto"/>
+              <a:buChar char="○"/>
+              <a:defRPr sz="1867" b="0" i="0" u="none" strike="noStrike" cap="none">
+                <a:solidFill>
+                  <a:srgbClr val="000000"/>
+                </a:solidFill>
+                <a:latin typeface="Roboto"/>
+                <a:ea typeface="Roboto"/>
+                <a:cs typeface="Roboto"/>
+                <a:sym typeface="Roboto"/>
+              </a:defRPr>
+            </a:lvl8pPr>
+            <a:lvl9pPr marL="5486263" marR="0" lvl="8" indent="-423323" algn="l" rtl="0">
+              <a:lnSpc>
+                <a:spcPct val="115000"/>
+              </a:lnSpc>
+              <a:spcBef>
+                <a:spcPts val="2133"/>
+              </a:spcBef>
+              <a:spcAft>
+                <a:spcPts val="2133"/>
+              </a:spcAft>
+              <a:buClr>
+                <a:schemeClr val="lt2"/>
+              </a:buClr>
+              <a:buSzPts val="1400"/>
+              <a:buFont typeface="Roboto"/>
+              <a:buChar char="■"/>
+              <a:defRPr sz="1867" b="0" i="0" u="none" strike="noStrike" cap="none">
+                <a:solidFill>
+                  <a:schemeClr val="lt2"/>
+                </a:solidFill>
+                <a:latin typeface="Roboto"/>
+                <a:ea typeface="Roboto"/>
+                <a:cs typeface="Roboto"/>
+                <a:sym typeface="Roboto"/>
+              </a:defRPr>
+            </a:lvl9pPr>
+          </a:lstStyle>
+          <a:p>
+            <a:r>
+              <a:rPr lang="en-US" sz="1800" b="1" dirty="0" smtClean="0"/>
+              <a:t>Theo </a:t>
+            </a:r>
+            <a:r>
+              <a:rPr lang="en-US" sz="1800" b="1" dirty="0" err="1" smtClean="0"/>
+              <a:t>góc</a:t>
+            </a:r>
+            <a:r>
+              <a:rPr lang="en-US" sz="1800" b="1" dirty="0" smtClean="0"/>
+              <a:t> </a:t>
+            </a:r>
+            <a:r>
+              <a:rPr lang="en-US" sz="1800" b="1" dirty="0" err="1" smtClean="0"/>
+              <a:t>độ</a:t>
+            </a:r>
+            <a:r>
+              <a:rPr lang="en-US" sz="1800" b="1" dirty="0" smtClean="0"/>
+              <a:t> </a:t>
+            </a:r>
+            <a:r>
+              <a:rPr lang="en-US" sz="1800" b="1" dirty="0" err="1" smtClean="0"/>
+              <a:t>định</a:t>
+            </a:r>
+            <a:r>
+              <a:rPr lang="en-US" sz="1800" b="1" dirty="0" smtClean="0"/>
+              <a:t> </a:t>
+            </a:r>
+            <a:r>
+              <a:rPr lang="en-US" sz="1800" b="1" dirty="0" err="1" smtClean="0"/>
+              <a:t>tính</a:t>
+            </a:r>
+            <a:r>
+              <a:rPr lang="en-US" sz="1800" b="1" dirty="0" smtClean="0"/>
+              <a:t>:</a:t>
+            </a:r>
+          </a:p>
+          <a:p>
+            <a:pPr lvl="1">
+              <a:spcBef>
+                <a:spcPts val="600"/>
+              </a:spcBef>
+            </a:pPr>
+            <a:r>
+              <a:rPr lang="vi-VN" sz="1600" b="1" dirty="0"/>
+              <a:t>Visual Turing Test</a:t>
+            </a:r>
+            <a:r>
+              <a:rPr lang="vi-VN" sz="1600" dirty="0"/>
+              <a:t> – Người dùng được hỏi ảnh nào là ảnh thật giữa ảnh tô màu và ảnh gốc → kiểm tra cảm giác “tự nhiên” của ảnh tô màu.</a:t>
+            </a:r>
+            <a:endParaRPr lang="en-US" sz="1534" b="1" dirty="0" smtClean="0"/>
+          </a:p>
+          <a:p>
+            <a:pPr lvl="1">
+              <a:spcBef>
+                <a:spcPts val="600"/>
+              </a:spcBef>
+            </a:pPr>
+            <a:r>
+              <a:rPr lang="vi-VN" sz="1600" b="1" dirty="0"/>
+              <a:t>Visual Comparison</a:t>
+            </a:r>
+            <a:r>
+              <a:rPr lang="vi-VN" sz="1600" dirty="0"/>
+              <a:t> – So sánh trực quan (hiển thị các ảnh tô màu của nhiều phương pháp</a:t>
+            </a:r>
+            <a:r>
+              <a:rPr lang="vi-VN" sz="1600" dirty="0" smtClean="0"/>
+              <a:t>)</a:t>
+            </a:r>
+            <a:endParaRPr lang="en-US" sz="1600" dirty="0" smtClean="0"/>
+          </a:p>
+          <a:p>
+            <a:pPr marL="745049" lvl="1" indent="0">
+              <a:buNone/>
+            </a:pPr>
+            <a:endParaRPr lang="en-US" sz="1600" dirty="0" smtClean="0"/>
+          </a:p>
+          <a:p>
+            <a:pPr lvl="1"/>
+            <a:endParaRPr lang="en-US" sz="1534" b="1" dirty="0" smtClean="0"/>
+          </a:p>
+          <a:p>
+            <a:pPr lvl="1"/>
+            <a:endParaRPr lang="en-US" sz="1534" b="1" kern="0" dirty="0"/>
+          </a:p>
+        </p:txBody>
+      </p:sp>
+    </p:spTree>
+    <p:extLst>
+      <p:ext uri="{BB962C8B-B14F-4D97-AF65-F5344CB8AC3E}">
+        <p14:creationId xmlns:p14="http://schemas.microsoft.com/office/powerpoint/2010/main" val="2143635202"/>
+      </p:ext>
+    </p:extLst>
+  </p:cSld>
+  <p:clrMapOvr>
+    <a:masterClrMapping/>
+  </p:clrMapOvr>
+</p:sld>
+</file>
+
+<file path=ppt/slides/slide14.xml><?xml version="1.0" encoding="utf-8"?>
+<p:sld xmlns:a="http://schemas.openxmlformats.org/drawingml/2006/main" xmlns:r="http://schemas.openxmlformats.org/officeDocument/2006/relationships" xmlns:p="http://schemas.openxmlformats.org/presentationml/2006/main">
+  <p:cSld>
+    <p:spTree>
+      <p:nvGrpSpPr>
+        <p:cNvPr id="1" name=""/>
+        <p:cNvGrpSpPr/>
+        <p:nvPr/>
+      </p:nvGrpSpPr>
+      <p:grpSpPr>
+        <a:xfrm>
+          <a:off x="0" y="0"/>
+          <a:ext cx="0" cy="0"/>
+          <a:chOff x="0" y="0"/>
+          <a:chExt cx="0" cy="0"/>
+        </a:xfrm>
+      </p:grpSpPr>
+      <p:sp>
+        <p:nvSpPr>
           <p:cNvPr id="4" name="Title 1"/>
           <p:cNvSpPr txBox="1">
             <a:spLocks/>
@@ -10921,7 +13514,7 @@
 </p:sld>
 </file>
 
-<file path=ppt/slides/slide11.xml><?xml version="1.0" encoding="utf-8"?>
+<file path=ppt/slides/slide15.xml><?xml version="1.0" encoding="utf-8"?>
 <p:sld xmlns:a="http://schemas.openxmlformats.org/drawingml/2006/main" xmlns:r="http://schemas.openxmlformats.org/officeDocument/2006/relationships" xmlns:p="http://schemas.openxmlformats.org/presentationml/2006/main">
   <p:cSld>
     <p:spTree>
@@ -12629,7 +15222,7 @@
 </p:sld>
 </file>
 
-<file path=ppt/slides/slide12.xml><?xml version="1.0" encoding="utf-8"?>
+<file path=ppt/slides/slide16.xml><?xml version="1.0" encoding="utf-8"?>
 <p:sld xmlns:a="http://schemas.openxmlformats.org/drawingml/2006/main" xmlns:r="http://schemas.openxmlformats.org/officeDocument/2006/relationships" xmlns:p="http://schemas.openxmlformats.org/presentationml/2006/main">
   <p:cSld>
     <p:spTree>
@@ -14333,7 +16926,7 @@
 </p:sld>
 </file>
 
-<file path=ppt/slides/slide13.xml><?xml version="1.0" encoding="utf-8"?>
+<file path=ppt/slides/slide17.xml><?xml version="1.0" encoding="utf-8"?>
 <p:sld xmlns:a="http://schemas.openxmlformats.org/drawingml/2006/main" xmlns:r="http://schemas.openxmlformats.org/officeDocument/2006/relationships" xmlns:p="http://schemas.openxmlformats.org/presentationml/2006/main">
   <p:cSld>
     <p:spTree>
@@ -16095,7 +18688,7 @@
 </p:sld>
 </file>
 
-<file path=ppt/slides/slide14.xml><?xml version="1.0" encoding="utf-8"?>
+<file path=ppt/slides/slide18.xml><?xml version="1.0" encoding="utf-8"?>
 <p:sld xmlns:a="http://schemas.openxmlformats.org/drawingml/2006/main" xmlns:r="http://schemas.openxmlformats.org/officeDocument/2006/relationships" xmlns:p="http://schemas.openxmlformats.org/presentationml/2006/main">
   <p:cSld>
     <p:spTree>
@@ -16212,7 +18805,7 @@
 </p:sld>
 </file>
 
-<file path=ppt/slides/slide15.xml><?xml version="1.0" encoding="utf-8"?>
+<file path=ppt/slides/slide19.xml><?xml version="1.0" encoding="utf-8"?>
 <p:sld xmlns:a="http://schemas.openxmlformats.org/drawingml/2006/main" xmlns:r="http://schemas.openxmlformats.org/officeDocument/2006/relationships" xmlns:p="http://schemas.openxmlformats.org/presentationml/2006/main">
   <p:cSld>
     <p:spTree>
@@ -19159,6 +21752,37 @@
       </p:grpSpPr>
       <p:sp>
         <p:nvSpPr>
+          <p:cNvPr id="2" name="Title 1"/>
+          <p:cNvSpPr>
+            <a:spLocks noGrp="1"/>
+          </p:cNvSpPr>
+          <p:nvPr>
+            <p:ph type="title"/>
+          </p:nvPr>
+        </p:nvSpPr>
+        <p:spPr/>
+        <p:txBody>
+          <a:bodyPr/>
+          <a:lstStyle/>
+          <a:p>
+            <a:r>
+              <a:rPr lang="en-US" sz="4800" b="1" dirty="0" err="1" smtClean="0"/>
+              <a:t>Phương</a:t>
+            </a:r>
+            <a:r>
+              <a:rPr lang="en-US" sz="4800" b="1" dirty="0" smtClean="0"/>
+              <a:t> </a:t>
+            </a:r>
+            <a:r>
+              <a:rPr lang="en-US" sz="4800" b="1" dirty="0" err="1" smtClean="0"/>
+              <a:t>pháp</a:t>
+            </a:r>
+            <a:endParaRPr lang="en-US" sz="4800" b="1" dirty="0"/>
+          </a:p>
+        </p:txBody>
+      </p:sp>
+      <p:sp>
+        <p:nvSpPr>
           <p:cNvPr id="3" name="Text Placeholder 2"/>
           <p:cNvSpPr>
             <a:spLocks noGrp="1"/>
@@ -19169,7 +21793,308 @@
         </p:nvSpPr>
         <p:spPr>
           <a:xfrm>
-            <a:off x="629200" y="1094000"/>
+            <a:off x="0" y="971167"/>
+            <a:ext cx="10962800" cy="551920"/>
+          </a:xfrm>
+        </p:spPr>
+        <p:txBody>
+          <a:bodyPr/>
+          <a:lstStyle/>
+          <a:p>
+            <a:pPr marL="118531" indent="0">
+              <a:buNone/>
+            </a:pPr>
+            <a:r>
+              <a:rPr lang="en-US" sz="2000" b="1" dirty="0"/>
+              <a:t>1. </a:t>
+            </a:r>
+            <a:r>
+              <a:rPr lang="en-US" sz="2000" b="1" dirty="0" smtClean="0"/>
+              <a:t>Regression </a:t>
+            </a:r>
+            <a:r>
+              <a:rPr lang="en-US" sz="2000" b="1" dirty="0" err="1" smtClean="0"/>
+              <a:t>với</a:t>
+            </a:r>
+            <a:r>
+              <a:rPr lang="en-US" sz="2000" b="1" dirty="0" smtClean="0"/>
+              <a:t> </a:t>
+            </a:r>
+            <a:r>
+              <a:rPr lang="en-US" sz="2000" b="1" dirty="0" err="1" smtClean="0"/>
+              <a:t>kênh</a:t>
+            </a:r>
+            <a:r>
+              <a:rPr lang="en-US" sz="2000" b="1" dirty="0" smtClean="0"/>
+              <a:t> </a:t>
+            </a:r>
+            <a:r>
+              <a:rPr lang="en-US" sz="2000" b="1" dirty="0" err="1" smtClean="0"/>
+              <a:t>màu</a:t>
+            </a:r>
+            <a:r>
+              <a:rPr lang="en-US" sz="2000" b="1" dirty="0" smtClean="0"/>
+              <a:t> CIE Lab</a:t>
+            </a:r>
+            <a:endParaRPr lang="en-US" sz="2000" b="1" dirty="0"/>
+          </a:p>
+        </p:txBody>
+      </p:sp>
+      <p:pic>
+        <p:nvPicPr>
+          <p:cNvPr id="4" name="Picture 3"/>
+          <p:cNvPicPr>
+            <a:picLocks noChangeAspect="1"/>
+          </p:cNvPicPr>
+          <p:nvPr/>
+        </p:nvPicPr>
+        <p:blipFill>
+          <a:blip r:embed="rId3"/>
+          <a:stretch>
+            <a:fillRect/>
+          </a:stretch>
+        </p:blipFill>
+        <p:spPr>
+          <a:xfrm>
+            <a:off x="2018018" y="2149427"/>
+            <a:ext cx="8426145" cy="2524173"/>
+          </a:xfrm>
+          <a:prstGeom prst="rect">
+            <a:avLst/>
+          </a:prstGeom>
+        </p:spPr>
+      </p:pic>
+      <p:sp>
+        <p:nvSpPr>
+          <p:cNvPr id="7" name="TextBox 6"/>
+          <p:cNvSpPr txBox="1"/>
+          <p:nvPr/>
+        </p:nvSpPr>
+        <p:spPr>
+          <a:xfrm>
+            <a:off x="690112" y="1463556"/>
+            <a:ext cx="9754051" cy="646331"/>
+          </a:xfrm>
+          <a:prstGeom prst="rect">
+            <a:avLst/>
+          </a:prstGeom>
+          <a:noFill/>
+        </p:spPr>
+        <p:txBody>
+          <a:bodyPr wrap="square" rtlCol="0">
+            <a:spAutoFit/>
+          </a:bodyPr>
+          <a:lstStyle/>
+          <a:p>
+            <a:r>
+              <a:rPr lang="en-US" b="1" dirty="0" smtClean="0">
+                <a:solidFill>
+                  <a:schemeClr val="bg2"/>
+                </a:solidFill>
+              </a:rPr>
+              <a:t>- </a:t>
+            </a:r>
+            <a:r>
+              <a:rPr lang="vi-VN" b="1" dirty="0" smtClean="0">
+                <a:solidFill>
+                  <a:schemeClr val="bg2"/>
+                </a:solidFill>
+              </a:rPr>
+              <a:t>Cách </a:t>
+            </a:r>
+            <a:r>
+              <a:rPr lang="vi-VN" b="1" dirty="0">
+                <a:solidFill>
+                  <a:schemeClr val="bg2"/>
+                </a:solidFill>
+              </a:rPr>
+              <a:t>tiếp cận cơ bản đầu tiên để giải quyết bài toán tô màu ảnh</a:t>
+            </a:r>
+            <a:r>
+              <a:rPr lang="vi-VN" dirty="0">
+                <a:solidFill>
+                  <a:schemeClr val="bg2"/>
+                </a:solidFill>
+              </a:rPr>
+              <a:t> là xem nó như một </a:t>
+            </a:r>
+            <a:r>
+              <a:rPr lang="vi-VN" b="1" dirty="0">
+                <a:solidFill>
+                  <a:schemeClr val="bg2"/>
+                </a:solidFill>
+              </a:rPr>
+              <a:t>bài toán </a:t>
+            </a:r>
+            <a:r>
+              <a:rPr lang="en-US" b="1" dirty="0" err="1" smtClean="0">
+                <a:solidFill>
+                  <a:schemeClr val="bg2"/>
+                </a:solidFill>
+              </a:rPr>
+              <a:t>hồi</a:t>
+            </a:r>
+            <a:r>
+              <a:rPr lang="en-US" b="1" dirty="0" smtClean="0">
+                <a:solidFill>
+                  <a:schemeClr val="bg2"/>
+                </a:solidFill>
+              </a:rPr>
+              <a:t> </a:t>
+            </a:r>
+            <a:r>
+              <a:rPr lang="en-US" b="1" dirty="0" err="1" smtClean="0">
+                <a:solidFill>
+                  <a:schemeClr val="bg2"/>
+                </a:solidFill>
+              </a:rPr>
+              <a:t>quy</a:t>
+            </a:r>
+            <a:endParaRPr lang="en-US" dirty="0">
+              <a:solidFill>
+                <a:schemeClr val="bg2"/>
+              </a:solidFill>
+            </a:endParaRPr>
+          </a:p>
+        </p:txBody>
+      </p:sp>
+      <p:pic>
+        <p:nvPicPr>
+          <p:cNvPr id="8" name="Picture 7"/>
+          <p:cNvPicPr>
+            <a:picLocks noChangeAspect="1"/>
+          </p:cNvPicPr>
+          <p:nvPr/>
+        </p:nvPicPr>
+        <p:blipFill>
+          <a:blip r:embed="rId4"/>
+          <a:stretch>
+            <a:fillRect/>
+          </a:stretch>
+        </p:blipFill>
+        <p:spPr>
+          <a:xfrm>
+            <a:off x="3751042" y="4668139"/>
+            <a:ext cx="3410426" cy="1712686"/>
+          </a:xfrm>
+          <a:prstGeom prst="rect">
+            <a:avLst/>
+          </a:prstGeom>
+        </p:spPr>
+      </p:pic>
+      <p:sp>
+        <p:nvSpPr>
+          <p:cNvPr id="9" name="Rectangle 8"/>
+          <p:cNvSpPr/>
+          <p:nvPr/>
+        </p:nvSpPr>
+        <p:spPr>
+          <a:xfrm>
+            <a:off x="2018018" y="2109887"/>
+            <a:ext cx="8426145" cy="2563713"/>
+          </a:xfrm>
+          <a:prstGeom prst="rect">
+            <a:avLst/>
+          </a:prstGeom>
+          <a:noFill/>
+          <a:ln w="57150">
+            <a:solidFill>
+              <a:schemeClr val="bg2"/>
+            </a:solidFill>
+          </a:ln>
+        </p:spPr>
+        <p:style>
+          <a:lnRef idx="2">
+            <a:schemeClr val="accent1">
+              <a:shade val="50000"/>
+            </a:schemeClr>
+          </a:lnRef>
+          <a:fillRef idx="1">
+            <a:schemeClr val="accent1"/>
+          </a:fillRef>
+          <a:effectRef idx="0">
+            <a:schemeClr val="accent1"/>
+          </a:effectRef>
+          <a:fontRef idx="minor">
+            <a:schemeClr val="lt1"/>
+          </a:fontRef>
+        </p:style>
+        <p:txBody>
+          <a:bodyPr rtlCol="0" anchor="ctr"/>
+          <a:lstStyle/>
+          <a:p>
+            <a:pPr algn="ctr"/>
+            <a:endParaRPr lang="en-US"/>
+          </a:p>
+        </p:txBody>
+      </p:sp>
+      <p:pic>
+        <p:nvPicPr>
+          <p:cNvPr id="10" name="Picture 9"/>
+          <p:cNvPicPr>
+            <a:picLocks noChangeAspect="1"/>
+          </p:cNvPicPr>
+          <p:nvPr/>
+        </p:nvPicPr>
+        <p:blipFill>
+          <a:blip r:embed="rId5"/>
+          <a:stretch>
+            <a:fillRect/>
+          </a:stretch>
+        </p:blipFill>
+        <p:spPr>
+          <a:xfrm>
+            <a:off x="7165888" y="4713140"/>
+            <a:ext cx="1569586" cy="1667685"/>
+          </a:xfrm>
+          <a:prstGeom prst="rect">
+            <a:avLst/>
+          </a:prstGeom>
+        </p:spPr>
+      </p:pic>
+    </p:spTree>
+    <p:extLst>
+      <p:ext uri="{BB962C8B-B14F-4D97-AF65-F5344CB8AC3E}">
+        <p14:creationId xmlns:p14="http://schemas.microsoft.com/office/powerpoint/2010/main" val="2048657553"/>
+      </p:ext>
+    </p:extLst>
+  </p:cSld>
+  <p:clrMapOvr>
+    <a:masterClrMapping/>
+  </p:clrMapOvr>
+</p:sld>
+</file>
+
+<file path=ppt/slides/slide6.xml><?xml version="1.0" encoding="utf-8"?>
+<p:sld xmlns:a="http://schemas.openxmlformats.org/drawingml/2006/main" xmlns:r="http://schemas.openxmlformats.org/officeDocument/2006/relationships" xmlns:p="http://schemas.openxmlformats.org/presentationml/2006/main">
+  <p:cSld>
+    <p:spTree>
+      <p:nvGrpSpPr>
+        <p:cNvPr id="1" name=""/>
+        <p:cNvGrpSpPr/>
+        <p:nvPr/>
+      </p:nvGrpSpPr>
+      <p:grpSpPr>
+        <a:xfrm>
+          <a:off x="0" y="0"/>
+          <a:ext cx="0" cy="0"/>
+          <a:chOff x="0" y="0"/>
+          <a:chExt cx="0" cy="0"/>
+        </a:xfrm>
+      </p:grpSpPr>
+      <p:sp>
+        <p:nvSpPr>
+          <p:cNvPr id="3" name="Text Placeholder 2"/>
+          <p:cNvSpPr>
+            <a:spLocks noGrp="1"/>
+          </p:cNvSpPr>
+          <p:nvPr>
+            <p:ph type="body" idx="1"/>
+          </p:nvPr>
+        </p:nvSpPr>
+        <p:spPr>
+          <a:xfrm>
+            <a:off x="629200" y="1521447"/>
             <a:ext cx="10962800" cy="1100560"/>
           </a:xfrm>
         </p:spPr>
@@ -19181,44 +22106,16 @@
               <a:buNone/>
             </a:pPr>
             <a:r>
-              <a:rPr lang="vi-VN" sz="1800" dirty="0" smtClean="0"/>
-              <a:t>Trong </a:t>
+              <a:rPr lang="en-US" sz="1800" dirty="0" smtClean="0"/>
+              <a:t>- </a:t>
+            </a:r>
+            <a:r>
+              <a:rPr lang="en-US" sz="1800" dirty="0" err="1" smtClean="0"/>
+              <a:t>Dùng</a:t>
             </a:r>
             <a:r>
               <a:rPr lang="vi-VN" sz="1800" dirty="0"/>
-              <a:t>không gian màu </a:t>
-            </a:r>
-            <a:r>
-              <a:rPr lang="vi-VN" sz="1800" b="1" dirty="0"/>
-              <a:t>ab</a:t>
-            </a:r>
-            <a:r>
-              <a:rPr lang="vi-VN" sz="1800" dirty="0"/>
-              <a:t> (từ hệ Lab), </a:t>
-            </a:r>
-            <a:r>
-              <a:rPr lang="en-US" sz="1800" dirty="0" err="1" smtClean="0"/>
-              <a:t>chúng</a:t>
-            </a:r>
-            <a:r>
-              <a:rPr lang="en-US" sz="1800" dirty="0" smtClean="0"/>
-              <a:t> </a:t>
-            </a:r>
-            <a:r>
-              <a:rPr lang="en-US" sz="1800" dirty="0" err="1" smtClean="0"/>
-              <a:t>tôi</a:t>
-            </a:r>
-            <a:r>
-              <a:rPr lang="en-US" sz="1800" dirty="0" smtClean="0"/>
-              <a:t> </a:t>
-            </a:r>
-            <a:r>
-              <a:rPr lang="vi-VN" sz="1800" dirty="0" smtClean="0"/>
-              <a:t>sử </a:t>
-            </a:r>
-            <a:r>
-              <a:rPr lang="vi-VN" sz="1800" dirty="0"/>
-              <a:t>dụng </a:t>
+              <a:t> </a:t>
             </a:r>
             <a:r>
               <a:rPr lang="vi-VN" sz="1800" b="1" dirty="0"/>
@@ -19234,7 +22131,23 @@
             </a:r>
             <a:r>
               <a:rPr lang="vi-VN" sz="1800" dirty="0"/>
-              <a:t> (cluster). Mỗi cụm đại diện cho một 'bin màu' (lượng tử hóa), giúp giảm độ phức tạp khi mô hình dự đoán màu.</a:t>
+              <a:t> (cluster). Mỗi cụm đại diện cho một 'bin </a:t>
+            </a:r>
+            <a:r>
+              <a:rPr lang="vi-VN" sz="1800" dirty="0" smtClean="0"/>
+              <a:t>màu‘</a:t>
+            </a:r>
+            <a:r>
+              <a:rPr lang="en-US" sz="1800" dirty="0" smtClean="0"/>
+              <a:t>, </a:t>
+            </a:r>
+            <a:r>
+              <a:rPr lang="vi-VN" sz="1800" dirty="0" smtClean="0"/>
+              <a:t>giúp </a:t>
+            </a:r>
+            <a:r>
+              <a:rPr lang="vi-VN" sz="1800" dirty="0"/>
+              <a:t>giảm độ phức tạp khi mô hình dự đoán màu.</a:t>
             </a:r>
             <a:endParaRPr lang="en-US" sz="1800" dirty="0"/>
           </a:p>
@@ -19256,8 +22169,8 @@
         </p:blipFill>
         <p:spPr>
           <a:xfrm>
-            <a:off x="3316383" y="2317393"/>
-            <a:ext cx="4638896" cy="4041673"/>
+            <a:off x="3628570" y="2651222"/>
+            <a:ext cx="4283165" cy="3731740"/>
           </a:xfrm>
           <a:prstGeom prst="rect">
             <a:avLst/>
@@ -19285,10 +22198,315 @@
           <a:lstStyle/>
           <a:p>
             <a:r>
-              <a:rPr lang="en" sz="4800" b="1" dirty="0"/>
-              <a:t>Giới thiệu</a:t>
+              <a:rPr lang="en" sz="4800" b="1" dirty="0" smtClean="0"/>
+              <a:t>Phương pháp</a:t>
             </a:r>
             <a:endParaRPr lang="en-US" sz="4800" dirty="0"/>
+          </a:p>
+        </p:txBody>
+      </p:sp>
+      <p:sp>
+        <p:nvSpPr>
+          <p:cNvPr id="7" name="Text Placeholder 2"/>
+          <p:cNvSpPr txBox="1">
+            <a:spLocks/>
+          </p:cNvSpPr>
+          <p:nvPr/>
+        </p:nvSpPr>
+        <p:spPr>
+          <a:xfrm>
+            <a:off x="0" y="971167"/>
+            <a:ext cx="10962800" cy="551920"/>
+          </a:xfrm>
+          <a:prstGeom prst="rect">
+            <a:avLst/>
+          </a:prstGeom>
+          <a:noFill/>
+          <a:ln>
+            <a:noFill/>
+          </a:ln>
+        </p:spPr>
+        <p:txBody>
+          <a:bodyPr spcFirstLastPara="1" wrap="square" lIns="91425" tIns="91425" rIns="91425" bIns="91425" anchor="t" anchorCtr="0">
+            <a:noAutofit/>
+          </a:bodyPr>
+          <a:lstStyle>
+            <a:defPPr marR="0" lvl="0" algn="l" rtl="0">
+              <a:lnSpc>
+                <a:spcPct val="100000"/>
+              </a:lnSpc>
+              <a:spcBef>
+                <a:spcPts val="0"/>
+              </a:spcBef>
+              <a:spcAft>
+                <a:spcPts val="0"/>
+              </a:spcAft>
+            </a:defPPr>
+            <a:lvl1pPr marL="609585" marR="0" lvl="0" indent="-491054" algn="l" rtl="0">
+              <a:lnSpc>
+                <a:spcPct val="115000"/>
+              </a:lnSpc>
+              <a:spcBef>
+                <a:spcPts val="0"/>
+              </a:spcBef>
+              <a:spcAft>
+                <a:spcPts val="0"/>
+              </a:spcAft>
+              <a:buClr>
+                <a:srgbClr val="000000"/>
+              </a:buClr>
+              <a:buSzPts val="2200"/>
+              <a:buFont typeface="Roboto"/>
+              <a:buChar char="●"/>
+              <a:defRPr sz="2933" b="0" i="0" u="none" strike="noStrike" cap="none">
+                <a:solidFill>
+                  <a:srgbClr val="000000"/>
+                </a:solidFill>
+                <a:latin typeface="Roboto"/>
+                <a:ea typeface="Roboto"/>
+                <a:cs typeface="Roboto"/>
+                <a:sym typeface="Roboto"/>
+              </a:defRPr>
+            </a:lvl1pPr>
+            <a:lvl2pPr marL="1219170" marR="0" lvl="1" indent="-474121" algn="l" rtl="0">
+              <a:lnSpc>
+                <a:spcPct val="115000"/>
+              </a:lnSpc>
+              <a:spcBef>
+                <a:spcPts val="2133"/>
+              </a:spcBef>
+              <a:spcAft>
+                <a:spcPts val="0"/>
+              </a:spcAft>
+              <a:buClr>
+                <a:srgbClr val="000000"/>
+              </a:buClr>
+              <a:buSzPts val="2000"/>
+              <a:buFont typeface="Roboto"/>
+              <a:buChar char="○"/>
+              <a:defRPr sz="2667" b="0" i="0" u="none" strike="noStrike" cap="none">
+                <a:solidFill>
+                  <a:srgbClr val="000000"/>
+                </a:solidFill>
+                <a:latin typeface="Roboto"/>
+                <a:ea typeface="Roboto"/>
+                <a:cs typeface="Roboto"/>
+                <a:sym typeface="Roboto"/>
+              </a:defRPr>
+            </a:lvl2pPr>
+            <a:lvl3pPr marL="1828754" marR="0" lvl="2" indent="-457189" algn="l" rtl="0">
+              <a:lnSpc>
+                <a:spcPct val="115000"/>
+              </a:lnSpc>
+              <a:spcBef>
+                <a:spcPts val="2133"/>
+              </a:spcBef>
+              <a:spcAft>
+                <a:spcPts val="0"/>
+              </a:spcAft>
+              <a:buClr>
+                <a:srgbClr val="000000"/>
+              </a:buClr>
+              <a:buSzPts val="1800"/>
+              <a:buFont typeface="Roboto"/>
+              <a:buChar char="■"/>
+              <a:defRPr sz="2400" b="0" i="0" u="none" strike="noStrike" cap="none">
+                <a:solidFill>
+                  <a:srgbClr val="000000"/>
+                </a:solidFill>
+                <a:latin typeface="Roboto"/>
+                <a:ea typeface="Roboto"/>
+                <a:cs typeface="Roboto"/>
+                <a:sym typeface="Roboto"/>
+              </a:defRPr>
+            </a:lvl3pPr>
+            <a:lvl4pPr marL="2438339" marR="0" lvl="3" indent="-440256" algn="l" rtl="0">
+              <a:lnSpc>
+                <a:spcPct val="115000"/>
+              </a:lnSpc>
+              <a:spcBef>
+                <a:spcPts val="2133"/>
+              </a:spcBef>
+              <a:spcAft>
+                <a:spcPts val="0"/>
+              </a:spcAft>
+              <a:buClr>
+                <a:srgbClr val="000000"/>
+              </a:buClr>
+              <a:buSzPts val="1600"/>
+              <a:buFont typeface="Roboto"/>
+              <a:buChar char="●"/>
+              <a:defRPr sz="2133" b="0" i="0" u="none" strike="noStrike" cap="none">
+                <a:solidFill>
+                  <a:srgbClr val="000000"/>
+                </a:solidFill>
+                <a:latin typeface="Roboto"/>
+                <a:ea typeface="Roboto"/>
+                <a:cs typeface="Roboto"/>
+                <a:sym typeface="Roboto"/>
+              </a:defRPr>
+            </a:lvl4pPr>
+            <a:lvl5pPr marL="3047924" marR="0" lvl="4" indent="-423323" algn="l" rtl="0">
+              <a:lnSpc>
+                <a:spcPct val="115000"/>
+              </a:lnSpc>
+              <a:spcBef>
+                <a:spcPts val="2133"/>
+              </a:spcBef>
+              <a:spcAft>
+                <a:spcPts val="0"/>
+              </a:spcAft>
+              <a:buClr>
+                <a:srgbClr val="000000"/>
+              </a:buClr>
+              <a:buSzPts val="1400"/>
+              <a:buFont typeface="Roboto"/>
+              <a:buChar char="○"/>
+              <a:defRPr sz="1867" b="0" i="0" u="none" strike="noStrike" cap="none">
+                <a:solidFill>
+                  <a:srgbClr val="000000"/>
+                </a:solidFill>
+                <a:latin typeface="Roboto"/>
+                <a:ea typeface="Roboto"/>
+                <a:cs typeface="Roboto"/>
+                <a:sym typeface="Roboto"/>
+              </a:defRPr>
+            </a:lvl5pPr>
+            <a:lvl6pPr marL="3657509" marR="0" lvl="5" indent="-423323" algn="l" rtl="0">
+              <a:lnSpc>
+                <a:spcPct val="115000"/>
+              </a:lnSpc>
+              <a:spcBef>
+                <a:spcPts val="2133"/>
+              </a:spcBef>
+              <a:spcAft>
+                <a:spcPts val="0"/>
+              </a:spcAft>
+              <a:buClr>
+                <a:srgbClr val="000000"/>
+              </a:buClr>
+              <a:buSzPts val="1400"/>
+              <a:buFont typeface="Roboto"/>
+              <a:buChar char="■"/>
+              <a:defRPr sz="1867" b="0" i="0" u="none" strike="noStrike" cap="none">
+                <a:solidFill>
+                  <a:srgbClr val="000000"/>
+                </a:solidFill>
+                <a:latin typeface="Roboto"/>
+                <a:ea typeface="Roboto"/>
+                <a:cs typeface="Roboto"/>
+                <a:sym typeface="Roboto"/>
+              </a:defRPr>
+            </a:lvl6pPr>
+            <a:lvl7pPr marL="4267093" marR="0" lvl="6" indent="-423323" algn="l" rtl="0">
+              <a:lnSpc>
+                <a:spcPct val="115000"/>
+              </a:lnSpc>
+              <a:spcBef>
+                <a:spcPts val="2133"/>
+              </a:spcBef>
+              <a:spcAft>
+                <a:spcPts val="0"/>
+              </a:spcAft>
+              <a:buClr>
+                <a:srgbClr val="000000"/>
+              </a:buClr>
+              <a:buSzPts val="1400"/>
+              <a:buFont typeface="Roboto"/>
+              <a:buChar char="●"/>
+              <a:defRPr sz="1867" b="0" i="0" u="none" strike="noStrike" cap="none">
+                <a:solidFill>
+                  <a:srgbClr val="000000"/>
+                </a:solidFill>
+                <a:latin typeface="Roboto"/>
+                <a:ea typeface="Roboto"/>
+                <a:cs typeface="Roboto"/>
+                <a:sym typeface="Roboto"/>
+              </a:defRPr>
+            </a:lvl7pPr>
+            <a:lvl8pPr marL="4876678" marR="0" lvl="7" indent="-423323" algn="l" rtl="0">
+              <a:lnSpc>
+                <a:spcPct val="115000"/>
+              </a:lnSpc>
+              <a:spcBef>
+                <a:spcPts val="2133"/>
+              </a:spcBef>
+              <a:spcAft>
+                <a:spcPts val="0"/>
+              </a:spcAft>
+              <a:buClr>
+                <a:srgbClr val="000000"/>
+              </a:buClr>
+              <a:buSzPts val="1400"/>
+              <a:buFont typeface="Roboto"/>
+              <a:buChar char="○"/>
+              <a:defRPr sz="1867" b="0" i="0" u="none" strike="noStrike" cap="none">
+                <a:solidFill>
+                  <a:srgbClr val="000000"/>
+                </a:solidFill>
+                <a:latin typeface="Roboto"/>
+                <a:ea typeface="Roboto"/>
+                <a:cs typeface="Roboto"/>
+                <a:sym typeface="Roboto"/>
+              </a:defRPr>
+            </a:lvl8pPr>
+            <a:lvl9pPr marL="5486263" marR="0" lvl="8" indent="-423323" algn="l" rtl="0">
+              <a:lnSpc>
+                <a:spcPct val="115000"/>
+              </a:lnSpc>
+              <a:spcBef>
+                <a:spcPts val="2133"/>
+              </a:spcBef>
+              <a:spcAft>
+                <a:spcPts val="2133"/>
+              </a:spcAft>
+              <a:buClr>
+                <a:schemeClr val="lt2"/>
+              </a:buClr>
+              <a:buSzPts val="1400"/>
+              <a:buFont typeface="Roboto"/>
+              <a:buChar char="■"/>
+              <a:defRPr sz="1867" b="0" i="0" u="none" strike="noStrike" cap="none">
+                <a:solidFill>
+                  <a:schemeClr val="lt2"/>
+                </a:solidFill>
+                <a:latin typeface="Roboto"/>
+                <a:ea typeface="Roboto"/>
+                <a:cs typeface="Roboto"/>
+                <a:sym typeface="Roboto"/>
+              </a:defRPr>
+            </a:lvl9pPr>
+          </a:lstStyle>
+          <a:p>
+            <a:pPr marL="118531" indent="0">
+              <a:buFont typeface="Roboto"/>
+              <a:buNone/>
+            </a:pPr>
+            <a:r>
+              <a:rPr lang="en-US" sz="2000" b="1" kern="0" dirty="0"/>
+              <a:t>2</a:t>
+            </a:r>
+            <a:r>
+              <a:rPr lang="en-US" sz="2000" b="1" kern="0" dirty="0" smtClean="0"/>
+              <a:t>. </a:t>
+            </a:r>
+            <a:r>
+              <a:rPr lang="en-US" sz="2000" b="1" kern="0" dirty="0" err="1" smtClean="0"/>
+              <a:t>Phương</a:t>
+            </a:r>
+            <a:r>
+              <a:rPr lang="en-US" sz="2000" b="1" kern="0" dirty="0" smtClean="0"/>
+              <a:t> </a:t>
+            </a:r>
+            <a:r>
+              <a:rPr lang="en-US" sz="2000" b="1" kern="0" dirty="0" err="1" smtClean="0"/>
+              <a:t>pháp</a:t>
+            </a:r>
+            <a:r>
+              <a:rPr lang="en-US" sz="2000" b="1" kern="0" dirty="0" smtClean="0"/>
+              <a:t> Classification</a:t>
+            </a:r>
+            <a:endParaRPr lang="en-US" sz="2000" b="1" kern="0" dirty="0"/>
           </a:p>
         </p:txBody>
       </p:sp>
@@ -19305,7 +22523,7 @@
 </p:sld>
 </file>
 
-<file path=ppt/slides/slide6.xml><?xml version="1.0" encoding="utf-8"?>
+<file path=ppt/slides/slide7.xml><?xml version="1.0" encoding="utf-8"?>
 <p:sld xmlns:a="http://schemas.openxmlformats.org/drawingml/2006/main" xmlns:r="http://schemas.openxmlformats.org/officeDocument/2006/relationships" xmlns:p="http://schemas.openxmlformats.org/presentationml/2006/main">
   <p:cSld>
     <p:spTree>
@@ -19464,8 +22682,8 @@
         </p:nvSpPr>
         <p:spPr>
           <a:xfrm>
-            <a:off x="404586" y="1185390"/>
-            <a:ext cx="10619014" cy="1477328"/>
+            <a:off x="536266" y="1587194"/>
+            <a:ext cx="10619014" cy="923330"/>
           </a:xfrm>
           <a:prstGeom prst="rect">
             <a:avLst/>
@@ -19479,12 +22697,100 @@
           <a:lstStyle/>
           <a:p>
             <a:r>
+              <a:rPr lang="en-US" b="1" dirty="0" smtClean="0">
+                <a:solidFill>
+                  <a:schemeClr val="bg2"/>
+                </a:solidFill>
+              </a:rPr>
+              <a:t>- </a:t>
+            </a:r>
+            <a:r>
+              <a:rPr lang="en-US" dirty="0" err="1" smtClean="0">
+                <a:solidFill>
+                  <a:schemeClr val="bg2"/>
+                </a:solidFill>
+              </a:rPr>
+              <a:t>Để</a:t>
+            </a:r>
+            <a:r>
+              <a:rPr lang="en-US" dirty="0" smtClean="0">
+                <a:solidFill>
+                  <a:schemeClr val="bg2"/>
+                </a:solidFill>
+              </a:rPr>
+              <a:t> </a:t>
+            </a:r>
+            <a:r>
+              <a:rPr lang="en-US" dirty="0" err="1" smtClean="0">
+                <a:solidFill>
+                  <a:schemeClr val="bg2"/>
+                </a:solidFill>
+              </a:rPr>
+              <a:t>huấn</a:t>
+            </a:r>
+            <a:r>
+              <a:rPr lang="en-US" dirty="0" smtClean="0">
+                <a:solidFill>
+                  <a:schemeClr val="bg2"/>
+                </a:solidFill>
+              </a:rPr>
+              <a:t> </a:t>
+            </a:r>
+            <a:r>
+              <a:rPr lang="en-US" dirty="0" err="1" smtClean="0">
+                <a:solidFill>
+                  <a:schemeClr val="bg2"/>
+                </a:solidFill>
+              </a:rPr>
+              <a:t>luyện</a:t>
+            </a:r>
+            <a:r>
+              <a:rPr lang="en-US" dirty="0" smtClean="0">
+                <a:solidFill>
+                  <a:schemeClr val="bg2"/>
+                </a:solidFill>
+              </a:rPr>
+              <a:t> </a:t>
+            </a:r>
+            <a:r>
+              <a:rPr lang="en-US" dirty="0" err="1" smtClean="0">
+                <a:solidFill>
+                  <a:schemeClr val="bg2"/>
+                </a:solidFill>
+              </a:rPr>
+              <a:t>mô</a:t>
+            </a:r>
+            <a:r>
+              <a:rPr lang="en-US" dirty="0" smtClean="0">
+                <a:solidFill>
+                  <a:schemeClr val="bg2"/>
+                </a:solidFill>
+              </a:rPr>
+              <a:t> </a:t>
+            </a:r>
+            <a:r>
+              <a:rPr lang="en-US" dirty="0" err="1" smtClean="0">
+                <a:solidFill>
+                  <a:schemeClr val="bg2"/>
+                </a:solidFill>
+              </a:rPr>
+              <a:t>hình</a:t>
+            </a:r>
+            <a:r>
+              <a:rPr lang="en-US" b="1" dirty="0" smtClean="0">
+                <a:solidFill>
+                  <a:schemeClr val="bg2"/>
+                </a:solidFill>
+              </a:rPr>
+              <a:t>, </a:t>
+            </a:r>
+            <a:r>
               <a:rPr lang="en-US" b="1" dirty="0" err="1" smtClean="0">
                 <a:solidFill>
                   <a:schemeClr val="bg2"/>
                 </a:solidFill>
               </a:rPr>
-              <a:t>Chúng</a:t>
+              <a:t>hàm</a:t>
             </a:r>
             <a:r>
               <a:rPr lang="en-US" b="1" dirty="0" smtClean="0">
@@ -19500,7 +22806,7 @@
                   <a:schemeClr val="bg2"/>
                 </a:solidFill>
               </a:rPr>
-              <a:t>tôi</a:t>
+              <a:t>mất</a:t>
             </a:r>
             <a:r>
               <a:rPr lang="en-US" b="1" dirty="0" smtClean="0">
@@ -19516,7 +22822,7 @@
                   <a:schemeClr val="bg2"/>
                 </a:solidFill>
               </a:rPr>
-              <a:t>lượng</a:t>
+              <a:t>mát</a:t>
             </a:r>
             <a:r>
               <a:rPr lang="en-US" b="1" dirty="0" smtClean="0">
@@ -19524,74 +22830,154 @@
                   <a:schemeClr val="bg2"/>
                 </a:solidFill>
               </a:rPr>
-              <a:t> </a:t>
-            </a:r>
-            <a:r>
-              <a:rPr lang="en-US" b="1" dirty="0" err="1" smtClean="0">
-                <a:solidFill>
-                  <a:schemeClr val="bg2"/>
-                </a:solidFill>
-              </a:rPr>
-              <a:t>tử</a:t>
-            </a:r>
-            <a:r>
-              <a:rPr lang="en-US" b="1" dirty="0" smtClean="0">
-                <a:solidFill>
-                  <a:schemeClr val="bg2"/>
-                </a:solidFill>
-              </a:rPr>
-              <a:t> </a:t>
-            </a:r>
-            <a:r>
-              <a:rPr lang="en-US" b="1" dirty="0" err="1" smtClean="0">
-                <a:solidFill>
-                  <a:schemeClr val="bg2"/>
-                </a:solidFill>
-              </a:rPr>
-              <a:t>hóa</a:t>
-            </a:r>
-            <a:r>
-              <a:rPr lang="en-US" b="1" dirty="0" smtClean="0">
-                <a:solidFill>
-                  <a:schemeClr val="bg2"/>
-                </a:solidFill>
-              </a:rPr>
-              <a:t> </a:t>
-            </a:r>
-            <a:r>
-              <a:rPr lang="en-US" b="1" dirty="0" err="1" smtClean="0">
-                <a:solidFill>
-                  <a:schemeClr val="bg2"/>
-                </a:solidFill>
-              </a:rPr>
-              <a:t>không</a:t>
-            </a:r>
-            <a:r>
-              <a:rPr lang="en-US" b="1" dirty="0" smtClean="0">
-                <a:solidFill>
-                  <a:schemeClr val="bg2"/>
-                </a:solidFill>
-              </a:rPr>
-              <a:t> </a:t>
-            </a:r>
-            <a:r>
-              <a:rPr lang="en-US" b="1" dirty="0" err="1" smtClean="0">
-                <a:solidFill>
-                  <a:schemeClr val="bg2"/>
-                </a:solidFill>
-              </a:rPr>
-              <a:t>gian</a:t>
-            </a:r>
-            <a:r>
-              <a:rPr lang="en-US" b="1" dirty="0" smtClean="0">
-                <a:solidFill>
-                  <a:schemeClr val="bg2"/>
-                </a:solidFill>
-              </a:rPr>
-              <a:t> </a:t>
-            </a:r>
-            <a:r>
-              <a:rPr lang="en-US" b="1" dirty="0" err="1" smtClean="0">
+              <a:t> cross-entropy </a:t>
+            </a:r>
+            <a:r>
+              <a:rPr lang="en-US" dirty="0" err="1" smtClean="0">
+                <a:solidFill>
+                  <a:schemeClr val="bg2"/>
+                </a:solidFill>
+              </a:rPr>
+              <a:t>được</a:t>
+            </a:r>
+            <a:r>
+              <a:rPr lang="en-US" dirty="0" smtClean="0">
+                <a:solidFill>
+                  <a:schemeClr val="bg2"/>
+                </a:solidFill>
+              </a:rPr>
+              <a:t> </a:t>
+            </a:r>
+            <a:r>
+              <a:rPr lang="en-US" dirty="0" err="1" smtClean="0">
+                <a:solidFill>
+                  <a:schemeClr val="bg2"/>
+                </a:solidFill>
+              </a:rPr>
+              <a:t>sử</a:t>
+            </a:r>
+            <a:r>
+              <a:rPr lang="en-US" dirty="0" smtClean="0">
+                <a:solidFill>
+                  <a:schemeClr val="bg2"/>
+                </a:solidFill>
+              </a:rPr>
+              <a:t> </a:t>
+            </a:r>
+            <a:r>
+              <a:rPr lang="en-US" dirty="0" err="1" smtClean="0">
+                <a:solidFill>
+                  <a:schemeClr val="bg2"/>
+                </a:solidFill>
+              </a:rPr>
+              <a:t>dụng</a:t>
+            </a:r>
+            <a:r>
+              <a:rPr lang="en-US" dirty="0" smtClean="0">
+                <a:solidFill>
+                  <a:schemeClr val="bg2"/>
+                </a:solidFill>
+              </a:rPr>
+              <a:t> </a:t>
+            </a:r>
+            <a:r>
+              <a:rPr lang="en-US" dirty="0" err="1" smtClean="0">
+                <a:solidFill>
+                  <a:schemeClr val="bg2"/>
+                </a:solidFill>
+              </a:rPr>
+              <a:t>nhầm</a:t>
+            </a:r>
+            <a:r>
+              <a:rPr lang="en-US" dirty="0" smtClean="0">
+                <a:solidFill>
+                  <a:schemeClr val="bg2"/>
+                </a:solidFill>
+              </a:rPr>
+              <a:t> </a:t>
+            </a:r>
+            <a:r>
+              <a:rPr lang="en-US" dirty="0" err="1" smtClean="0">
+                <a:solidFill>
+                  <a:schemeClr val="bg2"/>
+                </a:solidFill>
+              </a:rPr>
+              <a:t>đo</a:t>
+            </a:r>
+            <a:r>
+              <a:rPr lang="en-US" dirty="0" smtClean="0">
+                <a:solidFill>
+                  <a:schemeClr val="bg2"/>
+                </a:solidFill>
+              </a:rPr>
+              <a:t> </a:t>
+            </a:r>
+            <a:r>
+              <a:rPr lang="en-US" dirty="0" err="1" smtClean="0">
+                <a:solidFill>
+                  <a:schemeClr val="bg2"/>
+                </a:solidFill>
+              </a:rPr>
+              <a:t>sự</a:t>
+            </a:r>
+            <a:r>
+              <a:rPr lang="en-US" dirty="0" smtClean="0">
+                <a:solidFill>
+                  <a:schemeClr val="bg2"/>
+                </a:solidFill>
+              </a:rPr>
+              <a:t> </a:t>
+            </a:r>
+            <a:r>
+              <a:rPr lang="en-US" dirty="0" err="1" smtClean="0">
+                <a:solidFill>
+                  <a:schemeClr val="bg2"/>
+                </a:solidFill>
+              </a:rPr>
+              <a:t>khác</a:t>
+            </a:r>
+            <a:r>
+              <a:rPr lang="en-US" dirty="0" smtClean="0">
+                <a:solidFill>
+                  <a:schemeClr val="bg2"/>
+                </a:solidFill>
+              </a:rPr>
+              <a:t> </a:t>
+            </a:r>
+            <a:r>
+              <a:rPr lang="en-US" dirty="0" err="1" smtClean="0">
+                <a:solidFill>
+                  <a:schemeClr val="bg2"/>
+                </a:solidFill>
+              </a:rPr>
+              <a:t>biệt</a:t>
+            </a:r>
+            <a:r>
+              <a:rPr lang="en-US" dirty="0" smtClean="0">
+                <a:solidFill>
+                  <a:schemeClr val="bg2"/>
+                </a:solidFill>
+              </a:rPr>
+              <a:t> </a:t>
+            </a:r>
+            <a:r>
+              <a:rPr lang="en-US" dirty="0" err="1" smtClean="0">
+                <a:solidFill>
+                  <a:schemeClr val="bg2"/>
+                </a:solidFill>
+              </a:rPr>
+              <a:t>giữa</a:t>
+            </a:r>
+            <a:r>
+              <a:rPr lang="en-US" dirty="0" smtClean="0">
+                <a:solidFill>
+                  <a:schemeClr val="bg2"/>
+                </a:solidFill>
+              </a:rPr>
+              <a:t> </a:t>
+            </a:r>
+            <a:r>
+              <a:rPr lang="en-US" dirty="0" err="1" smtClean="0">
                 <a:solidFill>
                   <a:schemeClr val="bg2"/>
                 </a:solidFill>
@@ -19599,87 +22985,103 @@
               <a:t>màu</a:t>
             </a:r>
             <a:r>
-              <a:rPr lang="en-US" b="1" dirty="0" smtClean="0">
-                <a:solidFill>
-                  <a:schemeClr val="bg2"/>
-                </a:solidFill>
-              </a:rPr>
-              <a:t> ab </a:t>
-            </a:r>
-            <a:r>
-              <a:rPr lang="en-US" b="1" dirty="0" err="1" smtClean="0">
-                <a:solidFill>
-                  <a:schemeClr val="bg2"/>
-                </a:solidFill>
-              </a:rPr>
-              <a:t>thành</a:t>
-            </a:r>
-            <a:r>
-              <a:rPr lang="en-US" b="1" dirty="0" smtClean="0">
-                <a:solidFill>
-                  <a:schemeClr val="bg2"/>
-                </a:solidFill>
-              </a:rPr>
-              <a:t> 313 (</a:t>
-            </a:r>
-            <a:r>
-              <a:rPr lang="en-US" b="1" dirty="0" smtClean="0">
-                <a:solidFill>
-                  <a:srgbClr val="00B050"/>
-                </a:solidFill>
-              </a:rPr>
-              <a:t>Q</a:t>
-            </a:r>
-            <a:r>
-              <a:rPr lang="en-US" b="1" dirty="0" smtClean="0">
-                <a:solidFill>
-                  <a:schemeClr val="bg2"/>
-                </a:solidFill>
-              </a:rPr>
-              <a:t>=313) </a:t>
-            </a:r>
-            <a:r>
-              <a:rPr lang="en-US" b="1" dirty="0" err="1" smtClean="0">
-                <a:solidFill>
-                  <a:schemeClr val="bg2"/>
-                </a:solidFill>
-              </a:rPr>
-              <a:t>lớp</a:t>
-            </a:r>
-            <a:r>
-              <a:rPr lang="en-US" b="1" dirty="0" smtClean="0">
-                <a:solidFill>
-                  <a:schemeClr val="bg2"/>
-                </a:solidFill>
-              </a:rPr>
-              <a:t> </a:t>
-            </a:r>
-            <a:r>
-              <a:rPr lang="en-US" b="1" dirty="0" err="1" smtClean="0">
-                <a:solidFill>
-                  <a:schemeClr val="bg2"/>
-                </a:solidFill>
-              </a:rPr>
-              <a:t>rời</a:t>
-            </a:r>
-            <a:r>
-              <a:rPr lang="en-US" b="1" dirty="0" smtClean="0">
-                <a:solidFill>
-                  <a:schemeClr val="bg2"/>
-                </a:solidFill>
-              </a:rPr>
-              <a:t> </a:t>
-            </a:r>
-            <a:r>
-              <a:rPr lang="en-US" b="1" dirty="0" err="1" smtClean="0">
-                <a:solidFill>
-                  <a:schemeClr val="bg2"/>
-                </a:solidFill>
-              </a:rPr>
-              <a:t>rạc</a:t>
-            </a:r>
-            <a:r>
-              <a:rPr lang="en-US" b="1" dirty="0" smtClean="0">
+              <a:rPr lang="en-US" dirty="0" smtClean="0">
+                <a:solidFill>
+                  <a:schemeClr val="bg2"/>
+                </a:solidFill>
+              </a:rPr>
+              <a:t> </a:t>
+            </a:r>
+            <a:r>
+              <a:rPr lang="en-US" dirty="0" err="1" smtClean="0">
+                <a:solidFill>
+                  <a:schemeClr val="bg2"/>
+                </a:solidFill>
+              </a:rPr>
+              <a:t>được</a:t>
+            </a:r>
+            <a:r>
+              <a:rPr lang="en-US" dirty="0" smtClean="0">
+                <a:solidFill>
+                  <a:schemeClr val="bg2"/>
+                </a:solidFill>
+              </a:rPr>
+              <a:t> </a:t>
+            </a:r>
+            <a:r>
+              <a:rPr lang="en-US" dirty="0" err="1" smtClean="0">
+                <a:solidFill>
+                  <a:schemeClr val="bg2"/>
+                </a:solidFill>
+              </a:rPr>
+              <a:t>phân</a:t>
+            </a:r>
+            <a:r>
+              <a:rPr lang="en-US" dirty="0" smtClean="0">
+                <a:solidFill>
+                  <a:schemeClr val="bg2"/>
+                </a:solidFill>
+              </a:rPr>
+              <a:t> </a:t>
+            </a:r>
+            <a:r>
+              <a:rPr lang="en-US" dirty="0" err="1" smtClean="0">
+                <a:solidFill>
+                  <a:schemeClr val="bg2"/>
+                </a:solidFill>
+              </a:rPr>
+              <a:t>phối</a:t>
+            </a:r>
+            <a:r>
+              <a:rPr lang="en-US" dirty="0" smtClean="0">
+                <a:solidFill>
+                  <a:schemeClr val="bg2"/>
+                </a:solidFill>
+              </a:rPr>
+              <a:t> </a:t>
+            </a:r>
+            <a:r>
+              <a:rPr lang="en-US" dirty="0" err="1" smtClean="0">
+                <a:solidFill>
+                  <a:schemeClr val="bg2"/>
+                </a:solidFill>
+              </a:rPr>
+              <a:t>và</a:t>
+            </a:r>
+            <a:r>
+              <a:rPr lang="en-US" dirty="0" smtClean="0">
+                <a:solidFill>
+                  <a:schemeClr val="bg2"/>
+                </a:solidFill>
+              </a:rPr>
+              <a:t> </a:t>
+            </a:r>
+            <a:r>
+              <a:rPr lang="en-US" dirty="0" err="1" smtClean="0">
+                <a:solidFill>
+                  <a:schemeClr val="bg2"/>
+                </a:solidFill>
+              </a:rPr>
+              <a:t>màu</a:t>
+            </a:r>
+            <a:r>
+              <a:rPr lang="en-US" dirty="0" smtClean="0">
+                <a:solidFill>
+                  <a:schemeClr val="bg2"/>
+                </a:solidFill>
+              </a:rPr>
+              <a:t> </a:t>
+            </a:r>
+            <a:r>
+              <a:rPr lang="en-US" dirty="0" err="1" smtClean="0">
+                <a:solidFill>
+                  <a:schemeClr val="bg2"/>
+                </a:solidFill>
+              </a:rPr>
+              <a:t>thật</a:t>
+            </a:r>
+            <a:r>
+              <a:rPr lang="en-US" dirty="0" smtClean="0">
                 <a:solidFill>
                   <a:schemeClr val="bg2"/>
                 </a:solidFill>
@@ -19687,23 +23089,343 @@
               <a:t>. </a:t>
             </a:r>
             <a:r>
-              <a:rPr lang="en-US" b="1" dirty="0" err="1" smtClean="0">
-                <a:solidFill>
-                  <a:schemeClr val="bg2"/>
-                </a:solidFill>
-              </a:rPr>
-              <a:t>Mỗi</a:t>
-            </a:r>
-            <a:r>
-              <a:rPr lang="en-US" b="1" dirty="0" smtClean="0">
-                <a:solidFill>
-                  <a:schemeClr val="bg2"/>
-                </a:solidFill>
-              </a:rPr>
-              <a:t> </a:t>
-            </a:r>
-            <a:r>
-              <a:rPr lang="en-US" b="1" dirty="0" err="1" smtClean="0">
+              <a:rPr lang="en-US" dirty="0" err="1" smtClean="0">
+                <a:solidFill>
+                  <a:schemeClr val="bg2"/>
+                </a:solidFill>
+              </a:rPr>
+              <a:t>Cách</a:t>
+            </a:r>
+            <a:r>
+              <a:rPr lang="en-US" dirty="0" smtClean="0">
+                <a:solidFill>
+                  <a:schemeClr val="bg2"/>
+                </a:solidFill>
+              </a:rPr>
+              <a:t> </a:t>
+            </a:r>
+            <a:r>
+              <a:rPr lang="en-US" dirty="0" err="1" smtClean="0">
+                <a:solidFill>
+                  <a:schemeClr val="bg2"/>
+                </a:solidFill>
+              </a:rPr>
+              <a:t>tiếp</a:t>
+            </a:r>
+            <a:r>
+              <a:rPr lang="en-US" dirty="0" smtClean="0">
+                <a:solidFill>
+                  <a:schemeClr val="bg2"/>
+                </a:solidFill>
+              </a:rPr>
+              <a:t> </a:t>
+            </a:r>
+            <a:r>
+              <a:rPr lang="en-US" dirty="0" err="1" smtClean="0">
+                <a:solidFill>
+                  <a:schemeClr val="bg2"/>
+                </a:solidFill>
+              </a:rPr>
+              <a:t>cận</a:t>
+            </a:r>
+            <a:r>
+              <a:rPr lang="en-US" dirty="0" smtClean="0">
+                <a:solidFill>
+                  <a:schemeClr val="bg2"/>
+                </a:solidFill>
+              </a:rPr>
+              <a:t> </a:t>
+            </a:r>
+            <a:r>
+              <a:rPr lang="en-US" dirty="0" err="1" smtClean="0">
+                <a:solidFill>
+                  <a:schemeClr val="bg2"/>
+                </a:solidFill>
+              </a:rPr>
+              <a:t>này</a:t>
+            </a:r>
+            <a:r>
+              <a:rPr lang="en-US" dirty="0" smtClean="0">
+                <a:solidFill>
+                  <a:schemeClr val="bg2"/>
+                </a:solidFill>
+              </a:rPr>
+              <a:t> </a:t>
+            </a:r>
+            <a:r>
+              <a:rPr lang="en-US" dirty="0" err="1" smtClean="0">
+                <a:solidFill>
+                  <a:schemeClr val="bg2"/>
+                </a:solidFill>
+              </a:rPr>
+              <a:t>giúp</a:t>
+            </a:r>
+            <a:r>
+              <a:rPr lang="en-US" dirty="0" smtClean="0">
+                <a:solidFill>
+                  <a:schemeClr val="bg2"/>
+                </a:solidFill>
+              </a:rPr>
+              <a:t> </a:t>
+            </a:r>
+            <a:r>
+              <a:rPr lang="en-US" dirty="0" err="1" smtClean="0">
+                <a:solidFill>
+                  <a:schemeClr val="bg2"/>
+                </a:solidFill>
+              </a:rPr>
+              <a:t>mô</a:t>
+            </a:r>
+            <a:r>
+              <a:rPr lang="en-US" dirty="0" smtClean="0">
+                <a:solidFill>
+                  <a:schemeClr val="bg2"/>
+                </a:solidFill>
+              </a:rPr>
+              <a:t> </a:t>
+            </a:r>
+            <a:r>
+              <a:rPr lang="en-US" dirty="0" err="1" smtClean="0">
+                <a:solidFill>
+                  <a:schemeClr val="bg2"/>
+                </a:solidFill>
+              </a:rPr>
+              <a:t>hình</a:t>
+            </a:r>
+            <a:r>
+              <a:rPr lang="en-US" dirty="0" smtClean="0">
+                <a:solidFill>
+                  <a:schemeClr val="bg2"/>
+                </a:solidFill>
+              </a:rPr>
+              <a:t> </a:t>
+            </a:r>
+            <a:r>
+              <a:rPr lang="en-US" dirty="0" err="1" smtClean="0">
+                <a:solidFill>
+                  <a:schemeClr val="bg2"/>
+                </a:solidFill>
+              </a:rPr>
+              <a:t>linh</a:t>
+            </a:r>
+            <a:r>
+              <a:rPr lang="en-US" dirty="0" smtClean="0">
+                <a:solidFill>
+                  <a:schemeClr val="bg2"/>
+                </a:solidFill>
+              </a:rPr>
+              <a:t> </a:t>
+            </a:r>
+            <a:r>
+              <a:rPr lang="en-US" dirty="0" err="1" smtClean="0">
+                <a:solidFill>
+                  <a:schemeClr val="bg2"/>
+                </a:solidFill>
+              </a:rPr>
+              <a:t>hoạt</a:t>
+            </a:r>
+            <a:r>
+              <a:rPr lang="en-US" dirty="0" smtClean="0">
+                <a:solidFill>
+                  <a:schemeClr val="bg2"/>
+                </a:solidFill>
+              </a:rPr>
+              <a:t> </a:t>
+            </a:r>
+            <a:r>
+              <a:rPr lang="en-US" dirty="0" err="1" smtClean="0">
+                <a:solidFill>
+                  <a:schemeClr val="bg2"/>
+                </a:solidFill>
+              </a:rPr>
+              <a:t>trong</a:t>
+            </a:r>
+            <a:r>
+              <a:rPr lang="en-US" dirty="0" smtClean="0">
+                <a:solidFill>
+                  <a:schemeClr val="bg2"/>
+                </a:solidFill>
+              </a:rPr>
+              <a:t> </a:t>
+            </a:r>
+            <a:r>
+              <a:rPr lang="en-US" dirty="0" err="1" smtClean="0">
+                <a:solidFill>
+                  <a:schemeClr val="bg2"/>
+                </a:solidFill>
+              </a:rPr>
+              <a:t>việc</a:t>
+            </a:r>
+            <a:r>
+              <a:rPr lang="en-US" dirty="0" smtClean="0">
+                <a:solidFill>
+                  <a:schemeClr val="bg2"/>
+                </a:solidFill>
+              </a:rPr>
+              <a:t> </a:t>
+            </a:r>
+            <a:r>
+              <a:rPr lang="en-US" dirty="0" err="1" smtClean="0">
+                <a:solidFill>
+                  <a:schemeClr val="bg2"/>
+                </a:solidFill>
+              </a:rPr>
+              <a:t>xử</a:t>
+            </a:r>
+            <a:r>
+              <a:rPr lang="en-US" dirty="0" smtClean="0">
+                <a:solidFill>
+                  <a:schemeClr val="bg2"/>
+                </a:solidFill>
+              </a:rPr>
+              <a:t> </a:t>
+            </a:r>
+            <a:r>
+              <a:rPr lang="en-US" dirty="0" err="1" smtClean="0">
+                <a:solidFill>
+                  <a:schemeClr val="bg2"/>
+                </a:solidFill>
+              </a:rPr>
+              <a:t>lý</a:t>
+            </a:r>
+            <a:r>
+              <a:rPr lang="en-US" dirty="0" smtClean="0">
+                <a:solidFill>
+                  <a:schemeClr val="bg2"/>
+                </a:solidFill>
+              </a:rPr>
+              <a:t> </a:t>
+            </a:r>
+            <a:r>
+              <a:rPr lang="en-US" dirty="0" err="1" smtClean="0">
+                <a:solidFill>
+                  <a:schemeClr val="bg2"/>
+                </a:solidFill>
+              </a:rPr>
+              <a:t>tính</a:t>
+            </a:r>
+            <a:r>
+              <a:rPr lang="en-US" dirty="0" smtClean="0">
+                <a:solidFill>
+                  <a:schemeClr val="bg2"/>
+                </a:solidFill>
+              </a:rPr>
+              <a:t> </a:t>
+            </a:r>
+            <a:r>
+              <a:rPr lang="en-US" dirty="0" err="1" smtClean="0">
+                <a:solidFill>
+                  <a:schemeClr val="bg2"/>
+                </a:solidFill>
+              </a:rPr>
+              <a:t>đa</a:t>
+            </a:r>
+            <a:r>
+              <a:rPr lang="en-US" dirty="0" smtClean="0">
+                <a:solidFill>
+                  <a:schemeClr val="bg2"/>
+                </a:solidFill>
+              </a:rPr>
+              <a:t> </a:t>
+            </a:r>
+            <a:r>
+              <a:rPr lang="en-US" dirty="0" err="1" smtClean="0">
+                <a:solidFill>
+                  <a:schemeClr val="bg2"/>
+                </a:solidFill>
+              </a:rPr>
+              <a:t>mô</a:t>
+            </a:r>
+            <a:r>
+              <a:rPr lang="en-US" dirty="0" smtClean="0">
+                <a:solidFill>
+                  <a:schemeClr val="bg2"/>
+                </a:solidFill>
+              </a:rPr>
+              <a:t> </a:t>
+            </a:r>
+            <a:r>
+              <a:rPr lang="en-US" dirty="0" err="1" smtClean="0">
+                <a:solidFill>
+                  <a:schemeClr val="bg2"/>
+                </a:solidFill>
+              </a:rPr>
+              <a:t>thức</a:t>
+            </a:r>
+            <a:r>
+              <a:rPr lang="en-US" dirty="0" smtClean="0">
+                <a:solidFill>
+                  <a:schemeClr val="bg2"/>
+                </a:solidFill>
+              </a:rPr>
+              <a:t> </a:t>
+            </a:r>
+            <a:r>
+              <a:rPr lang="en-US" dirty="0" err="1" smtClean="0">
+                <a:solidFill>
+                  <a:schemeClr val="bg2"/>
+                </a:solidFill>
+              </a:rPr>
+              <a:t>của</a:t>
+            </a:r>
+            <a:r>
+              <a:rPr lang="en-US" dirty="0" smtClean="0">
+                <a:solidFill>
+                  <a:schemeClr val="bg2"/>
+                </a:solidFill>
+              </a:rPr>
+              <a:t> </a:t>
+            </a:r>
+            <a:r>
+              <a:rPr lang="en-US" dirty="0" err="1" smtClean="0">
+                <a:solidFill>
+                  <a:schemeClr val="bg2"/>
+                </a:solidFill>
+              </a:rPr>
+              <a:t>màu</a:t>
+            </a:r>
+            <a:r>
+              <a:rPr lang="en-US" dirty="0" smtClean="0">
+                <a:solidFill>
+                  <a:schemeClr val="bg2"/>
+                </a:solidFill>
+              </a:rPr>
+              <a:t> </a:t>
+            </a:r>
+            <a:r>
+              <a:rPr lang="en-US" dirty="0" err="1" smtClean="0">
+                <a:solidFill>
+                  <a:schemeClr val="bg2"/>
+                </a:solidFill>
+              </a:rPr>
+              <a:t>sắc</a:t>
+            </a:r>
+            <a:r>
+              <a:rPr lang="en-US" dirty="0" smtClean="0">
+                <a:solidFill>
+                  <a:schemeClr val="bg2"/>
+                </a:solidFill>
+              </a:rPr>
+              <a:t>, </a:t>
+            </a:r>
+            <a:r>
+              <a:rPr lang="en-US" dirty="0" err="1" smtClean="0">
+                <a:solidFill>
+                  <a:schemeClr val="bg2"/>
+                </a:solidFill>
+              </a:rPr>
+              <a:t>giúp</a:t>
+            </a:r>
+            <a:r>
+              <a:rPr lang="en-US" dirty="0" smtClean="0">
+                <a:solidFill>
+                  <a:schemeClr val="bg2"/>
+                </a:solidFill>
+              </a:rPr>
+              <a:t> 1 </a:t>
+            </a:r>
+            <a:r>
+              <a:rPr lang="en-US" dirty="0" err="1" smtClean="0">
                 <a:solidFill>
                   <a:schemeClr val="bg2"/>
                 </a:solidFill>
@@ -19711,15 +23433,15 @@
               <a:t>điểm</a:t>
             </a:r>
             <a:r>
-              <a:rPr lang="en-US" b="1" dirty="0" smtClean="0">
-                <a:solidFill>
-                  <a:schemeClr val="bg2"/>
-                </a:solidFill>
-              </a:rPr>
-              <a:t> </a:t>
-            </a:r>
-            <a:r>
-              <a:rPr lang="en-US" b="1" dirty="0" err="1" smtClean="0">
+              <a:rPr lang="en-US" dirty="0" smtClean="0">
+                <a:solidFill>
+                  <a:schemeClr val="bg2"/>
+                </a:solidFill>
+              </a:rPr>
+              <a:t> </a:t>
+            </a:r>
+            <a:r>
+              <a:rPr lang="en-US" dirty="0" err="1" smtClean="0">
                 <a:solidFill>
                   <a:schemeClr val="bg2"/>
                 </a:solidFill>
@@ -19727,79 +23449,79 @@
               <a:t>ảnh</a:t>
             </a:r>
             <a:r>
-              <a:rPr lang="en-US" b="1" dirty="0" smtClean="0">
-                <a:solidFill>
-                  <a:schemeClr val="bg2"/>
-                </a:solidFill>
-              </a:rPr>
-              <a:t> </a:t>
-            </a:r>
-            <a:r>
-              <a:rPr lang="en-US" b="1" dirty="0" err="1" smtClean="0">
-                <a:solidFill>
-                  <a:schemeClr val="bg2"/>
-                </a:solidFill>
-              </a:rPr>
-              <a:t>được</a:t>
-            </a:r>
-            <a:r>
-              <a:rPr lang="en-US" b="1" dirty="0" smtClean="0">
-                <a:solidFill>
-                  <a:schemeClr val="bg2"/>
-                </a:solidFill>
-              </a:rPr>
-              <a:t> </a:t>
-            </a:r>
-            <a:r>
-              <a:rPr lang="en-US" b="1" dirty="0" err="1" smtClean="0">
-                <a:solidFill>
-                  <a:schemeClr val="bg2"/>
-                </a:solidFill>
-              </a:rPr>
-              <a:t>gán</a:t>
-            </a:r>
-            <a:r>
-              <a:rPr lang="en-US" b="1" dirty="0" smtClean="0">
-                <a:solidFill>
-                  <a:schemeClr val="bg2"/>
-                </a:solidFill>
-              </a:rPr>
-              <a:t> </a:t>
-            </a:r>
-            <a:r>
-              <a:rPr lang="en-US" b="1" dirty="0" err="1" smtClean="0">
-                <a:solidFill>
-                  <a:schemeClr val="bg2"/>
-                </a:solidFill>
-              </a:rPr>
-              <a:t>một</a:t>
-            </a:r>
-            <a:r>
-              <a:rPr lang="en-US" b="1" dirty="0" smtClean="0">
-                <a:solidFill>
-                  <a:schemeClr val="bg2"/>
-                </a:solidFill>
-              </a:rPr>
-              <a:t> </a:t>
-            </a:r>
-            <a:r>
-              <a:rPr lang="en-US" b="1" dirty="0" err="1" smtClean="0">
-                <a:solidFill>
-                  <a:schemeClr val="bg2"/>
-                </a:solidFill>
-              </a:rPr>
-              <a:t>lớp</a:t>
-            </a:r>
-            <a:r>
-              <a:rPr lang="en-US" b="1" dirty="0" smtClean="0">
-                <a:solidFill>
-                  <a:schemeClr val="bg2"/>
-                </a:solidFill>
-              </a:rPr>
-              <a:t> </a:t>
-            </a:r>
-            <a:r>
-              <a:rPr lang="en-US" b="1" dirty="0" err="1" smtClean="0">
+              <a:rPr lang="en-US" dirty="0" smtClean="0">
+                <a:solidFill>
+                  <a:schemeClr val="bg2"/>
+                </a:solidFill>
+              </a:rPr>
+              <a:t> </a:t>
+            </a:r>
+            <a:r>
+              <a:rPr lang="en-US" dirty="0" err="1" smtClean="0">
+                <a:solidFill>
+                  <a:schemeClr val="bg2"/>
+                </a:solidFill>
+              </a:rPr>
+              <a:t>có</a:t>
+            </a:r>
+            <a:r>
+              <a:rPr lang="en-US" dirty="0" smtClean="0">
+                <a:solidFill>
+                  <a:schemeClr val="bg2"/>
+                </a:solidFill>
+              </a:rPr>
+              <a:t> </a:t>
+            </a:r>
+            <a:r>
+              <a:rPr lang="en-US" dirty="0" err="1" smtClean="0">
+                <a:solidFill>
+                  <a:schemeClr val="bg2"/>
+                </a:solidFill>
+              </a:rPr>
+              <a:t>thể</a:t>
+            </a:r>
+            <a:r>
+              <a:rPr lang="en-US" dirty="0" smtClean="0">
+                <a:solidFill>
+                  <a:schemeClr val="bg2"/>
+                </a:solidFill>
+              </a:rPr>
+              <a:t> </a:t>
+            </a:r>
+            <a:r>
+              <a:rPr lang="en-US" dirty="0" err="1" smtClean="0">
+                <a:solidFill>
+                  <a:schemeClr val="bg2"/>
+                </a:solidFill>
+              </a:rPr>
+              <a:t>có</a:t>
+            </a:r>
+            <a:r>
+              <a:rPr lang="en-US" dirty="0" smtClean="0">
+                <a:solidFill>
+                  <a:schemeClr val="bg2"/>
+                </a:solidFill>
+              </a:rPr>
+              <a:t> </a:t>
+            </a:r>
+            <a:r>
+              <a:rPr lang="en-US" dirty="0" err="1" smtClean="0">
+                <a:solidFill>
+                  <a:schemeClr val="bg2"/>
+                </a:solidFill>
+              </a:rPr>
+              <a:t>nhiều</a:t>
+            </a:r>
+            <a:r>
+              <a:rPr lang="en-US" dirty="0" smtClean="0">
+                <a:solidFill>
+                  <a:schemeClr val="bg2"/>
+                </a:solidFill>
+              </a:rPr>
+              <a:t> </a:t>
+            </a:r>
+            <a:r>
+              <a:rPr lang="en-US" dirty="0" err="1" smtClean="0">
                 <a:solidFill>
                   <a:schemeClr val="bg2"/>
                 </a:solidFill>
@@ -19807,463 +23529,63 @@
               <a:t>màu</a:t>
             </a:r>
             <a:r>
-              <a:rPr lang="en-US" b="1" dirty="0" smtClean="0">
-                <a:solidFill>
-                  <a:schemeClr val="bg2"/>
-                </a:solidFill>
-              </a:rPr>
-              <a:t> </a:t>
-            </a:r>
-            <a:r>
-              <a:rPr lang="en-US" b="1" dirty="0" err="1" smtClean="0">
-                <a:solidFill>
-                  <a:schemeClr val="bg2"/>
-                </a:solidFill>
-              </a:rPr>
-              <a:t>tương</a:t>
-            </a:r>
-            <a:r>
-              <a:rPr lang="en-US" b="1" dirty="0" smtClean="0">
-                <a:solidFill>
-                  <a:schemeClr val="bg2"/>
-                </a:solidFill>
-              </a:rPr>
-              <a:t> </a:t>
-            </a:r>
-            <a:r>
-              <a:rPr lang="en-US" b="1" dirty="0" err="1" smtClean="0">
-                <a:solidFill>
-                  <a:schemeClr val="bg2"/>
-                </a:solidFill>
-              </a:rPr>
-              <a:t>ứng</a:t>
-            </a:r>
-            <a:r>
-              <a:rPr lang="en-US" b="1" dirty="0" smtClean="0">
-                <a:solidFill>
-                  <a:schemeClr val="bg2"/>
-                </a:solidFill>
-              </a:rPr>
-              <a:t>, </a:t>
-            </a:r>
-            <a:r>
-              <a:rPr lang="en-US" b="1" dirty="0" err="1" smtClean="0">
-                <a:solidFill>
-                  <a:schemeClr val="bg2"/>
-                </a:solidFill>
-              </a:rPr>
-              <a:t>và</a:t>
-            </a:r>
-            <a:r>
-              <a:rPr lang="en-US" b="1" dirty="0" smtClean="0">
-                <a:solidFill>
-                  <a:schemeClr val="bg2"/>
-                </a:solidFill>
-              </a:rPr>
-              <a:t> </a:t>
-            </a:r>
-            <a:r>
-              <a:rPr lang="en-US" b="1" dirty="0" err="1" smtClean="0">
-                <a:solidFill>
-                  <a:schemeClr val="bg2"/>
-                </a:solidFill>
-              </a:rPr>
-              <a:t>mô</a:t>
-            </a:r>
-            <a:r>
-              <a:rPr lang="en-US" b="1" dirty="0" smtClean="0">
-                <a:solidFill>
-                  <a:schemeClr val="bg2"/>
-                </a:solidFill>
-              </a:rPr>
-              <a:t> </a:t>
-            </a:r>
-            <a:r>
-              <a:rPr lang="en-US" b="1" dirty="0" err="1" smtClean="0">
-                <a:solidFill>
-                  <a:schemeClr val="bg2"/>
-                </a:solidFill>
-              </a:rPr>
-              <a:t>hình</a:t>
-            </a:r>
-            <a:r>
-              <a:rPr lang="en-US" b="1" dirty="0" smtClean="0">
-                <a:solidFill>
-                  <a:schemeClr val="bg2"/>
-                </a:solidFill>
-              </a:rPr>
-              <a:t> </a:t>
-            </a:r>
-            <a:r>
-              <a:rPr lang="en-US" b="1" dirty="0" err="1" smtClean="0">
-                <a:solidFill>
-                  <a:schemeClr val="bg2"/>
-                </a:solidFill>
-              </a:rPr>
-              <a:t>sẽ</a:t>
-            </a:r>
-            <a:r>
-              <a:rPr lang="en-US" b="1" dirty="0" smtClean="0">
-                <a:solidFill>
-                  <a:schemeClr val="bg2"/>
-                </a:solidFill>
-              </a:rPr>
-              <a:t> </a:t>
-            </a:r>
-            <a:r>
-              <a:rPr lang="en-US" b="1" dirty="0" err="1" smtClean="0">
-                <a:solidFill>
-                  <a:schemeClr val="bg2"/>
-                </a:solidFill>
-              </a:rPr>
-              <a:t>dự</a:t>
-            </a:r>
-            <a:r>
-              <a:rPr lang="en-US" b="1" dirty="0" smtClean="0">
-                <a:solidFill>
-                  <a:schemeClr val="bg2"/>
-                </a:solidFill>
-              </a:rPr>
-              <a:t> </a:t>
-            </a:r>
-            <a:r>
-              <a:rPr lang="en-US" b="1" dirty="0" err="1" smtClean="0">
-                <a:solidFill>
-                  <a:schemeClr val="bg2"/>
-                </a:solidFill>
-              </a:rPr>
-              <a:t>đoán</a:t>
-            </a:r>
-            <a:r>
-              <a:rPr lang="en-US" b="1" dirty="0" smtClean="0">
-                <a:solidFill>
-                  <a:schemeClr val="bg2"/>
-                </a:solidFill>
-              </a:rPr>
-              <a:t> </a:t>
-            </a:r>
-            <a:r>
-              <a:rPr lang="en-US" b="1" dirty="0" err="1" smtClean="0">
-                <a:solidFill>
-                  <a:schemeClr val="bg2"/>
-                </a:solidFill>
-              </a:rPr>
-              <a:t>xác</a:t>
-            </a:r>
-            <a:r>
-              <a:rPr lang="en-US" b="1" dirty="0" smtClean="0">
-                <a:solidFill>
-                  <a:schemeClr val="bg2"/>
-                </a:solidFill>
-              </a:rPr>
-              <a:t> </a:t>
-            </a:r>
-            <a:r>
-              <a:rPr lang="en-US" b="1" dirty="0" err="1" smtClean="0">
-                <a:solidFill>
-                  <a:schemeClr val="bg2"/>
-                </a:solidFill>
-              </a:rPr>
-              <a:t>suất</a:t>
-            </a:r>
-            <a:r>
-              <a:rPr lang="en-US" b="1" dirty="0" smtClean="0">
-                <a:solidFill>
-                  <a:schemeClr val="bg2"/>
-                </a:solidFill>
-              </a:rPr>
-              <a:t> </a:t>
-            </a:r>
-            <a:r>
-              <a:rPr lang="en-US" b="1" dirty="0" err="1" smtClean="0">
-                <a:solidFill>
-                  <a:schemeClr val="bg2"/>
-                </a:solidFill>
-              </a:rPr>
-              <a:t>cho</a:t>
-            </a:r>
-            <a:r>
-              <a:rPr lang="en-US" b="1" dirty="0" smtClean="0">
-                <a:solidFill>
-                  <a:schemeClr val="bg2"/>
-                </a:solidFill>
-              </a:rPr>
-              <a:t> </a:t>
-            </a:r>
-            <a:r>
-              <a:rPr lang="en-US" b="1" dirty="0" err="1" smtClean="0">
-                <a:solidFill>
-                  <a:schemeClr val="bg2"/>
-                </a:solidFill>
-              </a:rPr>
-              <a:t>từng</a:t>
-            </a:r>
-            <a:r>
-              <a:rPr lang="en-US" b="1" dirty="0" smtClean="0">
-                <a:solidFill>
-                  <a:schemeClr val="bg2"/>
-                </a:solidFill>
-              </a:rPr>
-              <a:t> </a:t>
-            </a:r>
-            <a:r>
-              <a:rPr lang="en-US" b="1" dirty="0" err="1" smtClean="0">
-                <a:solidFill>
-                  <a:schemeClr val="bg2"/>
-                </a:solidFill>
-              </a:rPr>
-              <a:t>lớp</a:t>
-            </a:r>
-            <a:r>
-              <a:rPr lang="en-US" b="1" dirty="0" smtClean="0">
-                <a:solidFill>
-                  <a:schemeClr val="bg2"/>
-                </a:solidFill>
-              </a:rPr>
-              <a:t> </a:t>
-            </a:r>
-            <a:r>
-              <a:rPr lang="en-US" b="1" dirty="0" err="1" smtClean="0">
-                <a:solidFill>
-                  <a:schemeClr val="bg2"/>
-                </a:solidFill>
-              </a:rPr>
-              <a:t>này</a:t>
-            </a:r>
-            <a:r>
-              <a:rPr lang="en-US" b="1" dirty="0" smtClean="0">
-                <a:solidFill>
-                  <a:schemeClr val="bg2"/>
-                </a:solidFill>
-              </a:rPr>
-              <a:t>. </a:t>
-            </a:r>
-            <a:r>
-              <a:rPr lang="en-US" b="1" dirty="0" err="1" smtClean="0">
-                <a:solidFill>
-                  <a:schemeClr val="bg2"/>
-                </a:solidFill>
-              </a:rPr>
-              <a:t>Để</a:t>
-            </a:r>
-            <a:r>
-              <a:rPr lang="en-US" b="1" dirty="0" smtClean="0">
-                <a:solidFill>
-                  <a:schemeClr val="bg2"/>
-                </a:solidFill>
-              </a:rPr>
-              <a:t> </a:t>
-            </a:r>
-            <a:r>
-              <a:rPr lang="en-US" b="1" dirty="0" err="1" smtClean="0">
-                <a:solidFill>
-                  <a:schemeClr val="bg2"/>
-                </a:solidFill>
-              </a:rPr>
-              <a:t>huấn</a:t>
-            </a:r>
-            <a:r>
-              <a:rPr lang="en-US" b="1" dirty="0" smtClean="0">
-                <a:solidFill>
-                  <a:schemeClr val="bg2"/>
-                </a:solidFill>
-              </a:rPr>
-              <a:t> </a:t>
-            </a:r>
-            <a:r>
-              <a:rPr lang="en-US" b="1" dirty="0" err="1" smtClean="0">
-                <a:solidFill>
-                  <a:schemeClr val="bg2"/>
-                </a:solidFill>
-              </a:rPr>
-              <a:t>luyện</a:t>
-            </a:r>
-            <a:r>
-              <a:rPr lang="en-US" b="1" dirty="0" smtClean="0">
-                <a:solidFill>
-                  <a:schemeClr val="bg2"/>
-                </a:solidFill>
-              </a:rPr>
-              <a:t> </a:t>
-            </a:r>
-            <a:r>
-              <a:rPr lang="en-US" b="1" dirty="0" err="1" smtClean="0">
-                <a:solidFill>
-                  <a:schemeClr val="bg2"/>
-                </a:solidFill>
-              </a:rPr>
-              <a:t>mô</a:t>
-            </a:r>
-            <a:r>
-              <a:rPr lang="en-US" b="1" dirty="0" smtClean="0">
-                <a:solidFill>
-                  <a:schemeClr val="bg2"/>
-                </a:solidFill>
-              </a:rPr>
-              <a:t> </a:t>
-            </a:r>
-            <a:r>
-              <a:rPr lang="en-US" b="1" dirty="0" err="1" smtClean="0">
-                <a:solidFill>
-                  <a:schemeClr val="bg2"/>
-                </a:solidFill>
-              </a:rPr>
-              <a:t>hình</a:t>
-            </a:r>
-            <a:r>
-              <a:rPr lang="en-US" b="1" dirty="0" smtClean="0">
-                <a:solidFill>
-                  <a:schemeClr val="bg2"/>
-                </a:solidFill>
-              </a:rPr>
-              <a:t>, </a:t>
-            </a:r>
-            <a:r>
-              <a:rPr lang="en-US" b="1" dirty="0" err="1" smtClean="0">
-                <a:solidFill>
-                  <a:schemeClr val="bg2"/>
-                </a:solidFill>
-              </a:rPr>
-              <a:t>hàm</a:t>
-            </a:r>
-            <a:r>
-              <a:rPr lang="en-US" b="1" dirty="0" smtClean="0">
-                <a:solidFill>
-                  <a:schemeClr val="bg2"/>
-                </a:solidFill>
-              </a:rPr>
-              <a:t> </a:t>
-            </a:r>
-            <a:r>
-              <a:rPr lang="en-US" b="1" dirty="0" err="1" smtClean="0">
-                <a:solidFill>
-                  <a:schemeClr val="bg2"/>
-                </a:solidFill>
-              </a:rPr>
-              <a:t>mất</a:t>
-            </a:r>
-            <a:r>
-              <a:rPr lang="en-US" b="1" dirty="0" smtClean="0">
-                <a:solidFill>
-                  <a:schemeClr val="bg2"/>
-                </a:solidFill>
-              </a:rPr>
-              <a:t> </a:t>
-            </a:r>
-            <a:r>
-              <a:rPr lang="en-US" b="1" dirty="0" err="1" smtClean="0">
-                <a:solidFill>
-                  <a:schemeClr val="bg2"/>
-                </a:solidFill>
-              </a:rPr>
-              <a:t>mát</a:t>
-            </a:r>
-            <a:r>
-              <a:rPr lang="en-US" b="1" dirty="0" smtClean="0">
-                <a:solidFill>
-                  <a:schemeClr val="bg2"/>
-                </a:solidFill>
-              </a:rPr>
-              <a:t> cross-entropy </a:t>
-            </a:r>
-            <a:r>
-              <a:rPr lang="en-US" b="1" dirty="0" err="1" smtClean="0">
-                <a:solidFill>
-                  <a:schemeClr val="bg2"/>
-                </a:solidFill>
-              </a:rPr>
-              <a:t>được</a:t>
-            </a:r>
-            <a:r>
-              <a:rPr lang="en-US" b="1" dirty="0" smtClean="0">
-                <a:solidFill>
-                  <a:schemeClr val="bg2"/>
-                </a:solidFill>
-              </a:rPr>
-              <a:t> </a:t>
-            </a:r>
-            <a:r>
-              <a:rPr lang="en-US" b="1" dirty="0" err="1" smtClean="0">
-                <a:solidFill>
-                  <a:schemeClr val="bg2"/>
-                </a:solidFill>
-              </a:rPr>
-              <a:t>sử</a:t>
-            </a:r>
-            <a:r>
-              <a:rPr lang="en-US" b="1" dirty="0" smtClean="0">
-                <a:solidFill>
-                  <a:schemeClr val="bg2"/>
-                </a:solidFill>
-              </a:rPr>
-              <a:t> </a:t>
-            </a:r>
-            <a:r>
-              <a:rPr lang="en-US" b="1" dirty="0" err="1" smtClean="0">
-                <a:solidFill>
-                  <a:schemeClr val="bg2"/>
-                </a:solidFill>
-              </a:rPr>
-              <a:t>dụng</a:t>
-            </a:r>
-            <a:r>
-              <a:rPr lang="en-US" b="1" dirty="0" smtClean="0">
-                <a:solidFill>
-                  <a:schemeClr val="bg2"/>
-                </a:solidFill>
-              </a:rPr>
-              <a:t> </a:t>
-            </a:r>
-            <a:r>
-              <a:rPr lang="en-US" b="1" dirty="0" err="1" smtClean="0">
-                <a:solidFill>
-                  <a:schemeClr val="bg2"/>
-                </a:solidFill>
-              </a:rPr>
-              <a:t>nhầm</a:t>
-            </a:r>
-            <a:r>
-              <a:rPr lang="en-US" b="1" dirty="0" smtClean="0">
-                <a:solidFill>
-                  <a:schemeClr val="bg2"/>
-                </a:solidFill>
-              </a:rPr>
-              <a:t> </a:t>
-            </a:r>
-            <a:r>
-              <a:rPr lang="en-US" b="1" dirty="0" err="1" smtClean="0">
-                <a:solidFill>
-                  <a:schemeClr val="bg2"/>
-                </a:solidFill>
-              </a:rPr>
-              <a:t>đo</a:t>
-            </a:r>
-            <a:r>
-              <a:rPr lang="en-US" b="1" dirty="0" smtClean="0">
-                <a:solidFill>
-                  <a:schemeClr val="bg2"/>
-                </a:solidFill>
-              </a:rPr>
-              <a:t> </a:t>
-            </a:r>
-            <a:r>
-              <a:rPr lang="en-US" b="1" dirty="0" err="1" smtClean="0">
-                <a:solidFill>
-                  <a:schemeClr val="bg2"/>
-                </a:solidFill>
-              </a:rPr>
-              <a:t>sự</a:t>
-            </a:r>
-            <a:r>
-              <a:rPr lang="en-US" b="1" dirty="0" smtClean="0">
-                <a:solidFill>
-                  <a:schemeClr val="bg2"/>
-                </a:solidFill>
-              </a:rPr>
-              <a:t> </a:t>
-            </a:r>
-            <a:r>
-              <a:rPr lang="en-US" b="1" dirty="0" err="1" smtClean="0">
+              <a:rPr lang="en-US" dirty="0" smtClean="0">
+                <a:solidFill>
+                  <a:schemeClr val="bg2"/>
+                </a:solidFill>
+              </a:rPr>
+              <a:t> </a:t>
+            </a:r>
+            <a:r>
+              <a:rPr lang="en-US" dirty="0" err="1" smtClean="0">
+                <a:solidFill>
+                  <a:schemeClr val="bg2"/>
+                </a:solidFill>
+              </a:rPr>
+              <a:t>sắc</a:t>
+            </a:r>
+            <a:r>
+              <a:rPr lang="en-US" dirty="0" smtClean="0">
+                <a:solidFill>
+                  <a:schemeClr val="bg2"/>
+                </a:solidFill>
+              </a:rPr>
+              <a:t> </a:t>
+            </a:r>
+            <a:r>
+              <a:rPr lang="en-US" dirty="0" err="1" smtClean="0">
+                <a:solidFill>
+                  <a:schemeClr val="bg2"/>
+                </a:solidFill>
+              </a:rPr>
+              <a:t>hợp</a:t>
+            </a:r>
+            <a:r>
+              <a:rPr lang="en-US" dirty="0" smtClean="0">
+                <a:solidFill>
+                  <a:schemeClr val="bg2"/>
+                </a:solidFill>
+              </a:rPr>
+              <a:t> </a:t>
+            </a:r>
+            <a:r>
+              <a:rPr lang="en-US" dirty="0" err="1" smtClean="0">
+                <a:solidFill>
+                  <a:schemeClr val="bg2"/>
+                </a:solidFill>
+              </a:rPr>
+              <a:t>lý</a:t>
+            </a:r>
+            <a:r>
+              <a:rPr lang="en-US" dirty="0" smtClean="0">
+                <a:solidFill>
+                  <a:schemeClr val="bg2"/>
+                </a:solidFill>
+              </a:rPr>
+              <a:t> </a:t>
+            </a:r>
+            <a:r>
+              <a:rPr lang="en-US" dirty="0" err="1" smtClean="0">
                 <a:solidFill>
                   <a:schemeClr val="bg2"/>
                 </a:solidFill>
@@ -20271,676 +23593,28 @@
               <a:t>khác</a:t>
             </a:r>
             <a:r>
-              <a:rPr lang="en-US" b="1" dirty="0" smtClean="0">
-                <a:solidFill>
-                  <a:schemeClr val="bg2"/>
-                </a:solidFill>
-              </a:rPr>
-              <a:t> </a:t>
-            </a:r>
-            <a:r>
-              <a:rPr lang="en-US" b="1" dirty="0" err="1" smtClean="0">
-                <a:solidFill>
-                  <a:schemeClr val="bg2"/>
-                </a:solidFill>
-              </a:rPr>
-              <a:t>biệt</a:t>
-            </a:r>
-            <a:r>
-              <a:rPr lang="en-US" b="1" dirty="0" smtClean="0">
-                <a:solidFill>
-                  <a:schemeClr val="bg2"/>
-                </a:solidFill>
-              </a:rPr>
-              <a:t> </a:t>
-            </a:r>
-            <a:r>
-              <a:rPr lang="en-US" b="1" dirty="0" err="1" smtClean="0">
-                <a:solidFill>
-                  <a:schemeClr val="bg2"/>
-                </a:solidFill>
-              </a:rPr>
-              <a:t>giữa</a:t>
-            </a:r>
-            <a:r>
-              <a:rPr lang="en-US" b="1" dirty="0" smtClean="0">
-                <a:solidFill>
-                  <a:schemeClr val="bg2"/>
-                </a:solidFill>
-              </a:rPr>
-              <a:t> </a:t>
-            </a:r>
-            <a:r>
-              <a:rPr lang="en-US" b="1" dirty="0" err="1" smtClean="0">
-                <a:solidFill>
-                  <a:schemeClr val="bg2"/>
-                </a:solidFill>
-              </a:rPr>
-              <a:t>màu</a:t>
-            </a:r>
-            <a:r>
-              <a:rPr lang="en-US" b="1" dirty="0" smtClean="0">
-                <a:solidFill>
-                  <a:schemeClr val="bg2"/>
-                </a:solidFill>
-              </a:rPr>
-              <a:t> </a:t>
-            </a:r>
-            <a:r>
-              <a:rPr lang="en-US" b="1" dirty="0" err="1" smtClean="0">
-                <a:solidFill>
-                  <a:schemeClr val="bg2"/>
-                </a:solidFill>
-              </a:rPr>
-              <a:t>được</a:t>
-            </a:r>
-            <a:r>
-              <a:rPr lang="en-US" b="1" dirty="0" smtClean="0">
-                <a:solidFill>
-                  <a:schemeClr val="bg2"/>
-                </a:solidFill>
-              </a:rPr>
-              <a:t> </a:t>
-            </a:r>
-            <a:r>
-              <a:rPr lang="en-US" b="1" dirty="0" err="1" smtClean="0">
-                <a:solidFill>
-                  <a:schemeClr val="bg2"/>
-                </a:solidFill>
-              </a:rPr>
-              <a:t>phân</a:t>
-            </a:r>
-            <a:r>
-              <a:rPr lang="en-US" b="1" dirty="0" smtClean="0">
-                <a:solidFill>
-                  <a:schemeClr val="bg2"/>
-                </a:solidFill>
-              </a:rPr>
-              <a:t> </a:t>
-            </a:r>
-            <a:r>
-              <a:rPr lang="en-US" b="1" dirty="0" err="1" smtClean="0">
-                <a:solidFill>
-                  <a:schemeClr val="bg2"/>
-                </a:solidFill>
-              </a:rPr>
-              <a:t>phối</a:t>
-            </a:r>
-            <a:r>
-              <a:rPr lang="en-US" b="1" dirty="0" smtClean="0">
-                <a:solidFill>
-                  <a:schemeClr val="bg2"/>
-                </a:solidFill>
-              </a:rPr>
-              <a:t> </a:t>
-            </a:r>
-            <a:r>
-              <a:rPr lang="en-US" b="1" dirty="0" err="1" smtClean="0">
-                <a:solidFill>
-                  <a:schemeClr val="bg2"/>
-                </a:solidFill>
-              </a:rPr>
-              <a:t>và</a:t>
-            </a:r>
-            <a:r>
-              <a:rPr lang="en-US" b="1" dirty="0" smtClean="0">
-                <a:solidFill>
-                  <a:schemeClr val="bg2"/>
-                </a:solidFill>
-              </a:rPr>
-              <a:t> </a:t>
-            </a:r>
-            <a:r>
-              <a:rPr lang="en-US" b="1" dirty="0" err="1" smtClean="0">
-                <a:solidFill>
-                  <a:schemeClr val="bg2"/>
-                </a:solidFill>
-              </a:rPr>
-              <a:t>màu</a:t>
-            </a:r>
-            <a:r>
-              <a:rPr lang="en-US" b="1" dirty="0" smtClean="0">
-                <a:solidFill>
-                  <a:schemeClr val="bg2"/>
-                </a:solidFill>
-              </a:rPr>
-              <a:t> </a:t>
-            </a:r>
-            <a:r>
-              <a:rPr lang="en-US" b="1" dirty="0" err="1" smtClean="0">
-                <a:solidFill>
-                  <a:schemeClr val="bg2"/>
-                </a:solidFill>
-              </a:rPr>
-              <a:t>thật</a:t>
-            </a:r>
-            <a:r>
-              <a:rPr lang="en-US" b="1" dirty="0" smtClean="0">
-                <a:solidFill>
-                  <a:schemeClr val="bg2"/>
-                </a:solidFill>
-              </a:rPr>
-              <a:t>. </a:t>
-            </a:r>
-            <a:r>
-              <a:rPr lang="en-US" b="1" dirty="0" err="1" smtClean="0">
-                <a:solidFill>
-                  <a:schemeClr val="bg2"/>
-                </a:solidFill>
-              </a:rPr>
-              <a:t>Cách</a:t>
-            </a:r>
-            <a:r>
-              <a:rPr lang="en-US" b="1" dirty="0" smtClean="0">
-                <a:solidFill>
-                  <a:schemeClr val="bg2"/>
-                </a:solidFill>
-              </a:rPr>
-              <a:t> </a:t>
-            </a:r>
-            <a:r>
-              <a:rPr lang="en-US" b="1" dirty="0" err="1" smtClean="0">
-                <a:solidFill>
-                  <a:schemeClr val="bg2"/>
-                </a:solidFill>
-              </a:rPr>
-              <a:t>tiếp</a:t>
-            </a:r>
-            <a:r>
-              <a:rPr lang="en-US" b="1" dirty="0" smtClean="0">
-                <a:solidFill>
-                  <a:schemeClr val="bg2"/>
-                </a:solidFill>
-              </a:rPr>
-              <a:t> </a:t>
-            </a:r>
-            <a:r>
-              <a:rPr lang="en-US" b="1" dirty="0" err="1" smtClean="0">
-                <a:solidFill>
-                  <a:schemeClr val="bg2"/>
-                </a:solidFill>
-              </a:rPr>
-              <a:t>cận</a:t>
-            </a:r>
-            <a:r>
-              <a:rPr lang="en-US" b="1" dirty="0" smtClean="0">
-                <a:solidFill>
-                  <a:schemeClr val="bg2"/>
-                </a:solidFill>
-              </a:rPr>
-              <a:t> </a:t>
-            </a:r>
-            <a:r>
-              <a:rPr lang="en-US" b="1" dirty="0" err="1" smtClean="0">
-                <a:solidFill>
-                  <a:schemeClr val="bg2"/>
-                </a:solidFill>
-              </a:rPr>
-              <a:t>này</a:t>
-            </a:r>
-            <a:r>
-              <a:rPr lang="en-US" b="1" dirty="0" smtClean="0">
-                <a:solidFill>
-                  <a:schemeClr val="bg2"/>
-                </a:solidFill>
-              </a:rPr>
-              <a:t> </a:t>
-            </a:r>
-            <a:r>
-              <a:rPr lang="en-US" b="1" dirty="0" err="1" smtClean="0">
-                <a:solidFill>
-                  <a:schemeClr val="bg2"/>
-                </a:solidFill>
-              </a:rPr>
-              <a:t>giúp</a:t>
-            </a:r>
-            <a:r>
-              <a:rPr lang="en-US" b="1" dirty="0" smtClean="0">
-                <a:solidFill>
-                  <a:schemeClr val="bg2"/>
-                </a:solidFill>
-              </a:rPr>
-              <a:t> </a:t>
-            </a:r>
-            <a:r>
-              <a:rPr lang="en-US" b="1" dirty="0" err="1" smtClean="0">
-                <a:solidFill>
-                  <a:schemeClr val="bg2"/>
-                </a:solidFill>
-              </a:rPr>
-              <a:t>mô</a:t>
-            </a:r>
-            <a:r>
-              <a:rPr lang="en-US" b="1" dirty="0" smtClean="0">
-                <a:solidFill>
-                  <a:schemeClr val="bg2"/>
-                </a:solidFill>
-              </a:rPr>
-              <a:t> </a:t>
-            </a:r>
-            <a:r>
-              <a:rPr lang="en-US" b="1" dirty="0" err="1" smtClean="0">
-                <a:solidFill>
-                  <a:schemeClr val="bg2"/>
-                </a:solidFill>
-              </a:rPr>
-              <a:t>hình</a:t>
-            </a:r>
-            <a:r>
-              <a:rPr lang="en-US" b="1" dirty="0" smtClean="0">
-                <a:solidFill>
-                  <a:schemeClr val="bg2"/>
-                </a:solidFill>
-              </a:rPr>
-              <a:t> </a:t>
-            </a:r>
-            <a:r>
-              <a:rPr lang="en-US" b="1" dirty="0" err="1" smtClean="0">
-                <a:solidFill>
-                  <a:schemeClr val="bg2"/>
-                </a:solidFill>
-              </a:rPr>
-              <a:t>linh</a:t>
-            </a:r>
-            <a:r>
-              <a:rPr lang="en-US" b="1" dirty="0" smtClean="0">
-                <a:solidFill>
-                  <a:schemeClr val="bg2"/>
-                </a:solidFill>
-              </a:rPr>
-              <a:t> </a:t>
-            </a:r>
-            <a:r>
-              <a:rPr lang="en-US" b="1" dirty="0" err="1" smtClean="0">
-                <a:solidFill>
-                  <a:schemeClr val="bg2"/>
-                </a:solidFill>
-              </a:rPr>
-              <a:t>hoạt</a:t>
-            </a:r>
-            <a:r>
-              <a:rPr lang="en-US" b="1" dirty="0" smtClean="0">
-                <a:solidFill>
-                  <a:schemeClr val="bg2"/>
-                </a:solidFill>
-              </a:rPr>
-              <a:t> </a:t>
-            </a:r>
-            <a:r>
-              <a:rPr lang="en-US" b="1" dirty="0" err="1" smtClean="0">
-                <a:solidFill>
-                  <a:schemeClr val="bg2"/>
-                </a:solidFill>
-              </a:rPr>
-              <a:t>trong</a:t>
-            </a:r>
-            <a:r>
-              <a:rPr lang="en-US" b="1" dirty="0" smtClean="0">
-                <a:solidFill>
-                  <a:schemeClr val="bg2"/>
-                </a:solidFill>
-              </a:rPr>
-              <a:t> </a:t>
-            </a:r>
-            <a:r>
-              <a:rPr lang="en-US" b="1" dirty="0" err="1" smtClean="0">
-                <a:solidFill>
-                  <a:schemeClr val="bg2"/>
-                </a:solidFill>
-              </a:rPr>
-              <a:t>việc</a:t>
-            </a:r>
-            <a:r>
-              <a:rPr lang="en-US" b="1" dirty="0" smtClean="0">
-                <a:solidFill>
-                  <a:schemeClr val="bg2"/>
-                </a:solidFill>
-              </a:rPr>
-              <a:t> </a:t>
-            </a:r>
-            <a:r>
-              <a:rPr lang="en-US" b="1" dirty="0" err="1" smtClean="0">
-                <a:solidFill>
-                  <a:schemeClr val="bg2"/>
-                </a:solidFill>
-              </a:rPr>
-              <a:t>xử</a:t>
-            </a:r>
-            <a:r>
-              <a:rPr lang="en-US" b="1" dirty="0" smtClean="0">
-                <a:solidFill>
-                  <a:schemeClr val="bg2"/>
-                </a:solidFill>
-              </a:rPr>
-              <a:t> </a:t>
-            </a:r>
-            <a:r>
-              <a:rPr lang="en-US" b="1" dirty="0" err="1" smtClean="0">
-                <a:solidFill>
-                  <a:schemeClr val="bg2"/>
-                </a:solidFill>
-              </a:rPr>
-              <a:t>lý</a:t>
-            </a:r>
-            <a:r>
-              <a:rPr lang="en-US" b="1" dirty="0" smtClean="0">
-                <a:solidFill>
-                  <a:schemeClr val="bg2"/>
-                </a:solidFill>
-              </a:rPr>
-              <a:t> </a:t>
-            </a:r>
-            <a:r>
-              <a:rPr lang="en-US" b="1" dirty="0" err="1" smtClean="0">
-                <a:solidFill>
-                  <a:schemeClr val="bg2"/>
-                </a:solidFill>
-              </a:rPr>
-              <a:t>tính</a:t>
-            </a:r>
-            <a:r>
-              <a:rPr lang="en-US" b="1" dirty="0" smtClean="0">
-                <a:solidFill>
-                  <a:schemeClr val="bg2"/>
-                </a:solidFill>
-              </a:rPr>
-              <a:t> </a:t>
-            </a:r>
-            <a:r>
-              <a:rPr lang="en-US" b="1" dirty="0" err="1" smtClean="0">
-                <a:solidFill>
-                  <a:schemeClr val="bg2"/>
-                </a:solidFill>
-              </a:rPr>
-              <a:t>đa</a:t>
-            </a:r>
-            <a:r>
-              <a:rPr lang="en-US" b="1" dirty="0" smtClean="0">
-                <a:solidFill>
-                  <a:schemeClr val="bg2"/>
-                </a:solidFill>
-              </a:rPr>
-              <a:t> </a:t>
-            </a:r>
-            <a:r>
-              <a:rPr lang="en-US" b="1" dirty="0" err="1" smtClean="0">
-                <a:solidFill>
-                  <a:schemeClr val="bg2"/>
-                </a:solidFill>
-              </a:rPr>
-              <a:t>mô</a:t>
-            </a:r>
-            <a:r>
-              <a:rPr lang="en-US" b="1" dirty="0" smtClean="0">
-                <a:solidFill>
-                  <a:schemeClr val="bg2"/>
-                </a:solidFill>
-              </a:rPr>
-              <a:t> </a:t>
-            </a:r>
-            <a:r>
-              <a:rPr lang="en-US" b="1" dirty="0" err="1" smtClean="0">
-                <a:solidFill>
-                  <a:schemeClr val="bg2"/>
-                </a:solidFill>
-              </a:rPr>
-              <a:t>thức</a:t>
-            </a:r>
-            <a:r>
-              <a:rPr lang="en-US" b="1" dirty="0" smtClean="0">
-                <a:solidFill>
-                  <a:schemeClr val="bg2"/>
-                </a:solidFill>
-              </a:rPr>
-              <a:t> </a:t>
-            </a:r>
-            <a:r>
-              <a:rPr lang="en-US" b="1" dirty="0" err="1" smtClean="0">
-                <a:solidFill>
-                  <a:schemeClr val="bg2"/>
-                </a:solidFill>
-              </a:rPr>
-              <a:t>của</a:t>
-            </a:r>
-            <a:r>
-              <a:rPr lang="en-US" b="1" dirty="0" smtClean="0">
-                <a:solidFill>
-                  <a:schemeClr val="bg2"/>
-                </a:solidFill>
-              </a:rPr>
-              <a:t> </a:t>
-            </a:r>
-            <a:r>
-              <a:rPr lang="en-US" b="1" dirty="0" err="1" smtClean="0">
-                <a:solidFill>
-                  <a:schemeClr val="bg2"/>
-                </a:solidFill>
-              </a:rPr>
-              <a:t>màu</a:t>
-            </a:r>
-            <a:r>
-              <a:rPr lang="en-US" b="1" dirty="0" smtClean="0">
-                <a:solidFill>
-                  <a:schemeClr val="bg2"/>
-                </a:solidFill>
-              </a:rPr>
-              <a:t> </a:t>
-            </a:r>
-            <a:r>
-              <a:rPr lang="en-US" b="1" dirty="0" err="1" smtClean="0">
-                <a:solidFill>
-                  <a:schemeClr val="bg2"/>
-                </a:solidFill>
-              </a:rPr>
-              <a:t>sắc</a:t>
-            </a:r>
-            <a:r>
-              <a:rPr lang="en-US" b="1" dirty="0" smtClean="0">
-                <a:solidFill>
-                  <a:schemeClr val="bg2"/>
-                </a:solidFill>
-              </a:rPr>
-              <a:t>, </a:t>
-            </a:r>
-            <a:r>
-              <a:rPr lang="en-US" b="1" dirty="0" err="1" smtClean="0">
-                <a:solidFill>
-                  <a:schemeClr val="bg2"/>
-                </a:solidFill>
-              </a:rPr>
-              <a:t>giúp</a:t>
-            </a:r>
-            <a:r>
-              <a:rPr lang="en-US" b="1" dirty="0" smtClean="0">
-                <a:solidFill>
-                  <a:schemeClr val="bg2"/>
-                </a:solidFill>
-              </a:rPr>
-              <a:t> 1 </a:t>
-            </a:r>
-            <a:r>
-              <a:rPr lang="en-US" b="1" dirty="0" err="1" smtClean="0">
-                <a:solidFill>
-                  <a:schemeClr val="bg2"/>
-                </a:solidFill>
-              </a:rPr>
-              <a:t>điểm</a:t>
-            </a:r>
-            <a:r>
-              <a:rPr lang="en-US" b="1" dirty="0" smtClean="0">
-                <a:solidFill>
-                  <a:schemeClr val="bg2"/>
-                </a:solidFill>
-              </a:rPr>
-              <a:t> </a:t>
-            </a:r>
-            <a:r>
-              <a:rPr lang="en-US" b="1" dirty="0" err="1" smtClean="0">
-                <a:solidFill>
-                  <a:schemeClr val="bg2"/>
-                </a:solidFill>
-              </a:rPr>
-              <a:t>ảnh</a:t>
-            </a:r>
-            <a:r>
-              <a:rPr lang="en-US" b="1" dirty="0" smtClean="0">
-                <a:solidFill>
-                  <a:schemeClr val="bg2"/>
-                </a:solidFill>
-              </a:rPr>
-              <a:t> </a:t>
-            </a:r>
-            <a:r>
-              <a:rPr lang="en-US" b="1" dirty="0" err="1" smtClean="0">
-                <a:solidFill>
-                  <a:schemeClr val="bg2"/>
-                </a:solidFill>
-              </a:rPr>
-              <a:t>có</a:t>
-            </a:r>
-            <a:r>
-              <a:rPr lang="en-US" b="1" dirty="0" smtClean="0">
-                <a:solidFill>
-                  <a:schemeClr val="bg2"/>
-                </a:solidFill>
-              </a:rPr>
-              <a:t> </a:t>
-            </a:r>
-            <a:r>
-              <a:rPr lang="en-US" b="1" dirty="0" err="1" smtClean="0">
-                <a:solidFill>
-                  <a:schemeClr val="bg2"/>
-                </a:solidFill>
-              </a:rPr>
-              <a:t>thể</a:t>
-            </a:r>
-            <a:r>
-              <a:rPr lang="en-US" b="1" dirty="0" smtClean="0">
-                <a:solidFill>
-                  <a:schemeClr val="bg2"/>
-                </a:solidFill>
-              </a:rPr>
-              <a:t> </a:t>
-            </a:r>
-            <a:r>
-              <a:rPr lang="en-US" b="1" dirty="0" err="1" smtClean="0">
-                <a:solidFill>
-                  <a:schemeClr val="bg2"/>
-                </a:solidFill>
-              </a:rPr>
-              <a:t>có</a:t>
-            </a:r>
-            <a:r>
-              <a:rPr lang="en-US" b="1" dirty="0" smtClean="0">
-                <a:solidFill>
-                  <a:schemeClr val="bg2"/>
-                </a:solidFill>
-              </a:rPr>
-              <a:t> </a:t>
-            </a:r>
-            <a:r>
-              <a:rPr lang="en-US" b="1" dirty="0" err="1" smtClean="0">
-                <a:solidFill>
-                  <a:schemeClr val="bg2"/>
-                </a:solidFill>
-              </a:rPr>
-              <a:t>nhiều</a:t>
-            </a:r>
-            <a:r>
-              <a:rPr lang="en-US" b="1" dirty="0" smtClean="0">
-                <a:solidFill>
-                  <a:schemeClr val="bg2"/>
-                </a:solidFill>
-              </a:rPr>
-              <a:t> </a:t>
-            </a:r>
-            <a:r>
-              <a:rPr lang="en-US" b="1" dirty="0" err="1" smtClean="0">
-                <a:solidFill>
-                  <a:schemeClr val="bg2"/>
-                </a:solidFill>
-              </a:rPr>
-              <a:t>màu</a:t>
-            </a:r>
-            <a:r>
-              <a:rPr lang="en-US" b="1" dirty="0" smtClean="0">
-                <a:solidFill>
-                  <a:schemeClr val="bg2"/>
-                </a:solidFill>
-              </a:rPr>
-              <a:t> </a:t>
-            </a:r>
-            <a:r>
-              <a:rPr lang="en-US" b="1" dirty="0" err="1" smtClean="0">
-                <a:solidFill>
-                  <a:schemeClr val="bg2"/>
-                </a:solidFill>
-              </a:rPr>
-              <a:t>sắc</a:t>
-            </a:r>
-            <a:r>
-              <a:rPr lang="en-US" b="1" dirty="0" smtClean="0">
-                <a:solidFill>
-                  <a:schemeClr val="bg2"/>
-                </a:solidFill>
-              </a:rPr>
-              <a:t> </a:t>
-            </a:r>
-            <a:r>
-              <a:rPr lang="en-US" b="1" dirty="0" err="1" smtClean="0">
-                <a:solidFill>
-                  <a:schemeClr val="bg2"/>
-                </a:solidFill>
-              </a:rPr>
-              <a:t>hợp</a:t>
-            </a:r>
-            <a:r>
-              <a:rPr lang="en-US" b="1" dirty="0" smtClean="0">
-                <a:solidFill>
-                  <a:schemeClr val="bg2"/>
-                </a:solidFill>
-              </a:rPr>
-              <a:t> </a:t>
-            </a:r>
-            <a:r>
-              <a:rPr lang="en-US" b="1" dirty="0" err="1" smtClean="0">
-                <a:solidFill>
-                  <a:schemeClr val="bg2"/>
-                </a:solidFill>
-              </a:rPr>
-              <a:t>lý</a:t>
-            </a:r>
-            <a:r>
-              <a:rPr lang="en-US" b="1" dirty="0" smtClean="0">
-                <a:solidFill>
-                  <a:schemeClr val="bg2"/>
-                </a:solidFill>
-              </a:rPr>
-              <a:t> </a:t>
-            </a:r>
-            <a:r>
-              <a:rPr lang="en-US" b="1" dirty="0" err="1" smtClean="0">
-                <a:solidFill>
-                  <a:schemeClr val="bg2"/>
-                </a:solidFill>
-              </a:rPr>
-              <a:t>khác</a:t>
-            </a:r>
-            <a:r>
-              <a:rPr lang="en-US" b="1" dirty="0" smtClean="0">
-                <a:solidFill>
-                  <a:schemeClr val="bg2"/>
-                </a:solidFill>
-              </a:rPr>
-              <a:t> </a:t>
-            </a:r>
-            <a:r>
-              <a:rPr lang="en-US" b="1" dirty="0" err="1" smtClean="0">
+              <a:rPr lang="en-US" dirty="0" smtClean="0">
+                <a:solidFill>
+                  <a:schemeClr val="bg2"/>
+                </a:solidFill>
+              </a:rPr>
+              <a:t> </a:t>
+            </a:r>
+            <a:r>
+              <a:rPr lang="en-US" dirty="0" err="1" smtClean="0">
                 <a:solidFill>
                   <a:schemeClr val="bg2"/>
                 </a:solidFill>
               </a:rPr>
               <a:t>nhau</a:t>
+            </a:r>
+            <a:r>
+              <a:rPr lang="en-US" dirty="0" smtClean="0">
+                <a:solidFill>
+                  <a:schemeClr val="bg2"/>
+                </a:solidFill>
+              </a:rPr>
+              <a:t>.</a:t>
             </a:r>
             <a:endParaRPr lang="en-US" dirty="0">
               <a:solidFill>
@@ -21033,10 +23707,315 @@
           <a:lstStyle/>
           <a:p>
             <a:r>
-              <a:rPr lang="en" sz="4800" b="1" dirty="0"/>
-              <a:t>Giới thiệu</a:t>
+              <a:rPr lang="en" sz="4800" b="1" dirty="0" smtClean="0"/>
+              <a:t>Phương pháp</a:t>
             </a:r>
             <a:endParaRPr lang="en-US" sz="4800" dirty="0"/>
+          </a:p>
+        </p:txBody>
+      </p:sp>
+      <p:sp>
+        <p:nvSpPr>
+          <p:cNvPr id="10" name="Text Placeholder 2"/>
+          <p:cNvSpPr txBox="1">
+            <a:spLocks/>
+          </p:cNvSpPr>
+          <p:nvPr/>
+        </p:nvSpPr>
+        <p:spPr>
+          <a:xfrm>
+            <a:off x="0" y="971167"/>
+            <a:ext cx="10962800" cy="551920"/>
+          </a:xfrm>
+          <a:prstGeom prst="rect">
+            <a:avLst/>
+          </a:prstGeom>
+          <a:noFill/>
+          <a:ln>
+            <a:noFill/>
+          </a:ln>
+        </p:spPr>
+        <p:txBody>
+          <a:bodyPr spcFirstLastPara="1" wrap="square" lIns="91425" tIns="91425" rIns="91425" bIns="91425" anchor="t" anchorCtr="0">
+            <a:noAutofit/>
+          </a:bodyPr>
+          <a:lstStyle>
+            <a:defPPr marR="0" lvl="0" algn="l" rtl="0">
+              <a:lnSpc>
+                <a:spcPct val="100000"/>
+              </a:lnSpc>
+              <a:spcBef>
+                <a:spcPts val="0"/>
+              </a:spcBef>
+              <a:spcAft>
+                <a:spcPts val="0"/>
+              </a:spcAft>
+            </a:defPPr>
+            <a:lvl1pPr marL="609585" marR="0" lvl="0" indent="-491054" algn="l" rtl="0">
+              <a:lnSpc>
+                <a:spcPct val="115000"/>
+              </a:lnSpc>
+              <a:spcBef>
+                <a:spcPts val="0"/>
+              </a:spcBef>
+              <a:spcAft>
+                <a:spcPts val="0"/>
+              </a:spcAft>
+              <a:buClr>
+                <a:srgbClr val="000000"/>
+              </a:buClr>
+              <a:buSzPts val="2200"/>
+              <a:buFont typeface="Roboto"/>
+              <a:buChar char="●"/>
+              <a:defRPr sz="2933" b="0" i="0" u="none" strike="noStrike" cap="none">
+                <a:solidFill>
+                  <a:srgbClr val="000000"/>
+                </a:solidFill>
+                <a:latin typeface="Roboto"/>
+                <a:ea typeface="Roboto"/>
+                <a:cs typeface="Roboto"/>
+                <a:sym typeface="Roboto"/>
+              </a:defRPr>
+            </a:lvl1pPr>
+            <a:lvl2pPr marL="1219170" marR="0" lvl="1" indent="-474121" algn="l" rtl="0">
+              <a:lnSpc>
+                <a:spcPct val="115000"/>
+              </a:lnSpc>
+              <a:spcBef>
+                <a:spcPts val="2133"/>
+              </a:spcBef>
+              <a:spcAft>
+                <a:spcPts val="0"/>
+              </a:spcAft>
+              <a:buClr>
+                <a:srgbClr val="000000"/>
+              </a:buClr>
+              <a:buSzPts val="2000"/>
+              <a:buFont typeface="Roboto"/>
+              <a:buChar char="○"/>
+              <a:defRPr sz="2667" b="0" i="0" u="none" strike="noStrike" cap="none">
+                <a:solidFill>
+                  <a:srgbClr val="000000"/>
+                </a:solidFill>
+                <a:latin typeface="Roboto"/>
+                <a:ea typeface="Roboto"/>
+                <a:cs typeface="Roboto"/>
+                <a:sym typeface="Roboto"/>
+              </a:defRPr>
+            </a:lvl2pPr>
+            <a:lvl3pPr marL="1828754" marR="0" lvl="2" indent="-457189" algn="l" rtl="0">
+              <a:lnSpc>
+                <a:spcPct val="115000"/>
+              </a:lnSpc>
+              <a:spcBef>
+                <a:spcPts val="2133"/>
+              </a:spcBef>
+              <a:spcAft>
+                <a:spcPts val="0"/>
+              </a:spcAft>
+              <a:buClr>
+                <a:srgbClr val="000000"/>
+              </a:buClr>
+              <a:buSzPts val="1800"/>
+              <a:buFont typeface="Roboto"/>
+              <a:buChar char="■"/>
+              <a:defRPr sz="2400" b="0" i="0" u="none" strike="noStrike" cap="none">
+                <a:solidFill>
+                  <a:srgbClr val="000000"/>
+                </a:solidFill>
+                <a:latin typeface="Roboto"/>
+                <a:ea typeface="Roboto"/>
+                <a:cs typeface="Roboto"/>
+                <a:sym typeface="Roboto"/>
+              </a:defRPr>
+            </a:lvl3pPr>
+            <a:lvl4pPr marL="2438339" marR="0" lvl="3" indent="-440256" algn="l" rtl="0">
+              <a:lnSpc>
+                <a:spcPct val="115000"/>
+              </a:lnSpc>
+              <a:spcBef>
+                <a:spcPts val="2133"/>
+              </a:spcBef>
+              <a:spcAft>
+                <a:spcPts val="0"/>
+              </a:spcAft>
+              <a:buClr>
+                <a:srgbClr val="000000"/>
+              </a:buClr>
+              <a:buSzPts val="1600"/>
+              <a:buFont typeface="Roboto"/>
+              <a:buChar char="●"/>
+              <a:defRPr sz="2133" b="0" i="0" u="none" strike="noStrike" cap="none">
+                <a:solidFill>
+                  <a:srgbClr val="000000"/>
+                </a:solidFill>
+                <a:latin typeface="Roboto"/>
+                <a:ea typeface="Roboto"/>
+                <a:cs typeface="Roboto"/>
+                <a:sym typeface="Roboto"/>
+              </a:defRPr>
+            </a:lvl4pPr>
+            <a:lvl5pPr marL="3047924" marR="0" lvl="4" indent="-423323" algn="l" rtl="0">
+              <a:lnSpc>
+                <a:spcPct val="115000"/>
+              </a:lnSpc>
+              <a:spcBef>
+                <a:spcPts val="2133"/>
+              </a:spcBef>
+              <a:spcAft>
+                <a:spcPts val="0"/>
+              </a:spcAft>
+              <a:buClr>
+                <a:srgbClr val="000000"/>
+              </a:buClr>
+              <a:buSzPts val="1400"/>
+              <a:buFont typeface="Roboto"/>
+              <a:buChar char="○"/>
+              <a:defRPr sz="1867" b="0" i="0" u="none" strike="noStrike" cap="none">
+                <a:solidFill>
+                  <a:srgbClr val="000000"/>
+                </a:solidFill>
+                <a:latin typeface="Roboto"/>
+                <a:ea typeface="Roboto"/>
+                <a:cs typeface="Roboto"/>
+                <a:sym typeface="Roboto"/>
+              </a:defRPr>
+            </a:lvl5pPr>
+            <a:lvl6pPr marL="3657509" marR="0" lvl="5" indent="-423323" algn="l" rtl="0">
+              <a:lnSpc>
+                <a:spcPct val="115000"/>
+              </a:lnSpc>
+              <a:spcBef>
+                <a:spcPts val="2133"/>
+              </a:spcBef>
+              <a:spcAft>
+                <a:spcPts val="0"/>
+              </a:spcAft>
+              <a:buClr>
+                <a:srgbClr val="000000"/>
+              </a:buClr>
+              <a:buSzPts val="1400"/>
+              <a:buFont typeface="Roboto"/>
+              <a:buChar char="■"/>
+              <a:defRPr sz="1867" b="0" i="0" u="none" strike="noStrike" cap="none">
+                <a:solidFill>
+                  <a:srgbClr val="000000"/>
+                </a:solidFill>
+                <a:latin typeface="Roboto"/>
+                <a:ea typeface="Roboto"/>
+                <a:cs typeface="Roboto"/>
+                <a:sym typeface="Roboto"/>
+              </a:defRPr>
+            </a:lvl6pPr>
+            <a:lvl7pPr marL="4267093" marR="0" lvl="6" indent="-423323" algn="l" rtl="0">
+              <a:lnSpc>
+                <a:spcPct val="115000"/>
+              </a:lnSpc>
+              <a:spcBef>
+                <a:spcPts val="2133"/>
+              </a:spcBef>
+              <a:spcAft>
+                <a:spcPts val="0"/>
+              </a:spcAft>
+              <a:buClr>
+                <a:srgbClr val="000000"/>
+              </a:buClr>
+              <a:buSzPts val="1400"/>
+              <a:buFont typeface="Roboto"/>
+              <a:buChar char="●"/>
+              <a:defRPr sz="1867" b="0" i="0" u="none" strike="noStrike" cap="none">
+                <a:solidFill>
+                  <a:srgbClr val="000000"/>
+                </a:solidFill>
+                <a:latin typeface="Roboto"/>
+                <a:ea typeface="Roboto"/>
+                <a:cs typeface="Roboto"/>
+                <a:sym typeface="Roboto"/>
+              </a:defRPr>
+            </a:lvl7pPr>
+            <a:lvl8pPr marL="4876678" marR="0" lvl="7" indent="-423323" algn="l" rtl="0">
+              <a:lnSpc>
+                <a:spcPct val="115000"/>
+              </a:lnSpc>
+              <a:spcBef>
+                <a:spcPts val="2133"/>
+              </a:spcBef>
+              <a:spcAft>
+                <a:spcPts val="0"/>
+              </a:spcAft>
+              <a:buClr>
+                <a:srgbClr val="000000"/>
+              </a:buClr>
+              <a:buSzPts val="1400"/>
+              <a:buFont typeface="Roboto"/>
+              <a:buChar char="○"/>
+              <a:defRPr sz="1867" b="0" i="0" u="none" strike="noStrike" cap="none">
+                <a:solidFill>
+                  <a:srgbClr val="000000"/>
+                </a:solidFill>
+                <a:latin typeface="Roboto"/>
+                <a:ea typeface="Roboto"/>
+                <a:cs typeface="Roboto"/>
+                <a:sym typeface="Roboto"/>
+              </a:defRPr>
+            </a:lvl8pPr>
+            <a:lvl9pPr marL="5486263" marR="0" lvl="8" indent="-423323" algn="l" rtl="0">
+              <a:lnSpc>
+                <a:spcPct val="115000"/>
+              </a:lnSpc>
+              <a:spcBef>
+                <a:spcPts val="2133"/>
+              </a:spcBef>
+              <a:spcAft>
+                <a:spcPts val="2133"/>
+              </a:spcAft>
+              <a:buClr>
+                <a:schemeClr val="lt2"/>
+              </a:buClr>
+              <a:buSzPts val="1400"/>
+              <a:buFont typeface="Roboto"/>
+              <a:buChar char="■"/>
+              <a:defRPr sz="1867" b="0" i="0" u="none" strike="noStrike" cap="none">
+                <a:solidFill>
+                  <a:schemeClr val="lt2"/>
+                </a:solidFill>
+                <a:latin typeface="Roboto"/>
+                <a:ea typeface="Roboto"/>
+                <a:cs typeface="Roboto"/>
+                <a:sym typeface="Roboto"/>
+              </a:defRPr>
+            </a:lvl9pPr>
+          </a:lstStyle>
+          <a:p>
+            <a:pPr marL="118531" indent="0">
+              <a:buFont typeface="Roboto"/>
+              <a:buNone/>
+            </a:pPr>
+            <a:r>
+              <a:rPr lang="en-US" sz="2000" b="1" kern="0" dirty="0"/>
+              <a:t>2</a:t>
+            </a:r>
+            <a:r>
+              <a:rPr lang="en-US" sz="2000" b="1" kern="0" dirty="0" smtClean="0"/>
+              <a:t>. </a:t>
+            </a:r>
+            <a:r>
+              <a:rPr lang="en-US" sz="2000" b="1" kern="0" dirty="0" err="1" smtClean="0"/>
+              <a:t>Phương</a:t>
+            </a:r>
+            <a:r>
+              <a:rPr lang="en-US" sz="2000" b="1" kern="0" dirty="0" smtClean="0"/>
+              <a:t> </a:t>
+            </a:r>
+            <a:r>
+              <a:rPr lang="en-US" sz="2000" b="1" kern="0" dirty="0" err="1" smtClean="0"/>
+              <a:t>pháp</a:t>
+            </a:r>
+            <a:r>
+              <a:rPr lang="en-US" sz="2000" b="1" kern="0" dirty="0" smtClean="0"/>
+              <a:t> Classification</a:t>
+            </a:r>
+            <a:endParaRPr lang="en-US" sz="2000" b="1" kern="0" dirty="0"/>
           </a:p>
         </p:txBody>
       </p:sp>
@@ -21060,7 +24039,7 @@
 </p:sld>
 </file>
 
-<file path=ppt/slides/slide7.xml><?xml version="1.0" encoding="utf-8"?>
+<file path=ppt/slides/slide8.xml><?xml version="1.0" encoding="utf-8"?>
 <p:sld xmlns:a="http://schemas.openxmlformats.org/drawingml/2006/main" xmlns:r="http://schemas.openxmlformats.org/officeDocument/2006/relationships" xmlns:p="http://schemas.openxmlformats.org/presentationml/2006/main">
   <p:cSld>
     <p:spTree>
@@ -21089,7 +24068,7 @@
         </p:nvSpPr>
         <p:spPr>
           <a:xfrm>
-            <a:off x="629200" y="1250150"/>
+            <a:off x="629200" y="1529133"/>
             <a:ext cx="10962800" cy="917680"/>
           </a:xfrm>
         </p:spPr>
@@ -21101,10 +24080,18 @@
               <a:buNone/>
             </a:pPr>
             <a:r>
-              <a:rPr lang="vi-VN" sz="2000" b="1" dirty="0"/>
-              <a:t>Ý tưởng ban đầu là chọn các ô (bin) có xác suất cao nhất và gán giá trị tâm (ab) của chúng cho các pixel tương ứng.</a:t>
-            </a:r>
-            <a:endParaRPr lang="en-US" sz="2000" b="1" dirty="0"/>
+              <a:rPr lang="en-US" sz="1800" b="1" dirty="0" smtClean="0"/>
+              <a:t>- </a:t>
+            </a:r>
+            <a:r>
+              <a:rPr lang="vi-VN" sz="1800" b="1" dirty="0" smtClean="0"/>
+              <a:t>Ý </a:t>
+            </a:r>
+            <a:r>
+              <a:rPr lang="vi-VN" sz="1800" b="1" dirty="0"/>
+              <a:t>tưởng ban đầu là chọn các ô (bin) có xác suất cao nhất và gán giá trị tâm (ab) của chúng cho các pixel tương ứng.</a:t>
+            </a:r>
+            <a:endParaRPr lang="en-US" sz="1800" b="1" dirty="0"/>
           </a:p>
         </p:txBody>
       </p:sp>
@@ -21153,10 +24140,311 @@
           <a:lstStyle/>
           <a:p>
             <a:r>
-              <a:rPr lang="en" sz="4800" b="1" dirty="0"/>
-              <a:t>Giới thiệu</a:t>
+              <a:rPr lang="en" sz="4800" b="1" dirty="0" smtClean="0"/>
+              <a:t>Phương pháp</a:t>
             </a:r>
             <a:endParaRPr lang="en-US" sz="4800" dirty="0"/>
+          </a:p>
+        </p:txBody>
+      </p:sp>
+      <p:sp>
+        <p:nvSpPr>
+          <p:cNvPr id="6" name="Text Placeholder 2"/>
+          <p:cNvSpPr txBox="1">
+            <a:spLocks/>
+          </p:cNvSpPr>
+          <p:nvPr/>
+        </p:nvSpPr>
+        <p:spPr>
+          <a:xfrm>
+            <a:off x="0" y="971167"/>
+            <a:ext cx="10962800" cy="551920"/>
+          </a:xfrm>
+          <a:prstGeom prst="rect">
+            <a:avLst/>
+          </a:prstGeom>
+          <a:noFill/>
+          <a:ln>
+            <a:noFill/>
+          </a:ln>
+        </p:spPr>
+        <p:txBody>
+          <a:bodyPr spcFirstLastPara="1" wrap="square" lIns="91425" tIns="91425" rIns="91425" bIns="91425" anchor="t" anchorCtr="0">
+            <a:noAutofit/>
+          </a:bodyPr>
+          <a:lstStyle>
+            <a:defPPr marR="0" lvl="0" algn="l" rtl="0">
+              <a:lnSpc>
+                <a:spcPct val="100000"/>
+              </a:lnSpc>
+              <a:spcBef>
+                <a:spcPts val="0"/>
+              </a:spcBef>
+              <a:spcAft>
+                <a:spcPts val="0"/>
+              </a:spcAft>
+            </a:defPPr>
+            <a:lvl1pPr marL="609585" marR="0" lvl="0" indent="-491054" algn="l" rtl="0">
+              <a:lnSpc>
+                <a:spcPct val="115000"/>
+              </a:lnSpc>
+              <a:spcBef>
+                <a:spcPts val="0"/>
+              </a:spcBef>
+              <a:spcAft>
+                <a:spcPts val="0"/>
+              </a:spcAft>
+              <a:buClr>
+                <a:srgbClr val="000000"/>
+              </a:buClr>
+              <a:buSzPts val="2200"/>
+              <a:buFont typeface="Roboto"/>
+              <a:buChar char="●"/>
+              <a:defRPr sz="2933" b="0" i="0" u="none" strike="noStrike" cap="none">
+                <a:solidFill>
+                  <a:srgbClr val="000000"/>
+                </a:solidFill>
+                <a:latin typeface="Roboto"/>
+                <a:ea typeface="Roboto"/>
+                <a:cs typeface="Roboto"/>
+                <a:sym typeface="Roboto"/>
+              </a:defRPr>
+            </a:lvl1pPr>
+            <a:lvl2pPr marL="1219170" marR="0" lvl="1" indent="-474121" algn="l" rtl="0">
+              <a:lnSpc>
+                <a:spcPct val="115000"/>
+              </a:lnSpc>
+              <a:spcBef>
+                <a:spcPts val="2133"/>
+              </a:spcBef>
+              <a:spcAft>
+                <a:spcPts val="0"/>
+              </a:spcAft>
+              <a:buClr>
+                <a:srgbClr val="000000"/>
+              </a:buClr>
+              <a:buSzPts val="2000"/>
+              <a:buFont typeface="Roboto"/>
+              <a:buChar char="○"/>
+              <a:defRPr sz="2667" b="0" i="0" u="none" strike="noStrike" cap="none">
+                <a:solidFill>
+                  <a:srgbClr val="000000"/>
+                </a:solidFill>
+                <a:latin typeface="Roboto"/>
+                <a:ea typeface="Roboto"/>
+                <a:cs typeface="Roboto"/>
+                <a:sym typeface="Roboto"/>
+              </a:defRPr>
+            </a:lvl2pPr>
+            <a:lvl3pPr marL="1828754" marR="0" lvl="2" indent="-457189" algn="l" rtl="0">
+              <a:lnSpc>
+                <a:spcPct val="115000"/>
+              </a:lnSpc>
+              <a:spcBef>
+                <a:spcPts val="2133"/>
+              </a:spcBef>
+              <a:spcAft>
+                <a:spcPts val="0"/>
+              </a:spcAft>
+              <a:buClr>
+                <a:srgbClr val="000000"/>
+              </a:buClr>
+              <a:buSzPts val="1800"/>
+              <a:buFont typeface="Roboto"/>
+              <a:buChar char="■"/>
+              <a:defRPr sz="2400" b="0" i="0" u="none" strike="noStrike" cap="none">
+                <a:solidFill>
+                  <a:srgbClr val="000000"/>
+                </a:solidFill>
+                <a:latin typeface="Roboto"/>
+                <a:ea typeface="Roboto"/>
+                <a:cs typeface="Roboto"/>
+                <a:sym typeface="Roboto"/>
+              </a:defRPr>
+            </a:lvl3pPr>
+            <a:lvl4pPr marL="2438339" marR="0" lvl="3" indent="-440256" algn="l" rtl="0">
+              <a:lnSpc>
+                <a:spcPct val="115000"/>
+              </a:lnSpc>
+              <a:spcBef>
+                <a:spcPts val="2133"/>
+              </a:spcBef>
+              <a:spcAft>
+                <a:spcPts val="0"/>
+              </a:spcAft>
+              <a:buClr>
+                <a:srgbClr val="000000"/>
+              </a:buClr>
+              <a:buSzPts val="1600"/>
+              <a:buFont typeface="Roboto"/>
+              <a:buChar char="●"/>
+              <a:defRPr sz="2133" b="0" i="0" u="none" strike="noStrike" cap="none">
+                <a:solidFill>
+                  <a:srgbClr val="000000"/>
+                </a:solidFill>
+                <a:latin typeface="Roboto"/>
+                <a:ea typeface="Roboto"/>
+                <a:cs typeface="Roboto"/>
+                <a:sym typeface="Roboto"/>
+              </a:defRPr>
+            </a:lvl4pPr>
+            <a:lvl5pPr marL="3047924" marR="0" lvl="4" indent="-423323" algn="l" rtl="0">
+              <a:lnSpc>
+                <a:spcPct val="115000"/>
+              </a:lnSpc>
+              <a:spcBef>
+                <a:spcPts val="2133"/>
+              </a:spcBef>
+              <a:spcAft>
+                <a:spcPts val="0"/>
+              </a:spcAft>
+              <a:buClr>
+                <a:srgbClr val="000000"/>
+              </a:buClr>
+              <a:buSzPts val="1400"/>
+              <a:buFont typeface="Roboto"/>
+              <a:buChar char="○"/>
+              <a:defRPr sz="1867" b="0" i="0" u="none" strike="noStrike" cap="none">
+                <a:solidFill>
+                  <a:srgbClr val="000000"/>
+                </a:solidFill>
+                <a:latin typeface="Roboto"/>
+                <a:ea typeface="Roboto"/>
+                <a:cs typeface="Roboto"/>
+                <a:sym typeface="Roboto"/>
+              </a:defRPr>
+            </a:lvl5pPr>
+            <a:lvl6pPr marL="3657509" marR="0" lvl="5" indent="-423323" algn="l" rtl="0">
+              <a:lnSpc>
+                <a:spcPct val="115000"/>
+              </a:lnSpc>
+              <a:spcBef>
+                <a:spcPts val="2133"/>
+              </a:spcBef>
+              <a:spcAft>
+                <a:spcPts val="0"/>
+              </a:spcAft>
+              <a:buClr>
+                <a:srgbClr val="000000"/>
+              </a:buClr>
+              <a:buSzPts val="1400"/>
+              <a:buFont typeface="Roboto"/>
+              <a:buChar char="■"/>
+              <a:defRPr sz="1867" b="0" i="0" u="none" strike="noStrike" cap="none">
+                <a:solidFill>
+                  <a:srgbClr val="000000"/>
+                </a:solidFill>
+                <a:latin typeface="Roboto"/>
+                <a:ea typeface="Roboto"/>
+                <a:cs typeface="Roboto"/>
+                <a:sym typeface="Roboto"/>
+              </a:defRPr>
+            </a:lvl6pPr>
+            <a:lvl7pPr marL="4267093" marR="0" lvl="6" indent="-423323" algn="l" rtl="0">
+              <a:lnSpc>
+                <a:spcPct val="115000"/>
+              </a:lnSpc>
+              <a:spcBef>
+                <a:spcPts val="2133"/>
+              </a:spcBef>
+              <a:spcAft>
+                <a:spcPts val="0"/>
+              </a:spcAft>
+              <a:buClr>
+                <a:srgbClr val="000000"/>
+              </a:buClr>
+              <a:buSzPts val="1400"/>
+              <a:buFont typeface="Roboto"/>
+              <a:buChar char="●"/>
+              <a:defRPr sz="1867" b="0" i="0" u="none" strike="noStrike" cap="none">
+                <a:solidFill>
+                  <a:srgbClr val="000000"/>
+                </a:solidFill>
+                <a:latin typeface="Roboto"/>
+                <a:ea typeface="Roboto"/>
+                <a:cs typeface="Roboto"/>
+                <a:sym typeface="Roboto"/>
+              </a:defRPr>
+            </a:lvl7pPr>
+            <a:lvl8pPr marL="4876678" marR="0" lvl="7" indent="-423323" algn="l" rtl="0">
+              <a:lnSpc>
+                <a:spcPct val="115000"/>
+              </a:lnSpc>
+              <a:spcBef>
+                <a:spcPts val="2133"/>
+              </a:spcBef>
+              <a:spcAft>
+                <a:spcPts val="0"/>
+              </a:spcAft>
+              <a:buClr>
+                <a:srgbClr val="000000"/>
+              </a:buClr>
+              <a:buSzPts val="1400"/>
+              <a:buFont typeface="Roboto"/>
+              <a:buChar char="○"/>
+              <a:defRPr sz="1867" b="0" i="0" u="none" strike="noStrike" cap="none">
+                <a:solidFill>
+                  <a:srgbClr val="000000"/>
+                </a:solidFill>
+                <a:latin typeface="Roboto"/>
+                <a:ea typeface="Roboto"/>
+                <a:cs typeface="Roboto"/>
+                <a:sym typeface="Roboto"/>
+              </a:defRPr>
+            </a:lvl8pPr>
+            <a:lvl9pPr marL="5486263" marR="0" lvl="8" indent="-423323" algn="l" rtl="0">
+              <a:lnSpc>
+                <a:spcPct val="115000"/>
+              </a:lnSpc>
+              <a:spcBef>
+                <a:spcPts val="2133"/>
+              </a:spcBef>
+              <a:spcAft>
+                <a:spcPts val="2133"/>
+              </a:spcAft>
+              <a:buClr>
+                <a:schemeClr val="lt2"/>
+              </a:buClr>
+              <a:buSzPts val="1400"/>
+              <a:buFont typeface="Roboto"/>
+              <a:buChar char="■"/>
+              <a:defRPr sz="1867" b="0" i="0" u="none" strike="noStrike" cap="none">
+                <a:solidFill>
+                  <a:schemeClr val="lt2"/>
+                </a:solidFill>
+                <a:latin typeface="Roboto"/>
+                <a:ea typeface="Roboto"/>
+                <a:cs typeface="Roboto"/>
+                <a:sym typeface="Roboto"/>
+              </a:defRPr>
+            </a:lvl9pPr>
+          </a:lstStyle>
+          <a:p>
+            <a:pPr marL="118531" indent="0">
+              <a:buFont typeface="Roboto"/>
+              <a:buNone/>
+            </a:pPr>
+            <a:r>
+              <a:rPr lang="en-US" sz="2000" b="1" kern="0" dirty="0" smtClean="0"/>
+              <a:t>2.1 </a:t>
+            </a:r>
+            <a:r>
+              <a:rPr lang="en-US" sz="2000" b="1" kern="0" dirty="0" err="1" smtClean="0"/>
+              <a:t>Phương</a:t>
+            </a:r>
+            <a:r>
+              <a:rPr lang="en-US" sz="2000" b="1" kern="0" dirty="0" smtClean="0"/>
+              <a:t> </a:t>
+            </a:r>
+            <a:r>
+              <a:rPr lang="en-US" sz="2000" b="1" kern="0" dirty="0" err="1" smtClean="0"/>
+              <a:t>pháp</a:t>
+            </a:r>
+            <a:r>
+              <a:rPr lang="en-US" sz="2000" b="1" kern="0" dirty="0" smtClean="0"/>
+              <a:t> Classification-centroid</a:t>
+            </a:r>
+            <a:endParaRPr lang="en-US" sz="2000" b="1" kern="0" dirty="0"/>
           </a:p>
         </p:txBody>
       </p:sp>
@@ -21170,151 +24458,13 @@
   <p:clrMapOvr>
     <a:masterClrMapping/>
   </p:clrMapOvr>
-</p:sld>
-</file>
-
-<file path=ppt/slides/slide8.xml><?xml version="1.0" encoding="utf-8"?>
-<p:sld xmlns:a="http://schemas.openxmlformats.org/drawingml/2006/main" xmlns:r="http://schemas.openxmlformats.org/officeDocument/2006/relationships" xmlns:p="http://schemas.openxmlformats.org/presentationml/2006/main">
-  <p:cSld>
-    <p:spTree>
-      <p:nvGrpSpPr>
-        <p:cNvPr id="1" name=""/>
-        <p:cNvGrpSpPr/>
-        <p:nvPr/>
-      </p:nvGrpSpPr>
-      <p:grpSpPr>
-        <a:xfrm>
-          <a:off x="0" y="0"/>
-          <a:ext cx="0" cy="0"/>
-          <a:chOff x="0" y="0"/>
-          <a:chExt cx="0" cy="0"/>
-        </a:xfrm>
-      </p:grpSpPr>
-      <p:sp>
-        <p:nvSpPr>
-          <p:cNvPr id="3" name="Text Placeholder 2"/>
-          <p:cNvSpPr>
-            <a:spLocks noGrp="1"/>
-          </p:cNvSpPr>
-          <p:nvPr>
-            <p:ph type="body" idx="1"/>
-          </p:nvPr>
-        </p:nvSpPr>
-        <p:spPr>
-          <a:xfrm>
-            <a:off x="629200" y="1172921"/>
-            <a:ext cx="10962800" cy="819206"/>
-          </a:xfrm>
-        </p:spPr>
-        <p:txBody>
-          <a:bodyPr/>
-          <a:lstStyle/>
-          <a:p>
-            <a:pPr marL="118531" indent="0">
-              <a:buNone/>
-            </a:pPr>
-            <a:r>
-              <a:rPr lang="vi-VN" sz="2000" dirty="0"/>
-              <a:t>Sử dụng </a:t>
-            </a:r>
-            <a:r>
-              <a:rPr lang="vi-VN" sz="2000" b="1" dirty="0"/>
-              <a:t>top-k lớp màu</a:t>
-            </a:r>
-            <a:r>
-              <a:rPr lang="vi-VN" sz="2000" dirty="0"/>
-              <a:t> được dự đoán, chúng ta chuyển chúng thành giá trị ab. Giá trị ab cuối cùng được tính bằng </a:t>
-            </a:r>
-            <a:r>
-              <a:rPr lang="vi-VN" sz="2000" b="1" dirty="0"/>
-              <a:t>tổng có trọng số</a:t>
-            </a:r>
-            <a:r>
-              <a:rPr lang="vi-VN" sz="2000" dirty="0"/>
-              <a:t> của </a:t>
-            </a:r>
-            <a:r>
-              <a:rPr lang="vi-VN" sz="2000" b="1" dirty="0"/>
-              <a:t>top-k giá trị ab</a:t>
-            </a:r>
-            <a:r>
-              <a:rPr lang="vi-VN" sz="2000" dirty="0"/>
-              <a:t>, với trọng số là </a:t>
-            </a:r>
-            <a:r>
-              <a:rPr lang="vi-VN" sz="2000" b="1" dirty="0"/>
-              <a:t>xác suất softmax</a:t>
-            </a:r>
-            <a:r>
-              <a:rPr lang="vi-VN" sz="2000" dirty="0"/>
-              <a:t> của chúng</a:t>
-            </a:r>
-            <a:endParaRPr lang="en-US" sz="2000" dirty="0"/>
-          </a:p>
-        </p:txBody>
-      </p:sp>
-      <p:pic>
-        <p:nvPicPr>
-          <p:cNvPr id="7" name="Picture 6"/>
-          <p:cNvPicPr>
-            <a:picLocks noChangeAspect="1"/>
-          </p:cNvPicPr>
-          <p:nvPr/>
-        </p:nvPicPr>
-        <p:blipFill>
-          <a:blip r:embed="rId2"/>
-          <a:stretch>
-            <a:fillRect/>
-          </a:stretch>
-        </p:blipFill>
-        <p:spPr>
-          <a:xfrm>
-            <a:off x="1083838" y="2532306"/>
-            <a:ext cx="9265237" cy="3119194"/>
-          </a:xfrm>
-          <a:prstGeom prst="rect">
-            <a:avLst/>
-          </a:prstGeom>
-        </p:spPr>
-      </p:pic>
-      <p:sp>
-        <p:nvSpPr>
-          <p:cNvPr id="10" name="Title 1"/>
-          <p:cNvSpPr>
-            <a:spLocks noGrp="1"/>
-          </p:cNvSpPr>
-          <p:nvPr>
-            <p:ph type="title"/>
-          </p:nvPr>
-        </p:nvSpPr>
-        <p:spPr>
-          <a:xfrm>
-            <a:off x="629200" y="77167"/>
-            <a:ext cx="10962800" cy="894000"/>
-          </a:xfrm>
-        </p:spPr>
-        <p:txBody>
-          <a:bodyPr/>
-          <a:lstStyle/>
-          <a:p>
-            <a:r>
-              <a:rPr lang="en" sz="4800" b="1" dirty="0"/>
-              <a:t>Giới thiệu</a:t>
-            </a:r>
-            <a:endParaRPr lang="en-US" sz="4800" dirty="0"/>
-          </a:p>
-        </p:txBody>
-      </p:sp>
-    </p:spTree>
-    <p:extLst>
-      <p:ext uri="{BB962C8B-B14F-4D97-AF65-F5344CB8AC3E}">
-        <p14:creationId xmlns:p14="http://schemas.microsoft.com/office/powerpoint/2010/main" val="919936371"/>
-      </p:ext>
-    </p:extLst>
-  </p:cSld>
-  <p:clrMapOvr>
-    <a:masterClrMapping/>
-  </p:clrMapOvr>
+  <p:timing>
+    <p:tnLst>
+      <p:par>
+        <p:cTn id="1" dur="indefinite" restart="never" nodeType="tmRoot"/>
+      </p:par>
+    </p:tnLst>
+  </p:timing>
 </p:sld>
 </file>
 
@@ -21337,7 +24487,7 @@
       </p:grpSpPr>
       <p:sp>
         <p:nvSpPr>
-          <p:cNvPr id="2" name="Title 1"/>
+          <p:cNvPr id="4" name="Title 1"/>
           <p:cNvSpPr>
             <a:spLocks noGrp="1"/>
           </p:cNvSpPr>
@@ -21345,30 +24495,114 @@
             <p:ph type="title"/>
           </p:nvPr>
         </p:nvSpPr>
-        <p:spPr/>
+        <p:spPr>
+          <a:xfrm>
+            <a:off x="629200" y="77167"/>
+            <a:ext cx="10962800" cy="894000"/>
+          </a:xfrm>
+        </p:spPr>
         <p:txBody>
           <a:bodyPr/>
           <a:lstStyle/>
           <a:p>
             <a:r>
-              <a:rPr lang="en-US" sz="4800" b="1" dirty="0" err="1" smtClean="0"/>
-              <a:t>Ví</a:t>
-            </a:r>
-            <a:r>
-              <a:rPr lang="en-US" sz="4800" b="1" dirty="0" smtClean="0"/>
-              <a:t> </a:t>
-            </a:r>
-            <a:r>
-              <a:rPr lang="en-US" sz="4800" b="1" dirty="0" err="1" smtClean="0"/>
-              <a:t>dụ</a:t>
+              <a:rPr lang="en" sz="4800" b="1" dirty="0" smtClean="0"/>
+              <a:t>Phương pháp</a:t>
             </a:r>
             <a:endParaRPr lang="en-US" sz="4800" b="1" dirty="0"/>
+          </a:p>
+        </p:txBody>
+      </p:sp>
+      <p:sp>
+        <p:nvSpPr>
+          <p:cNvPr id="6" name="TextBox 5"/>
+          <p:cNvSpPr txBox="1"/>
+          <p:nvPr/>
+        </p:nvSpPr>
+        <p:spPr>
+          <a:xfrm>
+            <a:off x="4681506" y="1413360"/>
+            <a:ext cx="2588455" cy="369332"/>
+          </a:xfrm>
+          <a:prstGeom prst="rect">
+            <a:avLst/>
+          </a:prstGeom>
+          <a:noFill/>
+        </p:spPr>
+        <p:txBody>
+          <a:bodyPr wrap="square" rtlCol="0">
+            <a:spAutoFit/>
+          </a:bodyPr>
+          <a:lstStyle/>
+          <a:p>
+            <a:pPr algn="ctr"/>
+            <a:r>
+              <a:rPr lang="en-US" b="1" i="1" dirty="0" err="1" smtClean="0">
+                <a:solidFill>
+                  <a:srgbClr val="FF0000"/>
+                </a:solidFill>
+              </a:rPr>
+              <a:t>Kết</a:t>
+            </a:r>
+            <a:r>
+              <a:rPr lang="en-US" b="1" i="1" dirty="0" smtClean="0">
+                <a:solidFill>
+                  <a:srgbClr val="FF0000"/>
+                </a:solidFill>
+              </a:rPr>
+              <a:t> </a:t>
+            </a:r>
+            <a:r>
+              <a:rPr lang="en-US" b="1" i="1" dirty="0" err="1" smtClean="0">
+                <a:solidFill>
+                  <a:srgbClr val="FF0000"/>
+                </a:solidFill>
+              </a:rPr>
+              <a:t>quả</a:t>
+            </a:r>
+            <a:r>
+              <a:rPr lang="en-US" b="1" i="1" dirty="0" smtClean="0">
+                <a:solidFill>
+                  <a:srgbClr val="FF0000"/>
+                </a:solidFill>
+              </a:rPr>
+              <a:t> </a:t>
+            </a:r>
+            <a:r>
+              <a:rPr lang="en-US" b="1" i="1" dirty="0" err="1" smtClean="0">
+                <a:solidFill>
+                  <a:srgbClr val="FF0000"/>
+                </a:solidFill>
+              </a:rPr>
+              <a:t>đạt</a:t>
+            </a:r>
+            <a:r>
+              <a:rPr lang="en-US" b="1" i="1" dirty="0" smtClean="0">
+                <a:solidFill>
+                  <a:srgbClr val="FF0000"/>
+                </a:solidFill>
+              </a:rPr>
+              <a:t> </a:t>
+            </a:r>
+            <a:r>
+              <a:rPr lang="en-US" b="1" i="1" dirty="0" err="1" smtClean="0">
+                <a:solidFill>
+                  <a:srgbClr val="FF0000"/>
+                </a:solidFill>
+              </a:rPr>
+              <a:t>được</a:t>
+            </a:r>
+            <a:endParaRPr lang="en-US" b="1" i="1" dirty="0">
+              <a:solidFill>
+                <a:srgbClr val="FF0000"/>
+              </a:solidFill>
+            </a:endParaRPr>
           </a:p>
         </p:txBody>
       </p:sp>
       <p:pic>
         <p:nvPicPr>
-          <p:cNvPr id="8" name="Picture 7"/>
+          <p:cNvPr id="11" name="Picture 10"/>
           <p:cNvPicPr>
             <a:picLocks noChangeAspect="1"/>
           </p:cNvPicPr>
@@ -21382,8 +24616,8 @@
         </p:blipFill>
         <p:spPr>
           <a:xfrm>
-            <a:off x="1233714" y="5548780"/>
-            <a:ext cx="614619" cy="481007"/>
+            <a:off x="7641805" y="1809461"/>
+            <a:ext cx="1276528" cy="285790"/>
           </a:xfrm>
           <a:prstGeom prst="rect">
             <a:avLst/>
@@ -21392,282 +24626,308 @@
       </p:pic>
       <p:sp>
         <p:nvSpPr>
-          <p:cNvPr id="10" name="TextBox 9"/>
-          <p:cNvSpPr txBox="1"/>
+          <p:cNvPr id="12" name="Text Placeholder 2"/>
+          <p:cNvSpPr txBox="1">
+            <a:spLocks/>
+          </p:cNvSpPr>
           <p:nvPr/>
         </p:nvSpPr>
         <p:spPr>
           <a:xfrm>
-            <a:off x="1848333" y="5589228"/>
-            <a:ext cx="8893439" cy="400110"/>
+            <a:off x="0" y="971167"/>
+            <a:ext cx="10962800" cy="551920"/>
           </a:xfrm>
           <a:prstGeom prst="rect">
             <a:avLst/>
           </a:prstGeom>
           <a:noFill/>
+          <a:ln>
+            <a:noFill/>
+          </a:ln>
         </p:spPr>
         <p:txBody>
-          <a:bodyPr wrap="square" rtlCol="0">
-            <a:spAutoFit/>
+          <a:bodyPr spcFirstLastPara="1" wrap="square" lIns="91425" tIns="91425" rIns="91425" bIns="91425" anchor="t" anchorCtr="0">
+            <a:noAutofit/>
           </a:bodyPr>
-          <a:lstStyle/>
+          <a:lstStyle>
+            <a:defPPr marR="0" lvl="0" algn="l" rtl="0">
+              <a:lnSpc>
+                <a:spcPct val="100000"/>
+              </a:lnSpc>
+              <a:spcBef>
+                <a:spcPts val="0"/>
+              </a:spcBef>
+              <a:spcAft>
+                <a:spcPts val="0"/>
+              </a:spcAft>
+            </a:defPPr>
+            <a:lvl1pPr marL="609585" marR="0" lvl="0" indent="-491054" algn="l" rtl="0">
+              <a:lnSpc>
+                <a:spcPct val="115000"/>
+              </a:lnSpc>
+              <a:spcBef>
+                <a:spcPts val="0"/>
+              </a:spcBef>
+              <a:spcAft>
+                <a:spcPts val="0"/>
+              </a:spcAft>
+              <a:buClr>
+                <a:srgbClr val="000000"/>
+              </a:buClr>
+              <a:buSzPts val="2200"/>
+              <a:buFont typeface="Roboto"/>
+              <a:buChar char="●"/>
+              <a:defRPr sz="2933" b="0" i="0" u="none" strike="noStrike" cap="none">
+                <a:solidFill>
+                  <a:srgbClr val="000000"/>
+                </a:solidFill>
+                <a:latin typeface="Roboto"/>
+                <a:ea typeface="Roboto"/>
+                <a:cs typeface="Roboto"/>
+                <a:sym typeface="Roboto"/>
+              </a:defRPr>
+            </a:lvl1pPr>
+            <a:lvl2pPr marL="1219170" marR="0" lvl="1" indent="-474121" algn="l" rtl="0">
+              <a:lnSpc>
+                <a:spcPct val="115000"/>
+              </a:lnSpc>
+              <a:spcBef>
+                <a:spcPts val="2133"/>
+              </a:spcBef>
+              <a:spcAft>
+                <a:spcPts val="0"/>
+              </a:spcAft>
+              <a:buClr>
+                <a:srgbClr val="000000"/>
+              </a:buClr>
+              <a:buSzPts val="2000"/>
+              <a:buFont typeface="Roboto"/>
+              <a:buChar char="○"/>
+              <a:defRPr sz="2667" b="0" i="0" u="none" strike="noStrike" cap="none">
+                <a:solidFill>
+                  <a:srgbClr val="000000"/>
+                </a:solidFill>
+                <a:latin typeface="Roboto"/>
+                <a:ea typeface="Roboto"/>
+                <a:cs typeface="Roboto"/>
+                <a:sym typeface="Roboto"/>
+              </a:defRPr>
+            </a:lvl2pPr>
+            <a:lvl3pPr marL="1828754" marR="0" lvl="2" indent="-457189" algn="l" rtl="0">
+              <a:lnSpc>
+                <a:spcPct val="115000"/>
+              </a:lnSpc>
+              <a:spcBef>
+                <a:spcPts val="2133"/>
+              </a:spcBef>
+              <a:spcAft>
+                <a:spcPts val="0"/>
+              </a:spcAft>
+              <a:buClr>
+                <a:srgbClr val="000000"/>
+              </a:buClr>
+              <a:buSzPts val="1800"/>
+              <a:buFont typeface="Roboto"/>
+              <a:buChar char="■"/>
+              <a:defRPr sz="2400" b="0" i="0" u="none" strike="noStrike" cap="none">
+                <a:solidFill>
+                  <a:srgbClr val="000000"/>
+                </a:solidFill>
+                <a:latin typeface="Roboto"/>
+                <a:ea typeface="Roboto"/>
+                <a:cs typeface="Roboto"/>
+                <a:sym typeface="Roboto"/>
+              </a:defRPr>
+            </a:lvl3pPr>
+            <a:lvl4pPr marL="2438339" marR="0" lvl="3" indent="-440256" algn="l" rtl="0">
+              <a:lnSpc>
+                <a:spcPct val="115000"/>
+              </a:lnSpc>
+              <a:spcBef>
+                <a:spcPts val="2133"/>
+              </a:spcBef>
+              <a:spcAft>
+                <a:spcPts val="0"/>
+              </a:spcAft>
+              <a:buClr>
+                <a:srgbClr val="000000"/>
+              </a:buClr>
+              <a:buSzPts val="1600"/>
+              <a:buFont typeface="Roboto"/>
+              <a:buChar char="●"/>
+              <a:defRPr sz="2133" b="0" i="0" u="none" strike="noStrike" cap="none">
+                <a:solidFill>
+                  <a:srgbClr val="000000"/>
+                </a:solidFill>
+                <a:latin typeface="Roboto"/>
+                <a:ea typeface="Roboto"/>
+                <a:cs typeface="Roboto"/>
+                <a:sym typeface="Roboto"/>
+              </a:defRPr>
+            </a:lvl4pPr>
+            <a:lvl5pPr marL="3047924" marR="0" lvl="4" indent="-423323" algn="l" rtl="0">
+              <a:lnSpc>
+                <a:spcPct val="115000"/>
+              </a:lnSpc>
+              <a:spcBef>
+                <a:spcPts val="2133"/>
+              </a:spcBef>
+              <a:spcAft>
+                <a:spcPts val="0"/>
+              </a:spcAft>
+              <a:buClr>
+                <a:srgbClr val="000000"/>
+              </a:buClr>
+              <a:buSzPts val="1400"/>
+              <a:buFont typeface="Roboto"/>
+              <a:buChar char="○"/>
+              <a:defRPr sz="1867" b="0" i="0" u="none" strike="noStrike" cap="none">
+                <a:solidFill>
+                  <a:srgbClr val="000000"/>
+                </a:solidFill>
+                <a:latin typeface="Roboto"/>
+                <a:ea typeface="Roboto"/>
+                <a:cs typeface="Roboto"/>
+                <a:sym typeface="Roboto"/>
+              </a:defRPr>
+            </a:lvl5pPr>
+            <a:lvl6pPr marL="3657509" marR="0" lvl="5" indent="-423323" algn="l" rtl="0">
+              <a:lnSpc>
+                <a:spcPct val="115000"/>
+              </a:lnSpc>
+              <a:spcBef>
+                <a:spcPts val="2133"/>
+              </a:spcBef>
+              <a:spcAft>
+                <a:spcPts val="0"/>
+              </a:spcAft>
+              <a:buClr>
+                <a:srgbClr val="000000"/>
+              </a:buClr>
+              <a:buSzPts val="1400"/>
+              <a:buFont typeface="Roboto"/>
+              <a:buChar char="■"/>
+              <a:defRPr sz="1867" b="0" i="0" u="none" strike="noStrike" cap="none">
+                <a:solidFill>
+                  <a:srgbClr val="000000"/>
+                </a:solidFill>
+                <a:latin typeface="Roboto"/>
+                <a:ea typeface="Roboto"/>
+                <a:cs typeface="Roboto"/>
+                <a:sym typeface="Roboto"/>
+              </a:defRPr>
+            </a:lvl6pPr>
+            <a:lvl7pPr marL="4267093" marR="0" lvl="6" indent="-423323" algn="l" rtl="0">
+              <a:lnSpc>
+                <a:spcPct val="115000"/>
+              </a:lnSpc>
+              <a:spcBef>
+                <a:spcPts val="2133"/>
+              </a:spcBef>
+              <a:spcAft>
+                <a:spcPts val="0"/>
+              </a:spcAft>
+              <a:buClr>
+                <a:srgbClr val="000000"/>
+              </a:buClr>
+              <a:buSzPts val="1400"/>
+              <a:buFont typeface="Roboto"/>
+              <a:buChar char="●"/>
+              <a:defRPr sz="1867" b="0" i="0" u="none" strike="noStrike" cap="none">
+                <a:solidFill>
+                  <a:srgbClr val="000000"/>
+                </a:solidFill>
+                <a:latin typeface="Roboto"/>
+                <a:ea typeface="Roboto"/>
+                <a:cs typeface="Roboto"/>
+                <a:sym typeface="Roboto"/>
+              </a:defRPr>
+            </a:lvl7pPr>
+            <a:lvl8pPr marL="4876678" marR="0" lvl="7" indent="-423323" algn="l" rtl="0">
+              <a:lnSpc>
+                <a:spcPct val="115000"/>
+              </a:lnSpc>
+              <a:spcBef>
+                <a:spcPts val="2133"/>
+              </a:spcBef>
+              <a:spcAft>
+                <a:spcPts val="0"/>
+              </a:spcAft>
+              <a:buClr>
+                <a:srgbClr val="000000"/>
+              </a:buClr>
+              <a:buSzPts val="1400"/>
+              <a:buFont typeface="Roboto"/>
+              <a:buChar char="○"/>
+              <a:defRPr sz="1867" b="0" i="0" u="none" strike="noStrike" cap="none">
+                <a:solidFill>
+                  <a:srgbClr val="000000"/>
+                </a:solidFill>
+                <a:latin typeface="Roboto"/>
+                <a:ea typeface="Roboto"/>
+                <a:cs typeface="Roboto"/>
+                <a:sym typeface="Roboto"/>
+              </a:defRPr>
+            </a:lvl8pPr>
+            <a:lvl9pPr marL="5486263" marR="0" lvl="8" indent="-423323" algn="l" rtl="0">
+              <a:lnSpc>
+                <a:spcPct val="115000"/>
+              </a:lnSpc>
+              <a:spcBef>
+                <a:spcPts val="2133"/>
+              </a:spcBef>
+              <a:spcAft>
+                <a:spcPts val="2133"/>
+              </a:spcAft>
+              <a:buClr>
+                <a:schemeClr val="lt2"/>
+              </a:buClr>
+              <a:buSzPts val="1400"/>
+              <a:buFont typeface="Roboto"/>
+              <a:buChar char="■"/>
+              <a:defRPr sz="1867" b="0" i="0" u="none" strike="noStrike" cap="none">
+                <a:solidFill>
+                  <a:schemeClr val="lt2"/>
+                </a:solidFill>
+                <a:latin typeface="Roboto"/>
+                <a:ea typeface="Roboto"/>
+                <a:cs typeface="Roboto"/>
+                <a:sym typeface="Roboto"/>
+              </a:defRPr>
+            </a:lvl9pPr>
+          </a:lstStyle>
           <a:p>
-            <a:r>
-              <a:rPr lang="en-US" sz="2000" b="1" dirty="0">
-                <a:solidFill>
-                  <a:schemeClr val="bg2">
-                    <a:lumMod val="50000"/>
-                  </a:schemeClr>
-                </a:solidFill>
-              </a:rPr>
-              <a:t>Pixel </a:t>
-            </a:r>
-            <a:r>
-              <a:rPr lang="en-US" sz="2000" b="1" dirty="0" err="1">
-                <a:solidFill>
-                  <a:schemeClr val="bg2">
-                    <a:lumMod val="50000"/>
-                  </a:schemeClr>
-                </a:solidFill>
-              </a:rPr>
-              <a:t>này</a:t>
-            </a:r>
-            <a:r>
-              <a:rPr lang="en-US" sz="2000" b="1" dirty="0">
-                <a:solidFill>
-                  <a:schemeClr val="bg2">
-                    <a:lumMod val="50000"/>
-                  </a:schemeClr>
-                </a:solidFill>
-              </a:rPr>
-              <a:t> </a:t>
-            </a:r>
-            <a:r>
-              <a:rPr lang="en-US" sz="2000" b="1" dirty="0" err="1">
-                <a:solidFill>
-                  <a:schemeClr val="bg2">
-                    <a:lumMod val="50000"/>
-                  </a:schemeClr>
-                </a:solidFill>
-              </a:rPr>
-              <a:t>có</a:t>
-            </a:r>
-            <a:r>
-              <a:rPr lang="en-US" sz="2000" b="1" dirty="0">
-                <a:solidFill>
-                  <a:schemeClr val="bg2">
-                    <a:lumMod val="50000"/>
-                  </a:schemeClr>
-                </a:solidFill>
-              </a:rPr>
-              <a:t> </a:t>
-            </a:r>
-            <a:r>
-              <a:rPr lang="en-US" sz="2000" b="1" dirty="0" err="1">
-                <a:solidFill>
-                  <a:schemeClr val="bg2">
-                    <a:lumMod val="50000"/>
-                  </a:schemeClr>
-                </a:solidFill>
-              </a:rPr>
-              <a:t>màu</a:t>
-            </a:r>
-            <a:r>
-              <a:rPr lang="en-US" sz="2000" b="1" dirty="0">
-                <a:solidFill>
-                  <a:schemeClr val="bg2">
-                    <a:lumMod val="50000"/>
-                  </a:schemeClr>
-                </a:solidFill>
-              </a:rPr>
-              <a:t> </a:t>
-            </a:r>
-            <a:r>
-              <a:rPr lang="en-US" sz="2000" b="1" dirty="0" err="1" smtClean="0">
-                <a:solidFill>
-                  <a:schemeClr val="bg2">
-                    <a:lumMod val="50000"/>
-                  </a:schemeClr>
-                </a:solidFill>
-              </a:rPr>
-              <a:t>vàng</a:t>
-            </a:r>
-            <a:r>
-              <a:rPr lang="en-US" sz="2000" b="1" dirty="0" smtClean="0">
-                <a:solidFill>
-                  <a:schemeClr val="bg2">
-                    <a:lumMod val="50000"/>
-                  </a:schemeClr>
-                </a:solidFill>
-              </a:rPr>
-              <a:t> </a:t>
-            </a:r>
-            <a:r>
-              <a:rPr lang="en-US" sz="2000" b="1" dirty="0" err="1" smtClean="0">
-                <a:solidFill>
-                  <a:schemeClr val="bg2">
-                    <a:lumMod val="50000"/>
-                  </a:schemeClr>
-                </a:solidFill>
-              </a:rPr>
-              <a:t>nhẹ</a:t>
-            </a:r>
-            <a:r>
-              <a:rPr lang="en-US" sz="2000" b="1" dirty="0">
-                <a:solidFill>
-                  <a:schemeClr val="bg2">
-                    <a:lumMod val="50000"/>
-                  </a:schemeClr>
-                </a:solidFill>
-              </a:rPr>
-              <a:t> (</a:t>
-            </a:r>
-            <a:r>
-              <a:rPr lang="en-US" sz="2000" b="1" dirty="0" err="1">
-                <a:solidFill>
-                  <a:schemeClr val="bg2">
-                    <a:lumMod val="50000"/>
-                  </a:schemeClr>
-                </a:solidFill>
-              </a:rPr>
-              <a:t>thay</a:t>
-            </a:r>
-            <a:r>
-              <a:rPr lang="en-US" sz="2000" b="1" dirty="0">
-                <a:solidFill>
-                  <a:schemeClr val="bg2">
-                    <a:lumMod val="50000"/>
-                  </a:schemeClr>
-                </a:solidFill>
-              </a:rPr>
-              <a:t> </a:t>
-            </a:r>
-            <a:r>
-              <a:rPr lang="en-US" sz="2000" b="1" dirty="0" err="1">
-                <a:solidFill>
-                  <a:schemeClr val="bg2">
-                    <a:lumMod val="50000"/>
-                  </a:schemeClr>
-                </a:solidFill>
-              </a:rPr>
-              <a:t>vì</a:t>
-            </a:r>
-            <a:r>
-              <a:rPr lang="en-US" sz="2000" b="1" dirty="0">
-                <a:solidFill>
-                  <a:schemeClr val="bg2">
-                    <a:lumMod val="50000"/>
-                  </a:schemeClr>
-                </a:solidFill>
-              </a:rPr>
-              <a:t> cam </a:t>
-            </a:r>
-            <a:r>
-              <a:rPr lang="en-US" sz="2000" b="1" dirty="0" err="1">
-                <a:solidFill>
-                  <a:schemeClr val="bg2">
-                    <a:lumMod val="50000"/>
-                  </a:schemeClr>
-                </a:solidFill>
-              </a:rPr>
-              <a:t>đậm</a:t>
-            </a:r>
-            <a:r>
-              <a:rPr lang="en-US" sz="2000" b="1" dirty="0">
-                <a:solidFill>
-                  <a:schemeClr val="bg2">
-                    <a:lumMod val="50000"/>
-                  </a:schemeClr>
-                </a:solidFill>
-              </a:rPr>
-              <a:t> </a:t>
-            </a:r>
-            <a:r>
-              <a:rPr lang="en-US" sz="2000" b="1" dirty="0" err="1">
-                <a:solidFill>
-                  <a:schemeClr val="bg2">
-                    <a:lumMod val="50000"/>
-                  </a:schemeClr>
-                </a:solidFill>
-              </a:rPr>
-              <a:t>nếu</a:t>
-            </a:r>
-            <a:r>
-              <a:rPr lang="en-US" sz="2000" b="1" dirty="0">
-                <a:solidFill>
-                  <a:schemeClr val="bg2">
-                    <a:lumMod val="50000"/>
-                  </a:schemeClr>
-                </a:solidFill>
-              </a:rPr>
-              <a:t> </a:t>
-            </a:r>
-            <a:r>
-              <a:rPr lang="en-US" sz="2000" b="1" dirty="0" err="1">
-                <a:solidFill>
-                  <a:schemeClr val="bg2">
-                    <a:lumMod val="50000"/>
-                  </a:schemeClr>
-                </a:solidFill>
-              </a:rPr>
-              <a:t>chỉ</a:t>
-            </a:r>
-            <a:r>
-              <a:rPr lang="en-US" sz="2000" b="1" dirty="0">
-                <a:solidFill>
-                  <a:schemeClr val="bg2">
-                    <a:lumMod val="50000"/>
-                  </a:schemeClr>
-                </a:solidFill>
-              </a:rPr>
-              <a:t> </a:t>
-            </a:r>
-            <a:r>
-              <a:rPr lang="en-US" sz="2000" b="1" dirty="0" err="1">
-                <a:solidFill>
-                  <a:schemeClr val="bg2">
-                    <a:lumMod val="50000"/>
-                  </a:schemeClr>
-                </a:solidFill>
-              </a:rPr>
-              <a:t>chọn</a:t>
-            </a:r>
-            <a:r>
-              <a:rPr lang="en-US" sz="2000" b="1" dirty="0">
-                <a:solidFill>
-                  <a:schemeClr val="bg2">
-                    <a:lumMod val="50000"/>
-                  </a:schemeClr>
-                </a:solidFill>
-              </a:rPr>
-              <a:t> </a:t>
-            </a:r>
-            <a:r>
-              <a:rPr lang="en-US" sz="2000" b="1" dirty="0" err="1">
-                <a:solidFill>
-                  <a:schemeClr val="bg2">
-                    <a:lumMod val="50000"/>
-                  </a:schemeClr>
-                </a:solidFill>
-              </a:rPr>
-              <a:t>argmax</a:t>
-            </a:r>
-            <a:r>
-              <a:rPr lang="en-US" sz="2000" b="1" dirty="0">
-                <a:solidFill>
-                  <a:schemeClr val="bg2">
-                    <a:lumMod val="50000"/>
-                  </a:schemeClr>
-                </a:solidFill>
-              </a:rPr>
-              <a:t>).</a:t>
-            </a:r>
+            <a:pPr marL="118531" indent="0">
+              <a:buFont typeface="Roboto"/>
+              <a:buNone/>
+            </a:pPr>
+            <a:r>
+              <a:rPr lang="en-US" sz="2000" b="1" kern="0" dirty="0" smtClean="0"/>
+              <a:t>2.1 </a:t>
+            </a:r>
+            <a:r>
+              <a:rPr lang="en-US" sz="2000" b="1" kern="0" dirty="0" err="1" smtClean="0"/>
+              <a:t>Phương</a:t>
+            </a:r>
+            <a:r>
+              <a:rPr lang="en-US" sz="2000" b="1" kern="0" dirty="0" smtClean="0"/>
+              <a:t> </a:t>
+            </a:r>
+            <a:r>
+              <a:rPr lang="en-US" sz="2000" b="1" kern="0" dirty="0" err="1" smtClean="0"/>
+              <a:t>pháp</a:t>
+            </a:r>
+            <a:r>
+              <a:rPr lang="en-US" sz="2000" b="1" kern="0" dirty="0" smtClean="0"/>
+              <a:t> Classification-centroid</a:t>
+            </a:r>
+            <a:endParaRPr lang="en-US" sz="2000" b="1" kern="0" dirty="0"/>
           </a:p>
         </p:txBody>
       </p:sp>
       <p:pic>
         <p:nvPicPr>
-          <p:cNvPr id="13" name="Picture 12"/>
+          <p:cNvPr id="7" name="Picture 6"/>
           <p:cNvPicPr>
             <a:picLocks noChangeAspect="1"/>
           </p:cNvPicPr>
@@ -21681,8 +24941,32 @@
         </p:blipFill>
         <p:spPr>
           <a:xfrm>
-            <a:off x="927462" y="1123404"/>
-            <a:ext cx="8556171" cy="3427701"/>
+            <a:off x="2566343" y="2087535"/>
+            <a:ext cx="2915057" cy="4288725"/>
+          </a:xfrm>
+          <a:prstGeom prst="rect">
+            <a:avLst/>
+          </a:prstGeom>
+        </p:spPr>
+      </p:pic>
+      <p:pic>
+        <p:nvPicPr>
+          <p:cNvPr id="13" name="Picture 12"/>
+          <p:cNvPicPr>
+            <a:picLocks noChangeAspect="1"/>
+          </p:cNvPicPr>
+          <p:nvPr/>
+        </p:nvPicPr>
+        <p:blipFill>
+          <a:blip r:embed="rId4"/>
+          <a:stretch>
+            <a:fillRect/>
+          </a:stretch>
+        </p:blipFill>
+        <p:spPr>
+          <a:xfrm>
+            <a:off x="2833451" y="1763640"/>
+            <a:ext cx="2647949" cy="323895"/>
           </a:xfrm>
           <a:prstGeom prst="rect">
             <a:avLst/>
@@ -21698,15 +24982,15 @@
           <p:nvPr/>
         </p:nvPicPr>
         <p:blipFill>
-          <a:blip r:embed="rId4"/>
+          <a:blip r:embed="rId5"/>
           <a:stretch>
             <a:fillRect/>
           </a:stretch>
         </p:blipFill>
         <p:spPr>
           <a:xfrm>
-            <a:off x="927462" y="4551105"/>
-            <a:ext cx="5241189" cy="430580"/>
+            <a:off x="5975733" y="2087535"/>
+            <a:ext cx="1171739" cy="4288725"/>
           </a:xfrm>
           <a:prstGeom prst="rect">
             <a:avLst/>
@@ -21722,31 +25006,88 @@
           <p:nvPr/>
         </p:nvPicPr>
         <p:blipFill>
-          <a:blip r:embed="rId5"/>
+          <a:blip r:embed="rId6"/>
           <a:stretch>
             <a:fillRect/>
           </a:stretch>
         </p:blipFill>
         <p:spPr>
           <a:xfrm>
-            <a:off x="927462" y="4981685"/>
-            <a:ext cx="5241189" cy="423689"/>
+            <a:off x="7641805" y="2095251"/>
+            <a:ext cx="1200318" cy="4281009"/>
           </a:xfrm>
           <a:prstGeom prst="rect">
             <a:avLst/>
           </a:prstGeom>
         </p:spPr>
       </p:pic>
+      <p:pic>
+        <p:nvPicPr>
+          <p:cNvPr id="16" name="Picture 15"/>
+          <p:cNvPicPr>
+            <a:picLocks noChangeAspect="1"/>
+          </p:cNvPicPr>
+          <p:nvPr/>
+        </p:nvPicPr>
+        <p:blipFill>
+          <a:blip r:embed="rId7"/>
+          <a:stretch>
+            <a:fillRect/>
+          </a:stretch>
+        </p:blipFill>
+        <p:spPr>
+          <a:xfrm>
+            <a:off x="6030185" y="1795347"/>
+            <a:ext cx="1239776" cy="364130"/>
+          </a:xfrm>
+          <a:prstGeom prst="rect">
+            <a:avLst/>
+          </a:prstGeom>
+        </p:spPr>
+      </p:pic>
+      <p:sp>
+        <p:nvSpPr>
+          <p:cNvPr id="17" name="TextBox 16"/>
+          <p:cNvSpPr txBox="1"/>
+          <p:nvPr/>
+        </p:nvSpPr>
+        <p:spPr>
+          <a:xfrm>
+            <a:off x="9650437" y="2159477"/>
+            <a:ext cx="703385" cy="794738"/>
+          </a:xfrm>
+          <a:prstGeom prst="rect">
+            <a:avLst/>
+          </a:prstGeom>
+          <a:noFill/>
+        </p:spPr>
+        <p:txBody>
+          <a:bodyPr wrap="square" rtlCol="0">
+            <a:spAutoFit/>
+          </a:bodyPr>
+          <a:lstStyle/>
+          <a:p>
+            <a:endParaRPr lang="en-US" dirty="0"/>
+          </a:p>
+        </p:txBody>
+      </p:sp>
     </p:spTree>
     <p:extLst>
       <p:ext uri="{BB962C8B-B14F-4D97-AF65-F5344CB8AC3E}">
-        <p14:creationId xmlns:p14="http://schemas.microsoft.com/office/powerpoint/2010/main" val="2795498513"/>
+        <p14:creationId xmlns:p14="http://schemas.microsoft.com/office/powerpoint/2010/main" val="3310097889"/>
       </p:ext>
     </p:extLst>
   </p:cSld>
   <p:clrMapOvr>
     <a:masterClrMapping/>
   </p:clrMapOvr>
+  <p:timing>
+    <p:tnLst>
+      <p:par>
+        <p:cTn id="1" dur="indefinite" restart="never" nodeType="tmRoot"/>
+      </p:par>
+    </p:tnLst>
+  </p:timing>
 </p:sld>
 </file>
 

--- a/Báo cáo Final.pptx
+++ b/Báo cáo Final.pptx
@@ -5,7 +5,7 @@
     <p:sldMasterId id="2147483673" r:id="rId1"/>
   </p:sldMasterIdLst>
   <p:notesMasterIdLst>
-    <p:notesMasterId r:id="rId21"/>
+    <p:notesMasterId r:id="rId22"/>
   </p:notesMasterIdLst>
   <p:sldIdLst>
     <p:sldId id="260" r:id="rId2"/>
@@ -19,14 +19,15 @@
     <p:sldId id="278" r:id="rId10"/>
     <p:sldId id="273" r:id="rId11"/>
     <p:sldId id="274" r:id="rId12"/>
-    <p:sldId id="277" r:id="rId13"/>
-    <p:sldId id="275" r:id="rId14"/>
-    <p:sldId id="265" r:id="rId15"/>
-    <p:sldId id="266" r:id="rId16"/>
-    <p:sldId id="267" r:id="rId17"/>
-    <p:sldId id="268" r:id="rId18"/>
-    <p:sldId id="269" r:id="rId19"/>
-    <p:sldId id="270" r:id="rId20"/>
+    <p:sldId id="279" r:id="rId13"/>
+    <p:sldId id="277" r:id="rId14"/>
+    <p:sldId id="275" r:id="rId15"/>
+    <p:sldId id="265" r:id="rId16"/>
+    <p:sldId id="266" r:id="rId17"/>
+    <p:sldId id="267" r:id="rId18"/>
+    <p:sldId id="268" r:id="rId19"/>
+    <p:sldId id="269" r:id="rId20"/>
+    <p:sldId id="270" r:id="rId21"/>
   </p:sldIdLst>
   <p:sldSz cx="12192000" cy="6858000"/>
   <p:notesSz cx="6858000" cy="9144000"/>
@@ -135,7 +136,7 @@
 
 <file path=ppt/commentAuthors.xml><?xml version="1.0" encoding="utf-8"?>
 <p:cmAuthorLst xmlns:a="http://schemas.openxmlformats.org/drawingml/2006/main" xmlns:r="http://schemas.openxmlformats.org/officeDocument/2006/relationships" xmlns:p="http://schemas.openxmlformats.org/presentationml/2006/main">
-  <p:cmAuthor id="1" name="DELL" initials="D" lastIdx="18" clrIdx="0">
+  <p:cmAuthor id="1" name="DELL" initials="D" lastIdx="19" clrIdx="0">
     <p:extLst>
       <p:ext uri="{19B8F6BF-5375-455C-9EA6-DF929625EA0E}">
         <p15:presenceInfo xmlns:p15="http://schemas.microsoft.com/office/powerpoint/2012/main" userId="c80741e920081c47" providerId="Windows Live"/>
@@ -266,16 +267,16 @@
 <file path=ppt/comments/comment7.xml><?xml version="1.0" encoding="utf-8"?>
 <p:cmLst xmlns:a="http://schemas.openxmlformats.org/drawingml/2006/main" xmlns:r="http://schemas.openxmlformats.org/officeDocument/2006/relationships" xmlns:p="http://schemas.openxmlformats.org/presentationml/2006/main">
   <p:cm authorId="1" dt="2025-05-10T01:18:50.846" idx="5">
-    <p:pos x="4058" y="1530"/>
+    <p:pos x="4076" y="1663"/>
     <p:text>Thứ tự trình bày:  Đầu vào sẽ là kênh L (256x256x1) -&gt; Dùng CNN để dự đoán phân phối màu ra y^logit (256x256x313) -&gt; Sau đó chọn k bins có xác suất cao nhất (ví dụ: top-k=5). Thì ta sẽ được 5 bin có xác suất cao nhất (256x256x5x2) -&gt; tiếp đến ta tính tổng trọng số softmax  bằng công thức trên. -&gt; Sau khi tính xong ra sẽ được ab trung bình đó. -&gt; kết hợp với kênh L đầu vào sẽ tạo ra ảnh</p:text>
-    <p:extLst>
+    <p:extLst mod="1">
       <p:ext uri="{C676402C-5697-4E1C-873F-D02D1690AC5C}">
         <p15:threadingInfo xmlns:p15="http://schemas.microsoft.com/office/powerpoint/2012/main" timeZoneBias="-420"/>
       </p:ext>
     </p:extLst>
   </p:cm>
   <p:cm authorId="1" dt="2025-05-10T01:19:36.495" idx="6">
-    <p:pos x="2884" y="1468"/>
+    <p:pos x="2901" y="1686"/>
     <p:text>Lý do tính tổng trọng số này có mục đích là Mượt mà hơn argmax Tránh chuyển màu rời rạc giữa các pixel.
 Tận dụng thông tin từ nhiều màu</p:text>
     <p:extLst mod="1">
@@ -288,6 +289,20 @@
 </file>
 
 <file path=ppt/comments/comment8.xml><?xml version="1.0" encoding="utf-8"?>
+<p:cmLst xmlns:a="http://schemas.openxmlformats.org/drawingml/2006/main" xmlns:r="http://schemas.openxmlformats.org/officeDocument/2006/relationships" xmlns:p="http://schemas.openxmlformats.org/presentationml/2006/main">
+  <p:cm authorId="1" dt="2025-05-14T23:24:59.684" idx="19">
+    <p:pos x="10" y="10"/>
+    <p:text>exp(5) là e mũ 5</p:text>
+    <p:extLst>
+      <p:ext uri="{C676402C-5697-4E1C-873F-D02D1690AC5C}">
+        <p15:threadingInfo xmlns:p15="http://schemas.microsoft.com/office/powerpoint/2012/main" timeZoneBias="-420"/>
+      </p:ext>
+    </p:extLst>
+  </p:cm>
+</p:cmLst>
+</file>
+
+<file path=ppt/comments/comment9.xml><?xml version="1.0" encoding="utf-8"?>
 <p:cmLst xmlns:a="http://schemas.openxmlformats.org/drawingml/2006/main" xmlns:r="http://schemas.openxmlformats.org/officeDocument/2006/relationships" xmlns:p="http://schemas.openxmlformats.org/presentationml/2006/main">
   <p:cm authorId="1" dt="2025-05-14T14:54:12.791" idx="7">
     <p:pos x="5226" y="1442"/>
@@ -7736,11 +7751,7 @@
             </a:r>
             <a:r>
               <a:rPr lang="en-US" sz="2000" dirty="0" smtClean="0"/>
-              <a:t> </a:t>
-            </a:r>
-            <a:r>
-              <a:rPr lang="en-US" sz="2000" dirty="0" smtClean="0"/>
-              <a:t>s</a:t>
+              <a:t> s</a:t>
             </a:r>
             <a:r>
               <a:rPr lang="vi-VN" sz="2000" dirty="0" smtClean="0"/>
@@ -7780,36 +7791,152 @@
             </a:r>
             <a:r>
               <a:rPr lang="vi-VN" sz="2000" dirty="0"/>
-              <a:t> của chúng</a:t>
-            </a:r>
-            <a:endParaRPr lang="en-US" sz="2000" dirty="0"/>
+              <a:t> của </a:t>
+            </a:r>
+            <a:r>
+              <a:rPr lang="vi-VN" sz="2000" dirty="0" smtClean="0"/>
+              <a:t>chúng</a:t>
+            </a:r>
+            <a:r>
+              <a:rPr lang="en-US" sz="2000" dirty="0" smtClean="0"/>
+              <a:t>. </a:t>
+            </a:r>
+            <a:r>
+              <a:rPr lang="en-US" sz="2000" dirty="0" err="1" smtClean="0"/>
+              <a:t>Thêm</a:t>
+            </a:r>
+            <a:r>
+              <a:rPr lang="en-US" sz="2000" dirty="0" smtClean="0"/>
+              <a:t> </a:t>
+            </a:r>
+            <a:r>
+              <a:rPr lang="en-US" sz="2000" dirty="0" err="1" smtClean="0"/>
+              <a:t>vào</a:t>
+            </a:r>
+            <a:r>
+              <a:rPr lang="en-US" sz="2000" dirty="0" smtClean="0"/>
+              <a:t> </a:t>
+            </a:r>
+            <a:r>
+              <a:rPr lang="en-US" sz="2000" dirty="0" err="1" smtClean="0"/>
+              <a:t>đó</a:t>
+            </a:r>
+            <a:r>
+              <a:rPr lang="en-US" sz="2000" dirty="0" smtClean="0"/>
+              <a:t> </a:t>
+            </a:r>
+            <a:r>
+              <a:rPr lang="en-US" sz="2000" dirty="0" err="1" smtClean="0"/>
+              <a:t>áp</a:t>
+            </a:r>
+            <a:r>
+              <a:rPr lang="en-US" sz="2000" dirty="0" smtClean="0"/>
+              <a:t> </a:t>
+            </a:r>
+            <a:r>
+              <a:rPr lang="en-US" sz="2000" dirty="0" err="1" smtClean="0"/>
+              <a:t>dụng</a:t>
+            </a:r>
+            <a:r>
+              <a:rPr lang="en-US" sz="2000" dirty="0" smtClean="0"/>
+              <a:t> </a:t>
+            </a:r>
+            <a:r>
+              <a:rPr lang="en-US" sz="2000" dirty="0" err="1" smtClean="0"/>
+              <a:t>thêm</a:t>
+            </a:r>
+            <a:r>
+              <a:rPr lang="en-US" sz="2000" dirty="0" smtClean="0"/>
+              <a:t> </a:t>
+            </a:r>
+            <a:r>
+              <a:rPr lang="en-US" sz="2000" b="1" dirty="0" err="1" smtClean="0"/>
+              <a:t>tham</a:t>
+            </a:r>
+            <a:r>
+              <a:rPr lang="en-US" sz="2000" b="1" dirty="0" smtClean="0"/>
+              <a:t> </a:t>
+            </a:r>
+            <a:r>
+              <a:rPr lang="en-US" sz="2000" b="1" dirty="0" err="1" smtClean="0"/>
+              <a:t>số</a:t>
+            </a:r>
+            <a:r>
+              <a:rPr lang="en-US" sz="2000" b="1" dirty="0" smtClean="0"/>
+              <a:t> </a:t>
+            </a:r>
+            <a:r>
+              <a:rPr lang="en-US" sz="2000" b="1" dirty="0" err="1" smtClean="0"/>
+              <a:t>nhiệt</a:t>
+            </a:r>
+            <a:r>
+              <a:rPr lang="en-US" sz="2000" b="1" dirty="0" smtClean="0"/>
+              <a:t> </a:t>
+            </a:r>
+            <a:r>
+              <a:rPr lang="en-US" sz="2000" b="1" dirty="0" err="1" smtClean="0"/>
+              <a:t>độ</a:t>
+            </a:r>
+            <a:r>
+              <a:rPr lang="en-US" sz="2000" b="1" dirty="0" smtClean="0"/>
+              <a:t> T(</a:t>
+            </a:r>
+            <a:r>
+              <a:rPr lang="en-US" sz="2000" b="1" dirty="0" smtClean="0"/>
+              <a:t>temperature</a:t>
+            </a:r>
+            <a:r>
+              <a:rPr lang="en-US" sz="2000" dirty="0" smtClean="0"/>
+              <a:t>)</a:t>
+            </a:r>
+            <a:r>
+              <a:rPr lang="en-US" sz="2000" b="1" dirty="0" smtClean="0"/>
+              <a:t>=0.38 </a:t>
+            </a:r>
+            <a:r>
+              <a:rPr lang="en-US" sz="2000" b="1" dirty="0" err="1" smtClean="0"/>
+              <a:t>để</a:t>
+            </a:r>
+            <a:r>
+              <a:rPr lang="en-US" sz="2000" b="1" dirty="0" smtClean="0"/>
+              <a:t> </a:t>
+            </a:r>
+            <a:r>
+              <a:rPr lang="en-US" sz="2000" b="1" dirty="0" err="1" smtClean="0"/>
+              <a:t>tăng</a:t>
+            </a:r>
+            <a:r>
+              <a:rPr lang="en-US" sz="2000" b="1" dirty="0" smtClean="0"/>
+              <a:t> </a:t>
+            </a:r>
+            <a:r>
+              <a:rPr lang="en-US" sz="2000" b="1" dirty="0" err="1" smtClean="0"/>
+              <a:t>độ</a:t>
+            </a:r>
+            <a:r>
+              <a:rPr lang="en-US" sz="2000" b="1" dirty="0" smtClean="0"/>
+              <a:t> </a:t>
+            </a:r>
+            <a:r>
+              <a:rPr lang="en-US" sz="2000" b="1" dirty="0" err="1" smtClean="0"/>
+              <a:t>sắc</a:t>
+            </a:r>
+            <a:r>
+              <a:rPr lang="en-US" sz="2000" b="1" dirty="0" smtClean="0"/>
+              <a:t> </a:t>
+            </a:r>
+            <a:r>
+              <a:rPr lang="en-US" sz="2000" b="1" dirty="0" err="1" smtClean="0"/>
+              <a:t>nét</a:t>
+            </a:r>
+            <a:r>
+              <a:rPr lang="en-US" sz="2000" b="1" dirty="0" smtClean="0"/>
+              <a:t>.</a:t>
+            </a:r>
+            <a:endParaRPr lang="en-US" sz="2000" b="1" dirty="0"/>
           </a:p>
         </p:txBody>
       </p:sp>
-      <p:pic>
-        <p:nvPicPr>
-          <p:cNvPr id="7" name="Picture 6"/>
-          <p:cNvPicPr>
-            <a:picLocks noChangeAspect="1"/>
-          </p:cNvPicPr>
-          <p:nvPr/>
-        </p:nvPicPr>
-        <p:blipFill>
-          <a:blip r:embed="rId2"/>
-          <a:stretch>
-            <a:fillRect/>
-          </a:stretch>
-        </p:blipFill>
-        <p:spPr>
-          <a:xfrm>
-            <a:off x="1083838" y="2880649"/>
-            <a:ext cx="9265237" cy="3119194"/>
-          </a:xfrm>
-          <a:prstGeom prst="rect">
-            <a:avLst/>
-          </a:prstGeom>
-        </p:spPr>
-      </p:pic>
       <p:sp>
         <p:nvSpPr>
           <p:cNvPr id="6" name="Text Placeholder 2"/>
@@ -8143,6 +8270,30 @@
           </a:p>
         </p:txBody>
       </p:sp>
+      <p:pic>
+        <p:nvPicPr>
+          <p:cNvPr id="5" name="Picture 4"/>
+          <p:cNvPicPr>
+            <a:picLocks noChangeAspect="1"/>
+          </p:cNvPicPr>
+          <p:nvPr/>
+        </p:nvPicPr>
+        <p:blipFill>
+          <a:blip r:embed="rId2"/>
+          <a:stretch>
+            <a:fillRect/>
+          </a:stretch>
+        </p:blipFill>
+        <p:spPr>
+          <a:xfrm>
+            <a:off x="720857" y="2981161"/>
+            <a:ext cx="10779486" cy="3191039"/>
+          </a:xfrm>
+          <a:prstGeom prst="rect">
+            <a:avLst/>
+          </a:prstGeom>
+        </p:spPr>
+      </p:pic>
     </p:spTree>
     <p:extLst>
       <p:ext uri="{BB962C8B-B14F-4D97-AF65-F5344CB8AC3E}">
@@ -8180,377 +8331,6 @@
           <a:chExt cx="0" cy="0"/>
         </a:xfrm>
       </p:grpSpPr>
-      <p:pic>
-        <p:nvPicPr>
-          <p:cNvPr id="8" name="Picture 7"/>
-          <p:cNvPicPr>
-            <a:picLocks noChangeAspect="1"/>
-          </p:cNvPicPr>
-          <p:nvPr/>
-        </p:nvPicPr>
-        <p:blipFill>
-          <a:blip r:embed="rId2"/>
-          <a:stretch>
-            <a:fillRect/>
-          </a:stretch>
-        </p:blipFill>
-        <p:spPr>
-          <a:xfrm>
-            <a:off x="1349828" y="5824552"/>
-            <a:ext cx="614619" cy="481007"/>
-          </a:xfrm>
-          <a:prstGeom prst="rect">
-            <a:avLst/>
-          </a:prstGeom>
-        </p:spPr>
-      </p:pic>
-      <p:sp>
-        <p:nvSpPr>
-          <p:cNvPr id="10" name="TextBox 9"/>
-          <p:cNvSpPr txBox="1"/>
-          <p:nvPr/>
-        </p:nvSpPr>
-        <p:spPr>
-          <a:xfrm>
-            <a:off x="1964447" y="5865000"/>
-            <a:ext cx="8893439" cy="400110"/>
-          </a:xfrm>
-          <a:prstGeom prst="rect">
-            <a:avLst/>
-          </a:prstGeom>
-          <a:noFill/>
-        </p:spPr>
-        <p:txBody>
-          <a:bodyPr wrap="square" rtlCol="0">
-            <a:spAutoFit/>
-          </a:bodyPr>
-          <a:lstStyle/>
-          <a:p>
-            <a:r>
-              <a:rPr lang="en-US" sz="2000" b="1" dirty="0">
-                <a:solidFill>
-                  <a:schemeClr val="bg2">
-                    <a:lumMod val="50000"/>
-                  </a:schemeClr>
-                </a:solidFill>
-              </a:rPr>
-              <a:t>Pixel </a:t>
-            </a:r>
-            <a:r>
-              <a:rPr lang="en-US" sz="2000" b="1" dirty="0" err="1">
-                <a:solidFill>
-                  <a:schemeClr val="bg2">
-                    <a:lumMod val="50000"/>
-                  </a:schemeClr>
-                </a:solidFill>
-              </a:rPr>
-              <a:t>này</a:t>
-            </a:r>
-            <a:r>
-              <a:rPr lang="en-US" sz="2000" b="1" dirty="0">
-                <a:solidFill>
-                  <a:schemeClr val="bg2">
-                    <a:lumMod val="50000"/>
-                  </a:schemeClr>
-                </a:solidFill>
-              </a:rPr>
-              <a:t> </a:t>
-            </a:r>
-            <a:r>
-              <a:rPr lang="en-US" sz="2000" b="1" dirty="0" err="1">
-                <a:solidFill>
-                  <a:schemeClr val="bg2">
-                    <a:lumMod val="50000"/>
-                  </a:schemeClr>
-                </a:solidFill>
-              </a:rPr>
-              <a:t>có</a:t>
-            </a:r>
-            <a:r>
-              <a:rPr lang="en-US" sz="2000" b="1" dirty="0">
-                <a:solidFill>
-                  <a:schemeClr val="bg2">
-                    <a:lumMod val="50000"/>
-                  </a:schemeClr>
-                </a:solidFill>
-              </a:rPr>
-              <a:t> </a:t>
-            </a:r>
-            <a:r>
-              <a:rPr lang="en-US" sz="2000" b="1" dirty="0" err="1">
-                <a:solidFill>
-                  <a:schemeClr val="bg2">
-                    <a:lumMod val="50000"/>
-                  </a:schemeClr>
-                </a:solidFill>
-              </a:rPr>
-              <a:t>màu</a:t>
-            </a:r>
-            <a:r>
-              <a:rPr lang="en-US" sz="2000" b="1" dirty="0">
-                <a:solidFill>
-                  <a:schemeClr val="bg2">
-                    <a:lumMod val="50000"/>
-                  </a:schemeClr>
-                </a:solidFill>
-              </a:rPr>
-              <a:t> </a:t>
-            </a:r>
-            <a:r>
-              <a:rPr lang="en-US" sz="2000" b="1" dirty="0" err="1" smtClean="0">
-                <a:solidFill>
-                  <a:schemeClr val="bg2">
-                    <a:lumMod val="50000"/>
-                  </a:schemeClr>
-                </a:solidFill>
-              </a:rPr>
-              <a:t>vàng</a:t>
-            </a:r>
-            <a:r>
-              <a:rPr lang="en-US" sz="2000" b="1" dirty="0" smtClean="0">
-                <a:solidFill>
-                  <a:schemeClr val="bg2">
-                    <a:lumMod val="50000"/>
-                  </a:schemeClr>
-                </a:solidFill>
-              </a:rPr>
-              <a:t> </a:t>
-            </a:r>
-            <a:r>
-              <a:rPr lang="en-US" sz="2000" b="1" dirty="0" err="1" smtClean="0">
-                <a:solidFill>
-                  <a:schemeClr val="bg2">
-                    <a:lumMod val="50000"/>
-                  </a:schemeClr>
-                </a:solidFill>
-              </a:rPr>
-              <a:t>nhẹ</a:t>
-            </a:r>
-            <a:r>
-              <a:rPr lang="en-US" sz="2000" b="1" dirty="0">
-                <a:solidFill>
-                  <a:schemeClr val="bg2">
-                    <a:lumMod val="50000"/>
-                  </a:schemeClr>
-                </a:solidFill>
-              </a:rPr>
-              <a:t> (</a:t>
-            </a:r>
-            <a:r>
-              <a:rPr lang="en-US" sz="2000" b="1" dirty="0" err="1">
-                <a:solidFill>
-                  <a:schemeClr val="bg2">
-                    <a:lumMod val="50000"/>
-                  </a:schemeClr>
-                </a:solidFill>
-              </a:rPr>
-              <a:t>thay</a:t>
-            </a:r>
-            <a:r>
-              <a:rPr lang="en-US" sz="2000" b="1" dirty="0">
-                <a:solidFill>
-                  <a:schemeClr val="bg2">
-                    <a:lumMod val="50000"/>
-                  </a:schemeClr>
-                </a:solidFill>
-              </a:rPr>
-              <a:t> </a:t>
-            </a:r>
-            <a:r>
-              <a:rPr lang="en-US" sz="2000" b="1" dirty="0" err="1">
-                <a:solidFill>
-                  <a:schemeClr val="bg2">
-                    <a:lumMod val="50000"/>
-                  </a:schemeClr>
-                </a:solidFill>
-              </a:rPr>
-              <a:t>vì</a:t>
-            </a:r>
-            <a:r>
-              <a:rPr lang="en-US" sz="2000" b="1" dirty="0">
-                <a:solidFill>
-                  <a:schemeClr val="bg2">
-                    <a:lumMod val="50000"/>
-                  </a:schemeClr>
-                </a:solidFill>
-              </a:rPr>
-              <a:t> cam </a:t>
-            </a:r>
-            <a:r>
-              <a:rPr lang="en-US" sz="2000" b="1" dirty="0" err="1">
-                <a:solidFill>
-                  <a:schemeClr val="bg2">
-                    <a:lumMod val="50000"/>
-                  </a:schemeClr>
-                </a:solidFill>
-              </a:rPr>
-              <a:t>đậm</a:t>
-            </a:r>
-            <a:r>
-              <a:rPr lang="en-US" sz="2000" b="1" dirty="0">
-                <a:solidFill>
-                  <a:schemeClr val="bg2">
-                    <a:lumMod val="50000"/>
-                  </a:schemeClr>
-                </a:solidFill>
-              </a:rPr>
-              <a:t> </a:t>
-            </a:r>
-            <a:r>
-              <a:rPr lang="en-US" sz="2000" b="1" dirty="0" err="1">
-                <a:solidFill>
-                  <a:schemeClr val="bg2">
-                    <a:lumMod val="50000"/>
-                  </a:schemeClr>
-                </a:solidFill>
-              </a:rPr>
-              <a:t>nếu</a:t>
-            </a:r>
-            <a:r>
-              <a:rPr lang="en-US" sz="2000" b="1" dirty="0">
-                <a:solidFill>
-                  <a:schemeClr val="bg2">
-                    <a:lumMod val="50000"/>
-                  </a:schemeClr>
-                </a:solidFill>
-              </a:rPr>
-              <a:t> </a:t>
-            </a:r>
-            <a:r>
-              <a:rPr lang="en-US" sz="2000" b="1" dirty="0" err="1">
-                <a:solidFill>
-                  <a:schemeClr val="bg2">
-                    <a:lumMod val="50000"/>
-                  </a:schemeClr>
-                </a:solidFill>
-              </a:rPr>
-              <a:t>chỉ</a:t>
-            </a:r>
-            <a:r>
-              <a:rPr lang="en-US" sz="2000" b="1" dirty="0">
-                <a:solidFill>
-                  <a:schemeClr val="bg2">
-                    <a:lumMod val="50000"/>
-                  </a:schemeClr>
-                </a:solidFill>
-              </a:rPr>
-              <a:t> </a:t>
-            </a:r>
-            <a:r>
-              <a:rPr lang="en-US" sz="2000" b="1" dirty="0" err="1">
-                <a:solidFill>
-                  <a:schemeClr val="bg2">
-                    <a:lumMod val="50000"/>
-                  </a:schemeClr>
-                </a:solidFill>
-              </a:rPr>
-              <a:t>chọn</a:t>
-            </a:r>
-            <a:r>
-              <a:rPr lang="en-US" sz="2000" b="1" dirty="0">
-                <a:solidFill>
-                  <a:schemeClr val="bg2">
-                    <a:lumMod val="50000"/>
-                  </a:schemeClr>
-                </a:solidFill>
-              </a:rPr>
-              <a:t> </a:t>
-            </a:r>
-            <a:r>
-              <a:rPr lang="en-US" sz="2000" b="1" dirty="0" err="1">
-                <a:solidFill>
-                  <a:schemeClr val="bg2">
-                    <a:lumMod val="50000"/>
-                  </a:schemeClr>
-                </a:solidFill>
-              </a:rPr>
-              <a:t>argmax</a:t>
-            </a:r>
-            <a:r>
-              <a:rPr lang="en-US" sz="2000" b="1" dirty="0">
-                <a:solidFill>
-                  <a:schemeClr val="bg2">
-                    <a:lumMod val="50000"/>
-                  </a:schemeClr>
-                </a:solidFill>
-              </a:rPr>
-              <a:t>).</a:t>
-            </a:r>
-          </a:p>
-        </p:txBody>
-      </p:sp>
-      <p:pic>
-        <p:nvPicPr>
-          <p:cNvPr id="13" name="Picture 12"/>
-          <p:cNvPicPr>
-            <a:picLocks noChangeAspect="1"/>
-          </p:cNvPicPr>
-          <p:nvPr/>
-        </p:nvPicPr>
-        <p:blipFill>
-          <a:blip r:embed="rId3"/>
-          <a:stretch>
-            <a:fillRect/>
-          </a:stretch>
-        </p:blipFill>
-        <p:spPr>
-          <a:xfrm>
-            <a:off x="1043576" y="1399176"/>
-            <a:ext cx="8556171" cy="3427701"/>
-          </a:xfrm>
-          <a:prstGeom prst="rect">
-            <a:avLst/>
-          </a:prstGeom>
-        </p:spPr>
-      </p:pic>
-      <p:pic>
-        <p:nvPicPr>
-          <p:cNvPr id="14" name="Picture 13"/>
-          <p:cNvPicPr>
-            <a:picLocks noChangeAspect="1"/>
-          </p:cNvPicPr>
-          <p:nvPr/>
-        </p:nvPicPr>
-        <p:blipFill>
-          <a:blip r:embed="rId4"/>
-          <a:stretch>
-            <a:fillRect/>
-          </a:stretch>
-        </p:blipFill>
-        <p:spPr>
-          <a:xfrm>
-            <a:off x="1043576" y="4826877"/>
-            <a:ext cx="5241189" cy="430580"/>
-          </a:xfrm>
-          <a:prstGeom prst="rect">
-            <a:avLst/>
-          </a:prstGeom>
-        </p:spPr>
-      </p:pic>
-      <p:pic>
-        <p:nvPicPr>
-          <p:cNvPr id="15" name="Picture 14"/>
-          <p:cNvPicPr>
-            <a:picLocks noChangeAspect="1"/>
-          </p:cNvPicPr>
-          <p:nvPr/>
-        </p:nvPicPr>
-        <p:blipFill>
-          <a:blip r:embed="rId5"/>
-          <a:stretch>
-            <a:fillRect/>
-          </a:stretch>
-        </p:blipFill>
-        <p:spPr>
-          <a:xfrm>
-            <a:off x="1043576" y="5257457"/>
-            <a:ext cx="5241189" cy="423689"/>
-          </a:xfrm>
-          <a:prstGeom prst="rect">
-            <a:avLst/>
-          </a:prstGeom>
-        </p:spPr>
-      </p:pic>
       <p:sp>
         <p:nvSpPr>
           <p:cNvPr id="11" name="Title 1"/>
@@ -8884,6 +8664,30 @@
           </a:p>
         </p:txBody>
       </p:sp>
+      <p:pic>
+        <p:nvPicPr>
+          <p:cNvPr id="3" name="Picture 2"/>
+          <p:cNvPicPr>
+            <a:picLocks noChangeAspect="1"/>
+          </p:cNvPicPr>
+          <p:nvPr/>
+        </p:nvPicPr>
+        <p:blipFill>
+          <a:blip r:embed="rId2"/>
+          <a:stretch>
+            <a:fillRect/>
+          </a:stretch>
+        </p:blipFill>
+        <p:spPr>
+          <a:xfrm>
+            <a:off x="427506" y="1458972"/>
+            <a:ext cx="10840980" cy="4954528"/>
+          </a:xfrm>
+          <a:prstGeom prst="rect">
+            <a:avLst/>
+          </a:prstGeom>
+        </p:spPr>
+      </p:pic>
     </p:spTree>
     <p:extLst>
       <p:ext uri="{BB962C8B-B14F-4D97-AF65-F5344CB8AC3E}">
@@ -8905,6 +8709,1080 @@
 </file>
 
 <file path=ppt/slides/slide12.xml><?xml version="1.0" encoding="utf-8"?>
+<p:sld xmlns:a="http://schemas.openxmlformats.org/drawingml/2006/main" xmlns:r="http://schemas.openxmlformats.org/officeDocument/2006/relationships" xmlns:p="http://schemas.openxmlformats.org/presentationml/2006/main">
+  <p:cSld>
+    <p:spTree>
+      <p:nvGrpSpPr>
+        <p:cNvPr id="1" name=""/>
+        <p:cNvGrpSpPr/>
+        <p:nvPr/>
+      </p:nvGrpSpPr>
+      <p:grpSpPr>
+        <a:xfrm>
+          <a:off x="0" y="0"/>
+          <a:ext cx="0" cy="0"/>
+          <a:chOff x="0" y="0"/>
+          <a:chExt cx="0" cy="0"/>
+        </a:xfrm>
+      </p:grpSpPr>
+      <p:sp>
+        <p:nvSpPr>
+          <p:cNvPr id="4" name="Title 1"/>
+          <p:cNvSpPr>
+            <a:spLocks noGrp="1"/>
+          </p:cNvSpPr>
+          <p:nvPr>
+            <p:ph type="title"/>
+          </p:nvPr>
+        </p:nvSpPr>
+        <p:spPr>
+          <a:xfrm>
+            <a:off x="629200" y="77167"/>
+            <a:ext cx="10962800" cy="894000"/>
+          </a:xfrm>
+        </p:spPr>
+        <p:txBody>
+          <a:bodyPr/>
+          <a:lstStyle/>
+          <a:p>
+            <a:r>
+              <a:rPr lang="en" sz="4800" b="1" dirty="0" smtClean="0"/>
+              <a:t>Phương pháp</a:t>
+            </a:r>
+            <a:endParaRPr lang="en-US" sz="4800" dirty="0"/>
+          </a:p>
+        </p:txBody>
+      </p:sp>
+      <p:sp>
+        <p:nvSpPr>
+          <p:cNvPr id="5" name="Text Placeholder 2"/>
+          <p:cNvSpPr txBox="1">
+            <a:spLocks/>
+          </p:cNvSpPr>
+          <p:nvPr/>
+        </p:nvSpPr>
+        <p:spPr>
+          <a:xfrm>
+            <a:off x="-17829" y="907052"/>
+            <a:ext cx="10962800" cy="551920"/>
+          </a:xfrm>
+          <a:prstGeom prst="rect">
+            <a:avLst/>
+          </a:prstGeom>
+          <a:noFill/>
+          <a:ln>
+            <a:noFill/>
+          </a:ln>
+        </p:spPr>
+        <p:txBody>
+          <a:bodyPr spcFirstLastPara="1" wrap="square" lIns="91425" tIns="91425" rIns="91425" bIns="91425" anchor="t" anchorCtr="0">
+            <a:noAutofit/>
+          </a:bodyPr>
+          <a:lstStyle>
+            <a:defPPr marR="0" lvl="0" algn="l" rtl="0">
+              <a:lnSpc>
+                <a:spcPct val="100000"/>
+              </a:lnSpc>
+              <a:spcBef>
+                <a:spcPts val="0"/>
+              </a:spcBef>
+              <a:spcAft>
+                <a:spcPts val="0"/>
+              </a:spcAft>
+            </a:defPPr>
+            <a:lvl1pPr marL="609585" marR="0" lvl="0" indent="-491054" algn="l" rtl="0">
+              <a:lnSpc>
+                <a:spcPct val="115000"/>
+              </a:lnSpc>
+              <a:spcBef>
+                <a:spcPts val="0"/>
+              </a:spcBef>
+              <a:spcAft>
+                <a:spcPts val="0"/>
+              </a:spcAft>
+              <a:buClr>
+                <a:srgbClr val="000000"/>
+              </a:buClr>
+              <a:buSzPts val="2200"/>
+              <a:buFont typeface="Roboto"/>
+              <a:buChar char="●"/>
+              <a:defRPr sz="2933" b="0" i="0" u="none" strike="noStrike" cap="none">
+                <a:solidFill>
+                  <a:srgbClr val="000000"/>
+                </a:solidFill>
+                <a:latin typeface="Roboto"/>
+                <a:ea typeface="Roboto"/>
+                <a:cs typeface="Roboto"/>
+                <a:sym typeface="Roboto"/>
+              </a:defRPr>
+            </a:lvl1pPr>
+            <a:lvl2pPr marL="1219170" marR="0" lvl="1" indent="-474121" algn="l" rtl="0">
+              <a:lnSpc>
+                <a:spcPct val="115000"/>
+              </a:lnSpc>
+              <a:spcBef>
+                <a:spcPts val="2133"/>
+              </a:spcBef>
+              <a:spcAft>
+                <a:spcPts val="0"/>
+              </a:spcAft>
+              <a:buClr>
+                <a:srgbClr val="000000"/>
+              </a:buClr>
+              <a:buSzPts val="2000"/>
+              <a:buFont typeface="Roboto"/>
+              <a:buChar char="○"/>
+              <a:defRPr sz="2667" b="0" i="0" u="none" strike="noStrike" cap="none">
+                <a:solidFill>
+                  <a:srgbClr val="000000"/>
+                </a:solidFill>
+                <a:latin typeface="Roboto"/>
+                <a:ea typeface="Roboto"/>
+                <a:cs typeface="Roboto"/>
+                <a:sym typeface="Roboto"/>
+              </a:defRPr>
+            </a:lvl2pPr>
+            <a:lvl3pPr marL="1828754" marR="0" lvl="2" indent="-457189" algn="l" rtl="0">
+              <a:lnSpc>
+                <a:spcPct val="115000"/>
+              </a:lnSpc>
+              <a:spcBef>
+                <a:spcPts val="2133"/>
+              </a:spcBef>
+              <a:spcAft>
+                <a:spcPts val="0"/>
+              </a:spcAft>
+              <a:buClr>
+                <a:srgbClr val="000000"/>
+              </a:buClr>
+              <a:buSzPts val="1800"/>
+              <a:buFont typeface="Roboto"/>
+              <a:buChar char="■"/>
+              <a:defRPr sz="2400" b="0" i="0" u="none" strike="noStrike" cap="none">
+                <a:solidFill>
+                  <a:srgbClr val="000000"/>
+                </a:solidFill>
+                <a:latin typeface="Roboto"/>
+                <a:ea typeface="Roboto"/>
+                <a:cs typeface="Roboto"/>
+                <a:sym typeface="Roboto"/>
+              </a:defRPr>
+            </a:lvl3pPr>
+            <a:lvl4pPr marL="2438339" marR="0" lvl="3" indent="-440256" algn="l" rtl="0">
+              <a:lnSpc>
+                <a:spcPct val="115000"/>
+              </a:lnSpc>
+              <a:spcBef>
+                <a:spcPts val="2133"/>
+              </a:spcBef>
+              <a:spcAft>
+                <a:spcPts val="0"/>
+              </a:spcAft>
+              <a:buClr>
+                <a:srgbClr val="000000"/>
+              </a:buClr>
+              <a:buSzPts val="1600"/>
+              <a:buFont typeface="Roboto"/>
+              <a:buChar char="●"/>
+              <a:defRPr sz="2133" b="0" i="0" u="none" strike="noStrike" cap="none">
+                <a:solidFill>
+                  <a:srgbClr val="000000"/>
+                </a:solidFill>
+                <a:latin typeface="Roboto"/>
+                <a:ea typeface="Roboto"/>
+                <a:cs typeface="Roboto"/>
+                <a:sym typeface="Roboto"/>
+              </a:defRPr>
+            </a:lvl4pPr>
+            <a:lvl5pPr marL="3047924" marR="0" lvl="4" indent="-423323" algn="l" rtl="0">
+              <a:lnSpc>
+                <a:spcPct val="115000"/>
+              </a:lnSpc>
+              <a:spcBef>
+                <a:spcPts val="2133"/>
+              </a:spcBef>
+              <a:spcAft>
+                <a:spcPts val="0"/>
+              </a:spcAft>
+              <a:buClr>
+                <a:srgbClr val="000000"/>
+              </a:buClr>
+              <a:buSzPts val="1400"/>
+              <a:buFont typeface="Roboto"/>
+              <a:buChar char="○"/>
+              <a:defRPr sz="1867" b="0" i="0" u="none" strike="noStrike" cap="none">
+                <a:solidFill>
+                  <a:srgbClr val="000000"/>
+                </a:solidFill>
+                <a:latin typeface="Roboto"/>
+                <a:ea typeface="Roboto"/>
+                <a:cs typeface="Roboto"/>
+                <a:sym typeface="Roboto"/>
+              </a:defRPr>
+            </a:lvl5pPr>
+            <a:lvl6pPr marL="3657509" marR="0" lvl="5" indent="-423323" algn="l" rtl="0">
+              <a:lnSpc>
+                <a:spcPct val="115000"/>
+              </a:lnSpc>
+              <a:spcBef>
+                <a:spcPts val="2133"/>
+              </a:spcBef>
+              <a:spcAft>
+                <a:spcPts val="0"/>
+              </a:spcAft>
+              <a:buClr>
+                <a:srgbClr val="000000"/>
+              </a:buClr>
+              <a:buSzPts val="1400"/>
+              <a:buFont typeface="Roboto"/>
+              <a:buChar char="■"/>
+              <a:defRPr sz="1867" b="0" i="0" u="none" strike="noStrike" cap="none">
+                <a:solidFill>
+                  <a:srgbClr val="000000"/>
+                </a:solidFill>
+                <a:latin typeface="Roboto"/>
+                <a:ea typeface="Roboto"/>
+                <a:cs typeface="Roboto"/>
+                <a:sym typeface="Roboto"/>
+              </a:defRPr>
+            </a:lvl6pPr>
+            <a:lvl7pPr marL="4267093" marR="0" lvl="6" indent="-423323" algn="l" rtl="0">
+              <a:lnSpc>
+                <a:spcPct val="115000"/>
+              </a:lnSpc>
+              <a:spcBef>
+                <a:spcPts val="2133"/>
+              </a:spcBef>
+              <a:spcAft>
+                <a:spcPts val="0"/>
+              </a:spcAft>
+              <a:buClr>
+                <a:srgbClr val="000000"/>
+              </a:buClr>
+              <a:buSzPts val="1400"/>
+              <a:buFont typeface="Roboto"/>
+              <a:buChar char="●"/>
+              <a:defRPr sz="1867" b="0" i="0" u="none" strike="noStrike" cap="none">
+                <a:solidFill>
+                  <a:srgbClr val="000000"/>
+                </a:solidFill>
+                <a:latin typeface="Roboto"/>
+                <a:ea typeface="Roboto"/>
+                <a:cs typeface="Roboto"/>
+                <a:sym typeface="Roboto"/>
+              </a:defRPr>
+            </a:lvl7pPr>
+            <a:lvl8pPr marL="4876678" marR="0" lvl="7" indent="-423323" algn="l" rtl="0">
+              <a:lnSpc>
+                <a:spcPct val="115000"/>
+              </a:lnSpc>
+              <a:spcBef>
+                <a:spcPts val="2133"/>
+              </a:spcBef>
+              <a:spcAft>
+                <a:spcPts val="0"/>
+              </a:spcAft>
+              <a:buClr>
+                <a:srgbClr val="000000"/>
+              </a:buClr>
+              <a:buSzPts val="1400"/>
+              <a:buFont typeface="Roboto"/>
+              <a:buChar char="○"/>
+              <a:defRPr sz="1867" b="0" i="0" u="none" strike="noStrike" cap="none">
+                <a:solidFill>
+                  <a:srgbClr val="000000"/>
+                </a:solidFill>
+                <a:latin typeface="Roboto"/>
+                <a:ea typeface="Roboto"/>
+                <a:cs typeface="Roboto"/>
+                <a:sym typeface="Roboto"/>
+              </a:defRPr>
+            </a:lvl8pPr>
+            <a:lvl9pPr marL="5486263" marR="0" lvl="8" indent="-423323" algn="l" rtl="0">
+              <a:lnSpc>
+                <a:spcPct val="115000"/>
+              </a:lnSpc>
+              <a:spcBef>
+                <a:spcPts val="2133"/>
+              </a:spcBef>
+              <a:spcAft>
+                <a:spcPts val="2133"/>
+              </a:spcAft>
+              <a:buClr>
+                <a:schemeClr val="lt2"/>
+              </a:buClr>
+              <a:buSzPts val="1400"/>
+              <a:buFont typeface="Roboto"/>
+              <a:buChar char="■"/>
+              <a:defRPr sz="1867" b="0" i="0" u="none" strike="noStrike" cap="none">
+                <a:solidFill>
+                  <a:schemeClr val="lt2"/>
+                </a:solidFill>
+                <a:latin typeface="Roboto"/>
+                <a:ea typeface="Roboto"/>
+                <a:cs typeface="Roboto"/>
+                <a:sym typeface="Roboto"/>
+              </a:defRPr>
+            </a:lvl9pPr>
+          </a:lstStyle>
+          <a:p>
+            <a:pPr marL="118531" indent="0">
+              <a:buFont typeface="Roboto"/>
+              <a:buNone/>
+            </a:pPr>
+            <a:r>
+              <a:rPr lang="en-US" sz="2000" b="1" kern="0" dirty="0" smtClean="0"/>
+              <a:t>2.2 </a:t>
+            </a:r>
+            <a:r>
+              <a:rPr lang="en-US" sz="2000" b="1" kern="0" dirty="0" err="1" smtClean="0"/>
+              <a:t>Phương</a:t>
+            </a:r>
+            <a:r>
+              <a:rPr lang="en-US" sz="2000" b="1" kern="0" dirty="0" smtClean="0"/>
+              <a:t> </a:t>
+            </a:r>
+            <a:r>
+              <a:rPr lang="en-US" sz="2000" b="1" kern="0" dirty="0" err="1" smtClean="0"/>
+              <a:t>pháp</a:t>
+            </a:r>
+            <a:r>
+              <a:rPr lang="en-US" sz="2000" b="1" kern="0" dirty="0" smtClean="0"/>
+              <a:t> Classification-</a:t>
+            </a:r>
+            <a:r>
+              <a:rPr lang="en-US" sz="2000" b="1" kern="0" dirty="0" err="1" smtClean="0"/>
+              <a:t>softmax</a:t>
+            </a:r>
+            <a:endParaRPr lang="en-US" sz="2000" b="1" kern="0" dirty="0"/>
+          </a:p>
+        </p:txBody>
+      </p:sp>
+      <p:pic>
+        <p:nvPicPr>
+          <p:cNvPr id="6" name="Picture 5"/>
+          <p:cNvPicPr>
+            <a:picLocks noChangeAspect="1"/>
+          </p:cNvPicPr>
+          <p:nvPr/>
+        </p:nvPicPr>
+        <p:blipFill>
+          <a:blip r:embed="rId2"/>
+          <a:stretch>
+            <a:fillRect/>
+          </a:stretch>
+        </p:blipFill>
+        <p:spPr>
+          <a:xfrm>
+            <a:off x="629200" y="1458972"/>
+            <a:ext cx="5102657" cy="3133632"/>
+          </a:xfrm>
+          <a:prstGeom prst="rect">
+            <a:avLst/>
+          </a:prstGeom>
+        </p:spPr>
+      </p:pic>
+      <p:sp>
+        <p:nvSpPr>
+          <p:cNvPr id="7" name="TextBox 6"/>
+          <p:cNvSpPr txBox="1"/>
+          <p:nvPr/>
+        </p:nvSpPr>
+        <p:spPr>
+          <a:xfrm>
+            <a:off x="495300" y="4965700"/>
+            <a:ext cx="10909300" cy="646331"/>
+          </a:xfrm>
+          <a:prstGeom prst="rect">
+            <a:avLst/>
+          </a:prstGeom>
+          <a:noFill/>
+        </p:spPr>
+        <p:txBody>
+          <a:bodyPr wrap="square" rtlCol="0">
+            <a:spAutoFit/>
+          </a:bodyPr>
+          <a:lstStyle/>
+          <a:p>
+            <a:r>
+              <a:rPr lang="en-US" dirty="0" smtClean="0">
+                <a:solidFill>
+                  <a:schemeClr val="bg2"/>
+                </a:solidFill>
+              </a:rPr>
+              <a:t>- </a:t>
+            </a:r>
+            <a:r>
+              <a:rPr lang="en-US" dirty="0" err="1" smtClean="0">
+                <a:solidFill>
+                  <a:schemeClr val="bg2"/>
+                </a:solidFill>
+              </a:rPr>
+              <a:t>Với</a:t>
+            </a:r>
+            <a:r>
+              <a:rPr lang="en-US" dirty="0" smtClean="0">
+                <a:solidFill>
+                  <a:schemeClr val="bg2"/>
+                </a:solidFill>
+              </a:rPr>
+              <a:t> </a:t>
+            </a:r>
+            <a:r>
+              <a:rPr lang="en-US" dirty="0" err="1" smtClean="0">
+                <a:solidFill>
+                  <a:schemeClr val="bg2"/>
+                </a:solidFill>
+              </a:rPr>
+              <a:t>ví</a:t>
+            </a:r>
+            <a:r>
+              <a:rPr lang="en-US" dirty="0" smtClean="0">
+                <a:solidFill>
+                  <a:schemeClr val="bg2"/>
+                </a:solidFill>
+              </a:rPr>
+              <a:t> </a:t>
+            </a:r>
+            <a:r>
+              <a:rPr lang="en-US" dirty="0" err="1" smtClean="0">
+                <a:solidFill>
+                  <a:schemeClr val="bg2"/>
+                </a:solidFill>
+              </a:rPr>
+              <a:t>dụ</a:t>
+            </a:r>
+            <a:r>
+              <a:rPr lang="en-US" dirty="0" smtClean="0">
+                <a:solidFill>
+                  <a:schemeClr val="bg2"/>
+                </a:solidFill>
+              </a:rPr>
+              <a:t> </a:t>
+            </a:r>
+            <a:r>
+              <a:rPr lang="en-US" b="1" dirty="0" smtClean="0">
+                <a:solidFill>
+                  <a:schemeClr val="bg2"/>
+                </a:solidFill>
+              </a:rPr>
+              <a:t>L=50</a:t>
+            </a:r>
+            <a:r>
+              <a:rPr lang="en-US" dirty="0" smtClean="0">
+                <a:solidFill>
+                  <a:schemeClr val="bg2"/>
+                </a:solidFill>
+              </a:rPr>
+              <a:t> ta </a:t>
+            </a:r>
+            <a:r>
+              <a:rPr lang="en-US" dirty="0" err="1" smtClean="0">
+                <a:solidFill>
+                  <a:schemeClr val="bg2"/>
+                </a:solidFill>
+              </a:rPr>
+              <a:t>thu</a:t>
+            </a:r>
+            <a:r>
+              <a:rPr lang="en-US" dirty="0" smtClean="0">
+                <a:solidFill>
+                  <a:schemeClr val="bg2"/>
+                </a:solidFill>
+              </a:rPr>
+              <a:t> </a:t>
+            </a:r>
+            <a:r>
+              <a:rPr lang="en-US" dirty="0" err="1" smtClean="0">
+                <a:solidFill>
+                  <a:schemeClr val="bg2"/>
+                </a:solidFill>
+              </a:rPr>
+              <a:t>được</a:t>
+            </a:r>
+            <a:r>
+              <a:rPr lang="en-US" dirty="0" smtClean="0">
+                <a:solidFill>
+                  <a:schemeClr val="bg2"/>
+                </a:solidFill>
+              </a:rPr>
+              <a:t> </a:t>
+            </a:r>
+            <a:r>
+              <a:rPr lang="en-US" dirty="0" err="1" smtClean="0">
+                <a:solidFill>
+                  <a:schemeClr val="bg2"/>
+                </a:solidFill>
+              </a:rPr>
+              <a:t>màu</a:t>
+            </a:r>
+            <a:r>
+              <a:rPr lang="en-US" dirty="0" smtClean="0">
+                <a:solidFill>
+                  <a:schemeClr val="bg2"/>
+                </a:solidFill>
+              </a:rPr>
+              <a:t> </a:t>
+            </a:r>
+            <a:r>
+              <a:rPr lang="en-US" b="1" dirty="0" err="1" smtClean="0">
+                <a:solidFill>
+                  <a:schemeClr val="bg2"/>
+                </a:solidFill>
+              </a:rPr>
+              <a:t>xanh</a:t>
+            </a:r>
+            <a:r>
+              <a:rPr lang="en-US" b="1" dirty="0" smtClean="0">
+                <a:solidFill>
+                  <a:schemeClr val="bg2"/>
+                </a:solidFill>
+              </a:rPr>
+              <a:t> </a:t>
+            </a:r>
+            <a:r>
+              <a:rPr lang="en-US" b="1" dirty="0" err="1" smtClean="0">
+                <a:solidFill>
+                  <a:schemeClr val="bg2"/>
+                </a:solidFill>
+              </a:rPr>
+              <a:t>là</a:t>
+            </a:r>
+            <a:r>
+              <a:rPr lang="en-US" b="1" dirty="0" smtClean="0">
+                <a:solidFill>
+                  <a:schemeClr val="bg2"/>
+                </a:solidFill>
+              </a:rPr>
+              <a:t> </a:t>
+            </a:r>
+            <a:r>
+              <a:rPr lang="en-US" b="1" dirty="0" err="1" smtClean="0">
+                <a:solidFill>
+                  <a:schemeClr val="bg2"/>
+                </a:solidFill>
+              </a:rPr>
+              <a:t>nhạt</a:t>
+            </a:r>
+            <a:r>
+              <a:rPr lang="en-US" dirty="0" smtClean="0">
+                <a:solidFill>
+                  <a:schemeClr val="bg2"/>
+                </a:solidFill>
+              </a:rPr>
+              <a:t>, </a:t>
+            </a:r>
+            <a:r>
+              <a:rPr lang="en-US" dirty="0" err="1" smtClean="0">
+                <a:solidFill>
+                  <a:schemeClr val="bg2"/>
+                </a:solidFill>
+              </a:rPr>
+              <a:t>nó</a:t>
+            </a:r>
+            <a:r>
+              <a:rPr lang="en-US" dirty="0" smtClean="0">
+                <a:solidFill>
+                  <a:schemeClr val="bg2"/>
+                </a:solidFill>
+              </a:rPr>
+              <a:t> </a:t>
+            </a:r>
+            <a:r>
+              <a:rPr lang="en-US" dirty="0" err="1" smtClean="0">
+                <a:solidFill>
+                  <a:schemeClr val="bg2"/>
+                </a:solidFill>
+              </a:rPr>
+              <a:t>mượt</a:t>
+            </a:r>
+            <a:r>
+              <a:rPr lang="en-US" dirty="0" smtClean="0">
+                <a:solidFill>
+                  <a:schemeClr val="bg2"/>
+                </a:solidFill>
+              </a:rPr>
+              <a:t> </a:t>
+            </a:r>
+            <a:r>
+              <a:rPr lang="en-US" dirty="0" err="1" smtClean="0">
+                <a:solidFill>
+                  <a:schemeClr val="bg2"/>
+                </a:solidFill>
+              </a:rPr>
+              <a:t>mà</a:t>
+            </a:r>
+            <a:r>
+              <a:rPr lang="en-US" dirty="0" smtClean="0">
+                <a:solidFill>
+                  <a:schemeClr val="bg2"/>
+                </a:solidFill>
+              </a:rPr>
+              <a:t> </a:t>
+            </a:r>
+            <a:r>
+              <a:rPr lang="en-US" dirty="0" err="1" smtClean="0">
+                <a:solidFill>
+                  <a:schemeClr val="bg2"/>
+                </a:solidFill>
+              </a:rPr>
+              <a:t>hơn</a:t>
+            </a:r>
+            <a:r>
+              <a:rPr lang="en-US" dirty="0" smtClean="0">
+                <a:solidFill>
+                  <a:schemeClr val="bg2"/>
+                </a:solidFill>
+              </a:rPr>
+              <a:t> </a:t>
+            </a:r>
+            <a:r>
+              <a:rPr lang="en-US" dirty="0" err="1" smtClean="0">
+                <a:solidFill>
+                  <a:schemeClr val="bg2"/>
+                </a:solidFill>
+              </a:rPr>
+              <a:t>nhờ</a:t>
+            </a:r>
+            <a:r>
+              <a:rPr lang="en-US" dirty="0" smtClean="0">
+                <a:solidFill>
+                  <a:schemeClr val="bg2"/>
+                </a:solidFill>
+              </a:rPr>
+              <a:t> </a:t>
+            </a:r>
+            <a:r>
+              <a:rPr lang="en-US" dirty="0" err="1" smtClean="0">
+                <a:solidFill>
+                  <a:schemeClr val="bg2"/>
+                </a:solidFill>
+              </a:rPr>
+              <a:t>có</a:t>
+            </a:r>
+            <a:r>
+              <a:rPr lang="en-US" dirty="0" smtClean="0">
+                <a:solidFill>
+                  <a:schemeClr val="bg2"/>
+                </a:solidFill>
+              </a:rPr>
+              <a:t> </a:t>
+            </a:r>
+            <a:r>
+              <a:rPr lang="en-US" b="1" dirty="0" err="1" smtClean="0">
+                <a:solidFill>
+                  <a:schemeClr val="bg2"/>
+                </a:solidFill>
+              </a:rPr>
+              <a:t>tổng</a:t>
+            </a:r>
+            <a:r>
+              <a:rPr lang="en-US" b="1" dirty="0" smtClean="0">
+                <a:solidFill>
+                  <a:schemeClr val="bg2"/>
+                </a:solidFill>
+              </a:rPr>
+              <a:t> </a:t>
+            </a:r>
+            <a:r>
+              <a:rPr lang="en-US" b="1" dirty="0" err="1" smtClean="0">
+                <a:solidFill>
+                  <a:schemeClr val="bg2"/>
+                </a:solidFill>
+              </a:rPr>
+              <a:t>trọng</a:t>
+            </a:r>
+            <a:r>
+              <a:rPr lang="en-US" b="1" dirty="0" smtClean="0">
+                <a:solidFill>
+                  <a:schemeClr val="bg2"/>
+                </a:solidFill>
+              </a:rPr>
+              <a:t> </a:t>
+            </a:r>
+            <a:r>
+              <a:rPr lang="en-US" b="1" dirty="0" err="1" smtClean="0">
+                <a:solidFill>
+                  <a:schemeClr val="bg2"/>
+                </a:solidFill>
+              </a:rPr>
+              <a:t>số</a:t>
+            </a:r>
+            <a:r>
+              <a:rPr lang="en-US" dirty="0" smtClean="0">
+                <a:solidFill>
+                  <a:schemeClr val="bg2"/>
+                </a:solidFill>
+              </a:rPr>
+              <a:t>. </a:t>
+            </a:r>
+          </a:p>
+          <a:p>
+            <a:r>
+              <a:rPr lang="en-US" dirty="0" smtClean="0">
+                <a:solidFill>
+                  <a:schemeClr val="bg2"/>
+                </a:solidFill>
+              </a:rPr>
+              <a:t>- </a:t>
+            </a:r>
+            <a:r>
+              <a:rPr lang="en-US" dirty="0" err="1" smtClean="0">
+                <a:solidFill>
+                  <a:schemeClr val="bg2"/>
+                </a:solidFill>
+              </a:rPr>
+              <a:t>Nếu</a:t>
+            </a:r>
+            <a:r>
+              <a:rPr lang="en-US" dirty="0" smtClean="0">
+                <a:solidFill>
+                  <a:schemeClr val="bg2"/>
+                </a:solidFill>
+              </a:rPr>
+              <a:t> </a:t>
+            </a:r>
+            <a:r>
+              <a:rPr lang="en-US" dirty="0" err="1" smtClean="0">
+                <a:solidFill>
+                  <a:schemeClr val="bg2"/>
+                </a:solidFill>
+              </a:rPr>
+              <a:t>áp</a:t>
+            </a:r>
+            <a:r>
+              <a:rPr lang="en-US" dirty="0" smtClean="0">
+                <a:solidFill>
+                  <a:schemeClr val="bg2"/>
+                </a:solidFill>
+              </a:rPr>
+              <a:t> </a:t>
+            </a:r>
+            <a:r>
+              <a:rPr lang="en-US" dirty="0" err="1" smtClean="0">
+                <a:solidFill>
+                  <a:schemeClr val="bg2"/>
+                </a:solidFill>
+              </a:rPr>
+              <a:t>dụng</a:t>
+            </a:r>
+            <a:r>
+              <a:rPr lang="en-US" dirty="0" smtClean="0">
+                <a:solidFill>
+                  <a:schemeClr val="bg2"/>
+                </a:solidFill>
+              </a:rPr>
+              <a:t> </a:t>
+            </a:r>
+            <a:r>
+              <a:rPr lang="en-US" b="1" dirty="0" err="1" smtClean="0">
+                <a:solidFill>
+                  <a:schemeClr val="bg2"/>
+                </a:solidFill>
+              </a:rPr>
+              <a:t>argmax</a:t>
+            </a:r>
+            <a:r>
+              <a:rPr lang="en-US" dirty="0" smtClean="0">
+                <a:solidFill>
+                  <a:schemeClr val="bg2"/>
+                </a:solidFill>
+              </a:rPr>
+              <a:t> </a:t>
+            </a:r>
+            <a:r>
+              <a:rPr lang="en-US" dirty="0" err="1" smtClean="0">
+                <a:solidFill>
+                  <a:schemeClr val="bg2"/>
+                </a:solidFill>
+              </a:rPr>
+              <a:t>thì</a:t>
+            </a:r>
+            <a:r>
+              <a:rPr lang="en-US" dirty="0" smtClean="0">
+                <a:solidFill>
+                  <a:schemeClr val="bg2"/>
+                </a:solidFill>
+              </a:rPr>
+              <a:t> </a:t>
+            </a:r>
+            <a:r>
+              <a:rPr lang="en-US" dirty="0" err="1" smtClean="0">
+                <a:solidFill>
+                  <a:schemeClr val="bg2"/>
+                </a:solidFill>
+              </a:rPr>
+              <a:t>sẽ</a:t>
+            </a:r>
+            <a:r>
+              <a:rPr lang="en-US" dirty="0" smtClean="0">
+                <a:solidFill>
+                  <a:schemeClr val="bg2"/>
+                </a:solidFill>
+              </a:rPr>
+              <a:t> </a:t>
+            </a:r>
+            <a:r>
+              <a:rPr lang="en-US" dirty="0" err="1" smtClean="0">
+                <a:solidFill>
+                  <a:schemeClr val="bg2"/>
+                </a:solidFill>
+              </a:rPr>
+              <a:t>nghiên</a:t>
+            </a:r>
+            <a:r>
+              <a:rPr lang="en-US" dirty="0" smtClean="0">
+                <a:solidFill>
+                  <a:schemeClr val="bg2"/>
+                </a:solidFill>
+              </a:rPr>
+              <a:t> </a:t>
+            </a:r>
+            <a:r>
+              <a:rPr lang="en-US" dirty="0" err="1" smtClean="0">
+                <a:solidFill>
+                  <a:schemeClr val="bg2"/>
+                </a:solidFill>
+              </a:rPr>
+              <a:t>về</a:t>
+            </a:r>
+            <a:r>
+              <a:rPr lang="en-US" dirty="0" smtClean="0">
+                <a:solidFill>
+                  <a:schemeClr val="bg2"/>
+                </a:solidFill>
+              </a:rPr>
+              <a:t> </a:t>
+            </a:r>
+            <a:r>
+              <a:rPr lang="en-US" b="1" dirty="0" err="1" smtClean="0">
+                <a:solidFill>
+                  <a:schemeClr val="bg2"/>
+                </a:solidFill>
+              </a:rPr>
+              <a:t>màu</a:t>
+            </a:r>
+            <a:r>
+              <a:rPr lang="en-US" b="1" dirty="0" smtClean="0">
+                <a:solidFill>
+                  <a:schemeClr val="bg2"/>
+                </a:solidFill>
+              </a:rPr>
+              <a:t> </a:t>
+            </a:r>
+            <a:r>
+              <a:rPr lang="en-US" b="1" dirty="0" err="1" smtClean="0">
+                <a:solidFill>
+                  <a:schemeClr val="bg2"/>
+                </a:solidFill>
+              </a:rPr>
+              <a:t>xanh</a:t>
+            </a:r>
+            <a:r>
+              <a:rPr lang="en-US" b="1" dirty="0" smtClean="0">
+                <a:solidFill>
+                  <a:schemeClr val="bg2"/>
+                </a:solidFill>
+              </a:rPr>
+              <a:t> lam </a:t>
+            </a:r>
+            <a:r>
+              <a:rPr lang="en-US" dirty="0" err="1" smtClean="0">
+                <a:solidFill>
+                  <a:schemeClr val="bg2"/>
+                </a:solidFill>
+              </a:rPr>
+              <a:t>hơn</a:t>
+            </a:r>
+            <a:r>
+              <a:rPr lang="en-US" dirty="0" smtClean="0">
+                <a:solidFill>
+                  <a:schemeClr val="bg2"/>
+                </a:solidFill>
+              </a:rPr>
+              <a:t> </a:t>
+            </a:r>
+            <a:r>
+              <a:rPr lang="en-US" dirty="0" err="1" smtClean="0">
+                <a:solidFill>
+                  <a:schemeClr val="bg2"/>
+                </a:solidFill>
+              </a:rPr>
+              <a:t>một</a:t>
+            </a:r>
+            <a:r>
+              <a:rPr lang="en-US" dirty="0" smtClean="0">
+                <a:solidFill>
+                  <a:schemeClr val="bg2"/>
+                </a:solidFill>
+              </a:rPr>
+              <a:t> </a:t>
+            </a:r>
+            <a:r>
+              <a:rPr lang="en-US" dirty="0" err="1" smtClean="0">
+                <a:solidFill>
+                  <a:schemeClr val="bg2"/>
+                </a:solidFill>
+              </a:rPr>
+              <a:t>chút</a:t>
+            </a:r>
+            <a:r>
+              <a:rPr lang="en-US" dirty="0">
+                <a:solidFill>
+                  <a:schemeClr val="bg2"/>
+                </a:solidFill>
+              </a:rPr>
+              <a:t>.</a:t>
+            </a:r>
+          </a:p>
+        </p:txBody>
+      </p:sp>
+      <p:pic>
+        <p:nvPicPr>
+          <p:cNvPr id="8" name="Picture 7"/>
+          <p:cNvPicPr>
+            <a:picLocks noChangeAspect="1"/>
+          </p:cNvPicPr>
+          <p:nvPr/>
+        </p:nvPicPr>
+        <p:blipFill>
+          <a:blip r:embed="rId3"/>
+          <a:stretch>
+            <a:fillRect/>
+          </a:stretch>
+        </p:blipFill>
+        <p:spPr>
+          <a:xfrm>
+            <a:off x="6110600" y="3695248"/>
+            <a:ext cx="1066822" cy="800116"/>
+          </a:xfrm>
+          <a:prstGeom prst="rect">
+            <a:avLst/>
+          </a:prstGeom>
+        </p:spPr>
+      </p:pic>
+      <p:pic>
+        <p:nvPicPr>
+          <p:cNvPr id="9" name="Picture 8"/>
+          <p:cNvPicPr>
+            <a:picLocks noChangeAspect="1"/>
+          </p:cNvPicPr>
+          <p:nvPr/>
+        </p:nvPicPr>
+        <p:blipFill>
+          <a:blip r:embed="rId4"/>
+          <a:stretch>
+            <a:fillRect/>
+          </a:stretch>
+        </p:blipFill>
+        <p:spPr>
+          <a:xfrm>
+            <a:off x="7526735" y="3695248"/>
+            <a:ext cx="1146112" cy="800116"/>
+          </a:xfrm>
+          <a:prstGeom prst="rect">
+            <a:avLst/>
+          </a:prstGeom>
+        </p:spPr>
+      </p:pic>
+      <p:sp>
+        <p:nvSpPr>
+          <p:cNvPr id="10" name="TextBox 9"/>
+          <p:cNvSpPr txBox="1"/>
+          <p:nvPr/>
+        </p:nvSpPr>
+        <p:spPr>
+          <a:xfrm>
+            <a:off x="6110600" y="3309554"/>
+            <a:ext cx="1227958" cy="369332"/>
+          </a:xfrm>
+          <a:prstGeom prst="rect">
+            <a:avLst/>
+          </a:prstGeom>
+          <a:noFill/>
+        </p:spPr>
+        <p:txBody>
+          <a:bodyPr wrap="square" rtlCol="0">
+            <a:spAutoFit/>
+          </a:bodyPr>
+          <a:lstStyle/>
+          <a:p>
+            <a:r>
+              <a:rPr lang="en-US" b="1" dirty="0" err="1" smtClean="0">
+                <a:solidFill>
+                  <a:schemeClr val="bg2"/>
+                </a:solidFill>
+              </a:rPr>
+              <a:t>Softmax</a:t>
+            </a:r>
+            <a:endParaRPr lang="en-US" b="1" dirty="0">
+              <a:solidFill>
+                <a:schemeClr val="bg2"/>
+              </a:solidFill>
+            </a:endParaRPr>
+          </a:p>
+        </p:txBody>
+      </p:sp>
+      <p:sp>
+        <p:nvSpPr>
+          <p:cNvPr id="11" name="TextBox 10"/>
+          <p:cNvSpPr txBox="1"/>
+          <p:nvPr/>
+        </p:nvSpPr>
+        <p:spPr>
+          <a:xfrm>
+            <a:off x="7590074" y="3309554"/>
+            <a:ext cx="1111348" cy="369332"/>
+          </a:xfrm>
+          <a:prstGeom prst="rect">
+            <a:avLst/>
+          </a:prstGeom>
+          <a:noFill/>
+        </p:spPr>
+        <p:txBody>
+          <a:bodyPr wrap="square" rtlCol="0">
+            <a:spAutoFit/>
+          </a:bodyPr>
+          <a:lstStyle/>
+          <a:p>
+            <a:r>
+              <a:rPr lang="en-US" b="1" dirty="0" err="1">
+                <a:solidFill>
+                  <a:schemeClr val="bg2"/>
+                </a:solidFill>
+              </a:rPr>
+              <a:t>A</a:t>
+            </a:r>
+            <a:r>
+              <a:rPr lang="en-US" b="1" dirty="0" err="1" smtClean="0">
+                <a:solidFill>
+                  <a:schemeClr val="bg2"/>
+                </a:solidFill>
+              </a:rPr>
+              <a:t>rgmax</a:t>
+            </a:r>
+            <a:endParaRPr lang="en-US" b="1" dirty="0">
+              <a:solidFill>
+                <a:schemeClr val="bg2"/>
+              </a:solidFill>
+            </a:endParaRPr>
+          </a:p>
+        </p:txBody>
+      </p:sp>
+    </p:spTree>
+    <p:extLst>
+      <p:ext uri="{BB962C8B-B14F-4D97-AF65-F5344CB8AC3E}">
+        <p14:creationId xmlns:p14="http://schemas.microsoft.com/office/powerpoint/2010/main" val="2800863199"/>
+      </p:ext>
+    </p:extLst>
+  </p:cSld>
+  <p:clrMapOvr>
+    <a:masterClrMapping/>
+  </p:clrMapOvr>
+</p:sld>
+</file>
+
+<file path=ppt/slides/slide13.xml><?xml version="1.0" encoding="utf-8"?>
 <p:sld xmlns:a="http://schemas.openxmlformats.org/drawingml/2006/main" xmlns:r="http://schemas.openxmlformats.org/officeDocument/2006/relationships" xmlns:p="http://schemas.openxmlformats.org/presentationml/2006/main">
   <p:cSld>
     <p:spTree>
@@ -9474,7 +10352,7 @@
 </p:sld>
 </file>
 
-<file path=ppt/slides/slide13.xml><?xml version="1.0" encoding="utf-8"?>
+<file path=ppt/slides/slide14.xml><?xml version="1.0" encoding="utf-8"?>
 <p:sld xmlns:a="http://schemas.openxmlformats.org/drawingml/2006/main" xmlns:r="http://schemas.openxmlformats.org/officeDocument/2006/relationships" xmlns:p="http://schemas.openxmlformats.org/presentationml/2006/main">
   <p:cSld>
     <p:spTree>
@@ -10057,7 +10935,7 @@
 </p:sld>
 </file>
 
-<file path=ppt/slides/slide14.xml><?xml version="1.0" encoding="utf-8"?>
+<file path=ppt/slides/slide15.xml><?xml version="1.0" encoding="utf-8"?>
 <p:sld xmlns:a="http://schemas.openxmlformats.org/drawingml/2006/main" xmlns:r="http://schemas.openxmlformats.org/officeDocument/2006/relationships" xmlns:p="http://schemas.openxmlformats.org/presentationml/2006/main">
   <p:cSld>
     <p:spTree>
@@ -13514,7 +14392,7 @@
 </p:sld>
 </file>
 
-<file path=ppt/slides/slide15.xml><?xml version="1.0" encoding="utf-8"?>
+<file path=ppt/slides/slide16.xml><?xml version="1.0" encoding="utf-8"?>
 <p:sld xmlns:a="http://schemas.openxmlformats.org/drawingml/2006/main" xmlns:r="http://schemas.openxmlformats.org/officeDocument/2006/relationships" xmlns:p="http://schemas.openxmlformats.org/presentationml/2006/main">
   <p:cSld>
     <p:spTree>
@@ -15222,7 +16100,7 @@
 </p:sld>
 </file>
 
-<file path=ppt/slides/slide16.xml><?xml version="1.0" encoding="utf-8"?>
+<file path=ppt/slides/slide17.xml><?xml version="1.0" encoding="utf-8"?>
 <p:sld xmlns:a="http://schemas.openxmlformats.org/drawingml/2006/main" xmlns:r="http://schemas.openxmlformats.org/officeDocument/2006/relationships" xmlns:p="http://schemas.openxmlformats.org/presentationml/2006/main">
   <p:cSld>
     <p:spTree>
@@ -16926,7 +17804,7 @@
 </p:sld>
 </file>
 
-<file path=ppt/slides/slide17.xml><?xml version="1.0" encoding="utf-8"?>
+<file path=ppt/slides/slide18.xml><?xml version="1.0" encoding="utf-8"?>
 <p:sld xmlns:a="http://schemas.openxmlformats.org/drawingml/2006/main" xmlns:r="http://schemas.openxmlformats.org/officeDocument/2006/relationships" xmlns:p="http://schemas.openxmlformats.org/presentationml/2006/main">
   <p:cSld>
     <p:spTree>
@@ -18688,7 +19566,7 @@
 </p:sld>
 </file>
 
-<file path=ppt/slides/slide18.xml><?xml version="1.0" encoding="utf-8"?>
+<file path=ppt/slides/slide19.xml><?xml version="1.0" encoding="utf-8"?>
 <p:sld xmlns:a="http://schemas.openxmlformats.org/drawingml/2006/main" xmlns:r="http://schemas.openxmlformats.org/officeDocument/2006/relationships" xmlns:p="http://schemas.openxmlformats.org/presentationml/2006/main">
   <p:cSld>
     <p:spTree>
@@ -18796,388 +19674,6 @@
     <p:extLst>
       <p:ext uri="{BB962C8B-B14F-4D97-AF65-F5344CB8AC3E}">
         <p14:creationId xmlns:p14="http://schemas.microsoft.com/office/powerpoint/2010/main" val="3170668774"/>
-      </p:ext>
-    </p:extLst>
-  </p:cSld>
-  <p:clrMapOvr>
-    <a:masterClrMapping/>
-  </p:clrMapOvr>
-</p:sld>
-</file>
-
-<file path=ppt/slides/slide19.xml><?xml version="1.0" encoding="utf-8"?>
-<p:sld xmlns:a="http://schemas.openxmlformats.org/drawingml/2006/main" xmlns:r="http://schemas.openxmlformats.org/officeDocument/2006/relationships" xmlns:p="http://schemas.openxmlformats.org/presentationml/2006/main">
-  <p:cSld>
-    <p:spTree>
-      <p:nvGrpSpPr>
-        <p:cNvPr id="1" name=""/>
-        <p:cNvGrpSpPr/>
-        <p:nvPr/>
-      </p:nvGrpSpPr>
-      <p:grpSpPr>
-        <a:xfrm>
-          <a:off x="0" y="0"/>
-          <a:ext cx="0" cy="0"/>
-          <a:chOff x="0" y="0"/>
-          <a:chExt cx="0" cy="0"/>
-        </a:xfrm>
-      </p:grpSpPr>
-      <p:sp>
-        <p:nvSpPr>
-          <p:cNvPr id="4" name="Google Shape;186;p22"/>
-          <p:cNvSpPr txBox="1">
-            <a:spLocks noGrp="1"/>
-          </p:cNvSpPr>
-          <p:nvPr>
-            <p:ph type="title"/>
-          </p:nvPr>
-        </p:nvSpPr>
-        <p:spPr>
-          <a:xfrm>
-            <a:off x="484600" y="177800"/>
-            <a:ext cx="8222100" cy="728400"/>
-          </a:xfrm>
-          <a:prstGeom prst="rect">
-            <a:avLst/>
-          </a:prstGeom>
-        </p:spPr>
-        <p:txBody>
-          <a:bodyPr spcFirstLastPara="1" wrap="square" lIns="91425" tIns="91425" rIns="91425" bIns="91425" anchor="ctr" anchorCtr="0">
-            <a:noAutofit/>
-          </a:bodyPr>
-          <a:lstStyle/>
-          <a:p>
-            <a:pPr marL="0" lvl="0" indent="0" algn="l" rtl="0">
-              <a:spcBef>
-                <a:spcPts val="0"/>
-              </a:spcBef>
-              <a:spcAft>
-                <a:spcPts val="0"/>
-              </a:spcAft>
-              <a:buNone/>
-            </a:pPr>
-            <a:r>
-              <a:rPr lang="en" sz="4800" b="1" dirty="0"/>
-              <a:t>Tài liệu tham khảo</a:t>
-            </a:r>
-            <a:endParaRPr sz="4800" dirty="0"/>
-          </a:p>
-        </p:txBody>
-      </p:sp>
-      <p:sp>
-        <p:nvSpPr>
-          <p:cNvPr id="5" name="Rectangle 4"/>
-          <p:cNvSpPr/>
-          <p:nvPr/>
-        </p:nvSpPr>
-        <p:spPr>
-          <a:xfrm>
-            <a:off x="266700" y="1206500"/>
-            <a:ext cx="11925300" cy="4708981"/>
-          </a:xfrm>
-          <a:prstGeom prst="rect">
-            <a:avLst/>
-          </a:prstGeom>
-        </p:spPr>
-        <p:txBody>
-          <a:bodyPr wrap="square">
-            <a:spAutoFit/>
-          </a:bodyPr>
-          <a:lstStyle/>
-          <a:p>
-            <a:pPr>
-              <a:lnSpc>
-                <a:spcPct val="150000"/>
-              </a:lnSpc>
-            </a:pPr>
-            <a:r>
-              <a:rPr lang="en-US" sz="2000" dirty="0">
-                <a:solidFill>
-                  <a:srgbClr val="000000"/>
-                </a:solidFill>
-                <a:latin typeface="Times New Roman" panose="02020603050405020304" pitchFamily="18" charset="0"/>
-              </a:rPr>
-              <a:t>[1] </a:t>
-            </a:r>
-            <a:r>
-              <a:rPr lang="en-US" sz="2000" dirty="0">
-                <a:solidFill>
-                  <a:srgbClr val="1F2328"/>
-                </a:solidFill>
-                <a:latin typeface="Times New Roman" panose="02020603050405020304" pitchFamily="18" charset="0"/>
-              </a:rPr>
-              <a:t>Colorful Image Colorization (Oct 2016, ECCV, Author Richard Zhang, Phillip Isola(B), and Alexei A. </a:t>
-            </a:r>
-            <a:r>
-              <a:rPr lang="en-US" sz="2000" dirty="0" err="1">
-                <a:solidFill>
-                  <a:srgbClr val="1F2328"/>
-                </a:solidFill>
-                <a:latin typeface="Times New Roman" panose="02020603050405020304" pitchFamily="18" charset="0"/>
-              </a:rPr>
-              <a:t>Efros</a:t>
-            </a:r>
-            <a:r>
-              <a:rPr lang="en-US" sz="2000" dirty="0">
-                <a:solidFill>
-                  <a:srgbClr val="1F2328"/>
-                </a:solidFill>
-                <a:latin typeface="Times New Roman" panose="02020603050405020304" pitchFamily="18" charset="0"/>
-              </a:rPr>
-              <a:t>)</a:t>
-            </a:r>
-            <a:endParaRPr lang="en-US" sz="2000" dirty="0"/>
-          </a:p>
-          <a:p>
-            <a:pPr>
-              <a:lnSpc>
-                <a:spcPct val="150000"/>
-              </a:lnSpc>
-            </a:pPr>
-            <a:r>
-              <a:rPr lang="en-US" sz="2000" dirty="0">
-                <a:solidFill>
-                  <a:srgbClr val="1F2328"/>
-                </a:solidFill>
-                <a:latin typeface="Times New Roman" panose="02020603050405020304" pitchFamily="18" charset="0"/>
-              </a:rPr>
-              <a:t>[2] Image Colorization Using the Global Scene-Context Style and Pixel-Wise Semantic Segmentation (Author: Tram-Tran Nguyen-</a:t>
-            </a:r>
-            <a:r>
-              <a:rPr lang="en-US" sz="2000" dirty="0" err="1">
-                <a:solidFill>
-                  <a:srgbClr val="1F2328"/>
-                </a:solidFill>
-                <a:latin typeface="Times New Roman" panose="02020603050405020304" pitchFamily="18" charset="0"/>
-              </a:rPr>
-              <a:t>Quynh</a:t>
-            </a:r>
-            <a:r>
-              <a:rPr lang="en-US" sz="2000" dirty="0">
-                <a:solidFill>
-                  <a:srgbClr val="1F2328"/>
-                </a:solidFill>
-                <a:latin typeface="Times New Roman" panose="02020603050405020304" pitchFamily="18" charset="0"/>
-              </a:rPr>
-              <a:t>, S.H. Kim, </a:t>
-            </a:r>
-            <a:r>
-              <a:rPr lang="en-US" sz="2000" dirty="0" err="1">
-                <a:solidFill>
-                  <a:srgbClr val="1F2328"/>
-                </a:solidFill>
-                <a:latin typeface="Times New Roman" panose="02020603050405020304" pitchFamily="18" charset="0"/>
-              </a:rPr>
-              <a:t>Nhu</a:t>
-            </a:r>
-            <a:r>
-              <a:rPr lang="en-US" sz="2000" dirty="0">
-                <a:solidFill>
-                  <a:srgbClr val="1F2328"/>
-                </a:solidFill>
-                <a:latin typeface="Times New Roman" panose="02020603050405020304" pitchFamily="18" charset="0"/>
-              </a:rPr>
-              <a:t>-Tai Do )</a:t>
-            </a:r>
-            <a:endParaRPr lang="en-US" sz="2000" dirty="0"/>
-          </a:p>
-          <a:p>
-            <a:pPr>
-              <a:lnSpc>
-                <a:spcPct val="150000"/>
-              </a:lnSpc>
-            </a:pPr>
-            <a:r>
-              <a:rPr lang="en-US" sz="2000" dirty="0">
-                <a:solidFill>
-                  <a:srgbClr val="1F2328"/>
-                </a:solidFill>
-                <a:latin typeface="Times New Roman" panose="02020603050405020304" pitchFamily="18" charset="0"/>
-              </a:rPr>
-              <a:t>[3] Learning Representations for Automatic Colorization (Gustav Larsson, Michael </a:t>
-            </a:r>
-            <a:r>
-              <a:rPr lang="en-US" sz="2000" dirty="0" err="1">
-                <a:solidFill>
-                  <a:srgbClr val="1F2328"/>
-                </a:solidFill>
-                <a:latin typeface="Times New Roman" panose="02020603050405020304" pitchFamily="18" charset="0"/>
-              </a:rPr>
-              <a:t>Maire</a:t>
-            </a:r>
-            <a:r>
-              <a:rPr lang="en-US" sz="2000" dirty="0">
-                <a:solidFill>
-                  <a:srgbClr val="1F2328"/>
-                </a:solidFill>
-                <a:latin typeface="Times New Roman" panose="02020603050405020304" pitchFamily="18" charset="0"/>
-              </a:rPr>
-              <a:t>, Gregory </a:t>
-            </a:r>
-            <a:r>
-              <a:rPr lang="en-US" sz="2000" dirty="0" err="1">
-                <a:solidFill>
-                  <a:srgbClr val="1F2328"/>
-                </a:solidFill>
-                <a:latin typeface="Times New Roman" panose="02020603050405020304" pitchFamily="18" charset="0"/>
-              </a:rPr>
-              <a:t>Shakhnarovich</a:t>
-            </a:r>
-            <a:r>
-              <a:rPr lang="en-US" sz="2000" dirty="0">
-                <a:solidFill>
-                  <a:srgbClr val="1F2328"/>
-                </a:solidFill>
-                <a:latin typeface="Times New Roman" panose="02020603050405020304" pitchFamily="18" charset="0"/>
-              </a:rPr>
-              <a:t>)</a:t>
-            </a:r>
-            <a:endParaRPr lang="en-US" sz="2000" dirty="0"/>
-          </a:p>
-          <a:p>
-            <a:pPr>
-              <a:lnSpc>
-                <a:spcPct val="150000"/>
-              </a:lnSpc>
-            </a:pPr>
-            <a:r>
-              <a:rPr lang="en-US" sz="2000" dirty="0">
-                <a:solidFill>
-                  <a:srgbClr val="1F2328"/>
-                </a:solidFill>
-                <a:latin typeface="Times New Roman" panose="02020603050405020304" pitchFamily="18" charset="0"/>
-              </a:rPr>
-              <a:t>[4] Colorization using Optimization (</a:t>
-            </a:r>
-            <a:r>
-              <a:rPr lang="en-US" sz="2000" dirty="0" err="1">
-                <a:solidFill>
-                  <a:srgbClr val="1F2328"/>
-                </a:solidFill>
-                <a:latin typeface="Times New Roman" panose="02020603050405020304" pitchFamily="18" charset="0"/>
-              </a:rPr>
-              <a:t>Anat</a:t>
-            </a:r>
-            <a:r>
-              <a:rPr lang="en-US" sz="2000" dirty="0">
-                <a:solidFill>
-                  <a:srgbClr val="1F2328"/>
-                </a:solidFill>
-                <a:latin typeface="Times New Roman" panose="02020603050405020304" pitchFamily="18" charset="0"/>
-              </a:rPr>
-              <a:t> Levin, Dani </a:t>
-            </a:r>
-            <a:r>
-              <a:rPr lang="en-US" sz="2000" dirty="0" err="1">
-                <a:solidFill>
-                  <a:srgbClr val="1F2328"/>
-                </a:solidFill>
-                <a:latin typeface="Times New Roman" panose="02020603050405020304" pitchFamily="18" charset="0"/>
-              </a:rPr>
-              <a:t>Lischinski</a:t>
-            </a:r>
-            <a:r>
-              <a:rPr lang="en-US" sz="2000" dirty="0">
-                <a:solidFill>
-                  <a:srgbClr val="1F2328"/>
-                </a:solidFill>
-                <a:latin typeface="Times New Roman" panose="02020603050405020304" pitchFamily="18" charset="0"/>
-              </a:rPr>
-              <a:t> ,</a:t>
-            </a:r>
-            <a:r>
-              <a:rPr lang="en-US" sz="2000" dirty="0" err="1">
-                <a:solidFill>
-                  <a:srgbClr val="1F2328"/>
-                </a:solidFill>
-                <a:latin typeface="Times New Roman" panose="02020603050405020304" pitchFamily="18" charset="0"/>
-              </a:rPr>
-              <a:t>Yair</a:t>
-            </a:r>
-            <a:r>
-              <a:rPr lang="en-US" sz="2000" dirty="0">
-                <a:solidFill>
-                  <a:srgbClr val="1F2328"/>
-                </a:solidFill>
-                <a:latin typeface="Times New Roman" panose="02020603050405020304" pitchFamily="18" charset="0"/>
-              </a:rPr>
-              <a:t> Weiss)</a:t>
-            </a:r>
-            <a:endParaRPr lang="en-US" sz="2000" dirty="0"/>
-          </a:p>
-          <a:p>
-            <a:pPr>
-              <a:lnSpc>
-                <a:spcPct val="150000"/>
-              </a:lnSpc>
-            </a:pPr>
-            <a:r>
-              <a:rPr lang="en-US" sz="2000" dirty="0">
-                <a:solidFill>
-                  <a:srgbClr val="1F2328"/>
-                </a:solidFill>
-                <a:latin typeface="Times New Roman" panose="02020603050405020304" pitchFamily="18" charset="0"/>
-              </a:rPr>
-              <a:t>[5] Transferring Color to Grayscale Images (C. E. Welsh, M. </a:t>
-            </a:r>
-            <a:r>
-              <a:rPr lang="en-US" sz="2000" dirty="0" err="1">
-                <a:solidFill>
-                  <a:srgbClr val="1F2328"/>
-                </a:solidFill>
-                <a:latin typeface="Times New Roman" panose="02020603050405020304" pitchFamily="18" charset="0"/>
-              </a:rPr>
-              <a:t>Ashikhmin</a:t>
-            </a:r>
-            <a:r>
-              <a:rPr lang="en-US" sz="2000" dirty="0">
-                <a:solidFill>
-                  <a:srgbClr val="1F2328"/>
-                </a:solidFill>
-                <a:latin typeface="Times New Roman" panose="02020603050405020304" pitchFamily="18" charset="0"/>
-              </a:rPr>
-              <a:t>, K. Mueller)</a:t>
-            </a:r>
-            <a:endParaRPr lang="en-US" sz="2000" dirty="0"/>
-          </a:p>
-          <a:p>
-            <a:pPr>
-              <a:lnSpc>
-                <a:spcPct val="150000"/>
-              </a:lnSpc>
-            </a:pPr>
-            <a:r>
-              <a:rPr lang="en-US" sz="2000" dirty="0">
-                <a:solidFill>
-                  <a:srgbClr val="1F2328"/>
-                </a:solidFill>
-                <a:latin typeface="Times New Roman" panose="02020603050405020304" pitchFamily="18" charset="0"/>
-              </a:rPr>
-              <a:t>[6] Dahl, R.: Automatic colorization (2016).</a:t>
-            </a:r>
-            <a:endParaRPr lang="en-US" sz="2000" dirty="0"/>
-          </a:p>
-          <a:p>
-            <a:pPr>
-              <a:lnSpc>
-                <a:spcPct val="150000"/>
-              </a:lnSpc>
-            </a:pPr>
-            <a:r>
-              <a:rPr lang="en-US" sz="2000" dirty="0"/>
-              <a:t/>
-            </a:r>
-            <a:br>
-              <a:rPr lang="en-US" sz="2000" dirty="0"/>
-            </a:br>
-            <a:endParaRPr lang="en-US" sz="2000" dirty="0"/>
-          </a:p>
-        </p:txBody>
-      </p:sp>
-    </p:spTree>
-    <p:extLst>
-      <p:ext uri="{BB962C8B-B14F-4D97-AF65-F5344CB8AC3E}">
-        <p14:creationId xmlns:p14="http://schemas.microsoft.com/office/powerpoint/2010/main" val="494219874"/>
       </p:ext>
     </p:extLst>
   </p:cSld>
@@ -20530,6 +21026,388 @@
       </p:par>
     </p:tnLst>
   </p:timing>
+</p:sld>
+</file>
+
+<file path=ppt/slides/slide20.xml><?xml version="1.0" encoding="utf-8"?>
+<p:sld xmlns:a="http://schemas.openxmlformats.org/drawingml/2006/main" xmlns:r="http://schemas.openxmlformats.org/officeDocument/2006/relationships" xmlns:p="http://schemas.openxmlformats.org/presentationml/2006/main">
+  <p:cSld>
+    <p:spTree>
+      <p:nvGrpSpPr>
+        <p:cNvPr id="1" name=""/>
+        <p:cNvGrpSpPr/>
+        <p:nvPr/>
+      </p:nvGrpSpPr>
+      <p:grpSpPr>
+        <a:xfrm>
+          <a:off x="0" y="0"/>
+          <a:ext cx="0" cy="0"/>
+          <a:chOff x="0" y="0"/>
+          <a:chExt cx="0" cy="0"/>
+        </a:xfrm>
+      </p:grpSpPr>
+      <p:sp>
+        <p:nvSpPr>
+          <p:cNvPr id="4" name="Google Shape;186;p22"/>
+          <p:cNvSpPr txBox="1">
+            <a:spLocks noGrp="1"/>
+          </p:cNvSpPr>
+          <p:nvPr>
+            <p:ph type="title"/>
+          </p:nvPr>
+        </p:nvSpPr>
+        <p:spPr>
+          <a:xfrm>
+            <a:off x="484600" y="177800"/>
+            <a:ext cx="8222100" cy="728400"/>
+          </a:xfrm>
+          <a:prstGeom prst="rect">
+            <a:avLst/>
+          </a:prstGeom>
+        </p:spPr>
+        <p:txBody>
+          <a:bodyPr spcFirstLastPara="1" wrap="square" lIns="91425" tIns="91425" rIns="91425" bIns="91425" anchor="ctr" anchorCtr="0">
+            <a:noAutofit/>
+          </a:bodyPr>
+          <a:lstStyle/>
+          <a:p>
+            <a:pPr marL="0" lvl="0" indent="0" algn="l" rtl="0">
+              <a:spcBef>
+                <a:spcPts val="0"/>
+              </a:spcBef>
+              <a:spcAft>
+                <a:spcPts val="0"/>
+              </a:spcAft>
+              <a:buNone/>
+            </a:pPr>
+            <a:r>
+              <a:rPr lang="en" sz="4800" b="1" dirty="0"/>
+              <a:t>Tài liệu tham khảo</a:t>
+            </a:r>
+            <a:endParaRPr sz="4800" dirty="0"/>
+          </a:p>
+        </p:txBody>
+      </p:sp>
+      <p:sp>
+        <p:nvSpPr>
+          <p:cNvPr id="5" name="Rectangle 4"/>
+          <p:cNvSpPr/>
+          <p:nvPr/>
+        </p:nvSpPr>
+        <p:spPr>
+          <a:xfrm>
+            <a:off x="266700" y="1206500"/>
+            <a:ext cx="11925300" cy="4708981"/>
+          </a:xfrm>
+          <a:prstGeom prst="rect">
+            <a:avLst/>
+          </a:prstGeom>
+        </p:spPr>
+        <p:txBody>
+          <a:bodyPr wrap="square">
+            <a:spAutoFit/>
+          </a:bodyPr>
+          <a:lstStyle/>
+          <a:p>
+            <a:pPr>
+              <a:lnSpc>
+                <a:spcPct val="150000"/>
+              </a:lnSpc>
+            </a:pPr>
+            <a:r>
+              <a:rPr lang="en-US" sz="2000" dirty="0">
+                <a:solidFill>
+                  <a:srgbClr val="000000"/>
+                </a:solidFill>
+                <a:latin typeface="Times New Roman" panose="02020603050405020304" pitchFamily="18" charset="0"/>
+              </a:rPr>
+              <a:t>[1] </a:t>
+            </a:r>
+            <a:r>
+              <a:rPr lang="en-US" sz="2000" dirty="0">
+                <a:solidFill>
+                  <a:srgbClr val="1F2328"/>
+                </a:solidFill>
+                <a:latin typeface="Times New Roman" panose="02020603050405020304" pitchFamily="18" charset="0"/>
+              </a:rPr>
+              <a:t>Colorful Image Colorization (Oct 2016, ECCV, Author Richard Zhang, Phillip Isola(B), and Alexei A. </a:t>
+            </a:r>
+            <a:r>
+              <a:rPr lang="en-US" sz="2000" dirty="0" err="1">
+                <a:solidFill>
+                  <a:srgbClr val="1F2328"/>
+                </a:solidFill>
+                <a:latin typeface="Times New Roman" panose="02020603050405020304" pitchFamily="18" charset="0"/>
+              </a:rPr>
+              <a:t>Efros</a:t>
+            </a:r>
+            <a:r>
+              <a:rPr lang="en-US" sz="2000" dirty="0">
+                <a:solidFill>
+                  <a:srgbClr val="1F2328"/>
+                </a:solidFill>
+                <a:latin typeface="Times New Roman" panose="02020603050405020304" pitchFamily="18" charset="0"/>
+              </a:rPr>
+              <a:t>)</a:t>
+            </a:r>
+            <a:endParaRPr lang="en-US" sz="2000" dirty="0"/>
+          </a:p>
+          <a:p>
+            <a:pPr>
+              <a:lnSpc>
+                <a:spcPct val="150000"/>
+              </a:lnSpc>
+            </a:pPr>
+            <a:r>
+              <a:rPr lang="en-US" sz="2000" dirty="0">
+                <a:solidFill>
+                  <a:srgbClr val="1F2328"/>
+                </a:solidFill>
+                <a:latin typeface="Times New Roman" panose="02020603050405020304" pitchFamily="18" charset="0"/>
+              </a:rPr>
+              <a:t>[2] Image Colorization Using the Global Scene-Context Style and Pixel-Wise Semantic Segmentation (Author: Tram-Tran Nguyen-</a:t>
+            </a:r>
+            <a:r>
+              <a:rPr lang="en-US" sz="2000" dirty="0" err="1">
+                <a:solidFill>
+                  <a:srgbClr val="1F2328"/>
+                </a:solidFill>
+                <a:latin typeface="Times New Roman" panose="02020603050405020304" pitchFamily="18" charset="0"/>
+              </a:rPr>
+              <a:t>Quynh</a:t>
+            </a:r>
+            <a:r>
+              <a:rPr lang="en-US" sz="2000" dirty="0">
+                <a:solidFill>
+                  <a:srgbClr val="1F2328"/>
+                </a:solidFill>
+                <a:latin typeface="Times New Roman" panose="02020603050405020304" pitchFamily="18" charset="0"/>
+              </a:rPr>
+              <a:t>, S.H. Kim, </a:t>
+            </a:r>
+            <a:r>
+              <a:rPr lang="en-US" sz="2000" dirty="0" err="1">
+                <a:solidFill>
+                  <a:srgbClr val="1F2328"/>
+                </a:solidFill>
+                <a:latin typeface="Times New Roman" panose="02020603050405020304" pitchFamily="18" charset="0"/>
+              </a:rPr>
+              <a:t>Nhu</a:t>
+            </a:r>
+            <a:r>
+              <a:rPr lang="en-US" sz="2000" dirty="0">
+                <a:solidFill>
+                  <a:srgbClr val="1F2328"/>
+                </a:solidFill>
+                <a:latin typeface="Times New Roman" panose="02020603050405020304" pitchFamily="18" charset="0"/>
+              </a:rPr>
+              <a:t>-Tai Do )</a:t>
+            </a:r>
+            <a:endParaRPr lang="en-US" sz="2000" dirty="0"/>
+          </a:p>
+          <a:p>
+            <a:pPr>
+              <a:lnSpc>
+                <a:spcPct val="150000"/>
+              </a:lnSpc>
+            </a:pPr>
+            <a:r>
+              <a:rPr lang="en-US" sz="2000" dirty="0">
+                <a:solidFill>
+                  <a:srgbClr val="1F2328"/>
+                </a:solidFill>
+                <a:latin typeface="Times New Roman" panose="02020603050405020304" pitchFamily="18" charset="0"/>
+              </a:rPr>
+              <a:t>[3] Learning Representations for Automatic Colorization (Gustav Larsson, Michael </a:t>
+            </a:r>
+            <a:r>
+              <a:rPr lang="en-US" sz="2000" dirty="0" err="1">
+                <a:solidFill>
+                  <a:srgbClr val="1F2328"/>
+                </a:solidFill>
+                <a:latin typeface="Times New Roman" panose="02020603050405020304" pitchFamily="18" charset="0"/>
+              </a:rPr>
+              <a:t>Maire</a:t>
+            </a:r>
+            <a:r>
+              <a:rPr lang="en-US" sz="2000" dirty="0">
+                <a:solidFill>
+                  <a:srgbClr val="1F2328"/>
+                </a:solidFill>
+                <a:latin typeface="Times New Roman" panose="02020603050405020304" pitchFamily="18" charset="0"/>
+              </a:rPr>
+              <a:t>, Gregory </a:t>
+            </a:r>
+            <a:r>
+              <a:rPr lang="en-US" sz="2000" dirty="0" err="1">
+                <a:solidFill>
+                  <a:srgbClr val="1F2328"/>
+                </a:solidFill>
+                <a:latin typeface="Times New Roman" panose="02020603050405020304" pitchFamily="18" charset="0"/>
+              </a:rPr>
+              <a:t>Shakhnarovich</a:t>
+            </a:r>
+            <a:r>
+              <a:rPr lang="en-US" sz="2000" dirty="0">
+                <a:solidFill>
+                  <a:srgbClr val="1F2328"/>
+                </a:solidFill>
+                <a:latin typeface="Times New Roman" panose="02020603050405020304" pitchFamily="18" charset="0"/>
+              </a:rPr>
+              <a:t>)</a:t>
+            </a:r>
+            <a:endParaRPr lang="en-US" sz="2000" dirty="0"/>
+          </a:p>
+          <a:p>
+            <a:pPr>
+              <a:lnSpc>
+                <a:spcPct val="150000"/>
+              </a:lnSpc>
+            </a:pPr>
+            <a:r>
+              <a:rPr lang="en-US" sz="2000" dirty="0">
+                <a:solidFill>
+                  <a:srgbClr val="1F2328"/>
+                </a:solidFill>
+                <a:latin typeface="Times New Roman" panose="02020603050405020304" pitchFamily="18" charset="0"/>
+              </a:rPr>
+              <a:t>[4] Colorization using Optimization (</a:t>
+            </a:r>
+            <a:r>
+              <a:rPr lang="en-US" sz="2000" dirty="0" err="1">
+                <a:solidFill>
+                  <a:srgbClr val="1F2328"/>
+                </a:solidFill>
+                <a:latin typeface="Times New Roman" panose="02020603050405020304" pitchFamily="18" charset="0"/>
+              </a:rPr>
+              <a:t>Anat</a:t>
+            </a:r>
+            <a:r>
+              <a:rPr lang="en-US" sz="2000" dirty="0">
+                <a:solidFill>
+                  <a:srgbClr val="1F2328"/>
+                </a:solidFill>
+                <a:latin typeface="Times New Roman" panose="02020603050405020304" pitchFamily="18" charset="0"/>
+              </a:rPr>
+              <a:t> Levin, Dani </a:t>
+            </a:r>
+            <a:r>
+              <a:rPr lang="en-US" sz="2000" dirty="0" err="1">
+                <a:solidFill>
+                  <a:srgbClr val="1F2328"/>
+                </a:solidFill>
+                <a:latin typeface="Times New Roman" panose="02020603050405020304" pitchFamily="18" charset="0"/>
+              </a:rPr>
+              <a:t>Lischinski</a:t>
+            </a:r>
+            <a:r>
+              <a:rPr lang="en-US" sz="2000" dirty="0">
+                <a:solidFill>
+                  <a:srgbClr val="1F2328"/>
+                </a:solidFill>
+                <a:latin typeface="Times New Roman" panose="02020603050405020304" pitchFamily="18" charset="0"/>
+              </a:rPr>
+              <a:t> ,</a:t>
+            </a:r>
+            <a:r>
+              <a:rPr lang="en-US" sz="2000" dirty="0" err="1">
+                <a:solidFill>
+                  <a:srgbClr val="1F2328"/>
+                </a:solidFill>
+                <a:latin typeface="Times New Roman" panose="02020603050405020304" pitchFamily="18" charset="0"/>
+              </a:rPr>
+              <a:t>Yair</a:t>
+            </a:r>
+            <a:r>
+              <a:rPr lang="en-US" sz="2000" dirty="0">
+                <a:solidFill>
+                  <a:srgbClr val="1F2328"/>
+                </a:solidFill>
+                <a:latin typeface="Times New Roman" panose="02020603050405020304" pitchFamily="18" charset="0"/>
+              </a:rPr>
+              <a:t> Weiss)</a:t>
+            </a:r>
+            <a:endParaRPr lang="en-US" sz="2000" dirty="0"/>
+          </a:p>
+          <a:p>
+            <a:pPr>
+              <a:lnSpc>
+                <a:spcPct val="150000"/>
+              </a:lnSpc>
+            </a:pPr>
+            <a:r>
+              <a:rPr lang="en-US" sz="2000" dirty="0">
+                <a:solidFill>
+                  <a:srgbClr val="1F2328"/>
+                </a:solidFill>
+                <a:latin typeface="Times New Roman" panose="02020603050405020304" pitchFamily="18" charset="0"/>
+              </a:rPr>
+              <a:t>[5] Transferring Color to Grayscale Images (C. E. Welsh, M. </a:t>
+            </a:r>
+            <a:r>
+              <a:rPr lang="en-US" sz="2000" dirty="0" err="1">
+                <a:solidFill>
+                  <a:srgbClr val="1F2328"/>
+                </a:solidFill>
+                <a:latin typeface="Times New Roman" panose="02020603050405020304" pitchFamily="18" charset="0"/>
+              </a:rPr>
+              <a:t>Ashikhmin</a:t>
+            </a:r>
+            <a:r>
+              <a:rPr lang="en-US" sz="2000" dirty="0">
+                <a:solidFill>
+                  <a:srgbClr val="1F2328"/>
+                </a:solidFill>
+                <a:latin typeface="Times New Roman" panose="02020603050405020304" pitchFamily="18" charset="0"/>
+              </a:rPr>
+              <a:t>, K. Mueller)</a:t>
+            </a:r>
+            <a:endParaRPr lang="en-US" sz="2000" dirty="0"/>
+          </a:p>
+          <a:p>
+            <a:pPr>
+              <a:lnSpc>
+                <a:spcPct val="150000"/>
+              </a:lnSpc>
+            </a:pPr>
+            <a:r>
+              <a:rPr lang="en-US" sz="2000" dirty="0">
+                <a:solidFill>
+                  <a:srgbClr val="1F2328"/>
+                </a:solidFill>
+                <a:latin typeface="Times New Roman" panose="02020603050405020304" pitchFamily="18" charset="0"/>
+              </a:rPr>
+              <a:t>[6] Dahl, R.: Automatic colorization (2016).</a:t>
+            </a:r>
+            <a:endParaRPr lang="en-US" sz="2000" dirty="0"/>
+          </a:p>
+          <a:p>
+            <a:pPr>
+              <a:lnSpc>
+                <a:spcPct val="150000"/>
+              </a:lnSpc>
+            </a:pPr>
+            <a:r>
+              <a:rPr lang="en-US" sz="2000" dirty="0"/>
+              <a:t/>
+            </a:r>
+            <a:br>
+              <a:rPr lang="en-US" sz="2000" dirty="0"/>
+            </a:br>
+            <a:endParaRPr lang="en-US" sz="2000" dirty="0"/>
+          </a:p>
+        </p:txBody>
+      </p:sp>
+    </p:spTree>
+    <p:extLst>
+      <p:ext uri="{BB962C8B-B14F-4D97-AF65-F5344CB8AC3E}">
+        <p14:creationId xmlns:p14="http://schemas.microsoft.com/office/powerpoint/2010/main" val="494219874"/>
+      </p:ext>
+    </p:extLst>
+  </p:cSld>
+  <p:clrMapOvr>
+    <a:masterClrMapping/>
+  </p:clrMapOvr>
 </p:sld>
 </file>
 

--- a/Báo cáo Final.pptx
+++ b/Báo cáo Final.pptx
@@ -420,7 +420,7 @@
           <a:p>
             <a:fld id="{AE70FEDE-5384-4AAC-BC2F-15E717367EFE}" type="datetimeFigureOut">
               <a:rPr lang="en-US" smtClean="0"/>
-              <a:t>5/14/2025</a:t>
+              <a:t>5/15/2025</a:t>
             </a:fld>
             <a:endParaRPr lang="en-US"/>
           </a:p>
@@ -7879,11 +7879,7 @@
             </a:r>
             <a:r>
               <a:rPr lang="en-US" sz="2000" b="1" dirty="0" smtClean="0"/>
-              <a:t> T(</a:t>
-            </a:r>
-            <a:r>
-              <a:rPr lang="en-US" sz="2000" b="1" dirty="0" smtClean="0"/>
-              <a:t>temperature</a:t>
+              <a:t> T(temperature</a:t>
             </a:r>
             <a:r>
               <a:rPr lang="en-US" sz="2000" dirty="0" smtClean="0"/>
@@ -8264,7 +8260,11 @@
           <a:p>
             <a:r>
               <a:rPr lang="en" sz="4800" b="1" dirty="0" smtClean="0"/>
-              <a:t>Phương pháp</a:t>
+              <a:t>Phương </a:t>
+            </a:r>
+            <a:r>
+              <a:rPr lang="en" sz="4800" b="1" dirty="0" smtClean="0"/>
+              <a:t>pháp tiếp cận</a:t>
             </a:r>
             <a:endParaRPr lang="en-US" sz="4800" dirty="0"/>
           </a:p>
@@ -8353,7 +8353,11 @@
           <a:p>
             <a:r>
               <a:rPr lang="en" sz="4800" b="1" dirty="0" smtClean="0"/>
-              <a:t>Phương pháp</a:t>
+              <a:t>Phương </a:t>
+            </a:r>
+            <a:r>
+              <a:rPr lang="en" sz="4800" b="1" dirty="0" smtClean="0"/>
+              <a:t>pháp tiếp cận</a:t>
             </a:r>
             <a:endParaRPr lang="en-US" sz="4800" dirty="0"/>
           </a:p>
@@ -8747,7 +8751,11 @@
           <a:p>
             <a:r>
               <a:rPr lang="en" sz="4800" b="1" dirty="0" smtClean="0"/>
-              <a:t>Phương pháp</a:t>
+              <a:t>Phương </a:t>
+            </a:r>
+            <a:r>
+              <a:rPr lang="en" sz="4800" b="1" dirty="0" smtClean="0"/>
+              <a:t>pháp tiếp cận</a:t>
             </a:r>
             <a:endParaRPr lang="en-US" sz="4800" dirty="0"/>
           </a:p>
@@ -9821,7 +9829,11 @@
           <a:p>
             <a:r>
               <a:rPr lang="en" sz="4800" b="1" dirty="0" smtClean="0"/>
-              <a:t>Phương pháp</a:t>
+              <a:t>Phương </a:t>
+            </a:r>
+            <a:r>
+              <a:rPr lang="en" sz="4800" b="1" dirty="0" smtClean="0"/>
+              <a:t>pháp tiếp cận</a:t>
             </a:r>
             <a:endParaRPr lang="en-US" sz="4800" b="1" dirty="0"/>
           </a:p>
@@ -14419,8 +14431,8 @@
         </p:nvSpPr>
         <p:spPr>
           <a:xfrm>
-            <a:off x="629200" y="98400"/>
-            <a:ext cx="10962800" cy="894000"/>
+            <a:off x="629199" y="98400"/>
+            <a:ext cx="11382691" cy="894000"/>
           </a:xfrm>
           <a:prstGeom prst="rect">
             <a:avLst/>
@@ -14684,7 +14696,19 @@
           <a:p>
             <a:r>
               <a:rPr lang="en" sz="4800" b="1" kern="0" dirty="0" smtClean="0"/>
-              <a:t>Nội dung và phương pháp</a:t>
+              <a:t>Nội dung </a:t>
+            </a:r>
+            <a:r>
+              <a:rPr lang="en" sz="4800" b="1" kern="0" dirty="0" smtClean="0"/>
+              <a:t>&amp; </a:t>
+            </a:r>
+            <a:r>
+              <a:rPr lang="en" sz="4800" b="1" kern="0" dirty="0" smtClean="0"/>
+              <a:t>phương </a:t>
+            </a:r>
+            <a:r>
+              <a:rPr lang="en" sz="4800" b="1" kern="0" dirty="0" smtClean="0"/>
+              <a:t>pháp nghiên cứu</a:t>
             </a:r>
             <a:endParaRPr lang="en-US" sz="4800" kern="0" dirty="0"/>
           </a:p>
@@ -16128,7 +16152,7 @@
         <p:spPr>
           <a:xfrm>
             <a:off x="629200" y="98400"/>
-            <a:ext cx="10962800" cy="894000"/>
+            <a:ext cx="11562800" cy="894000"/>
           </a:xfrm>
           <a:prstGeom prst="rect">
             <a:avLst/>
@@ -16392,7 +16416,11 @@
           <a:p>
             <a:r>
               <a:rPr lang="en" sz="4800" b="1" kern="0" dirty="0" smtClean="0"/>
-              <a:t>Nội dung và phương pháp</a:t>
+              <a:t>Nội dung </a:t>
+            </a:r>
+            <a:r>
+              <a:rPr lang="en" sz="4800" b="1" kern="0" dirty="0" smtClean="0"/>
+              <a:t>&amp; phương pháp nghiên cứu</a:t>
             </a:r>
             <a:endParaRPr lang="en-US" sz="4800" kern="0" dirty="0"/>
           </a:p>
@@ -19283,7 +19311,7 @@
         <p:spPr>
           <a:xfrm>
             <a:off x="629200" y="98400"/>
-            <a:ext cx="10962800" cy="894000"/>
+            <a:ext cx="11562800" cy="894000"/>
           </a:xfrm>
           <a:prstGeom prst="rect">
             <a:avLst/>
@@ -19547,7 +19575,11 @@
           <a:p>
             <a:r>
               <a:rPr lang="en" sz="4800" b="1" kern="0" dirty="0" smtClean="0"/>
-              <a:t>Nội dung và phương pháp</a:t>
+              <a:t>Nội dung </a:t>
+            </a:r>
+            <a:r>
+              <a:rPr lang="en" sz="4800" b="1" kern="0" dirty="0" smtClean="0"/>
+              <a:t>&amp; phương pháp nghiên cứu</a:t>
             </a:r>
             <a:endParaRPr lang="en-US" sz="4800" kern="0" dirty="0"/>
           </a:p>
@@ -22655,6 +22687,22 @@
               <a:rPr lang="en-US" sz="4800" b="1" dirty="0" err="1" smtClean="0"/>
               <a:t>pháp</a:t>
             </a:r>
+            <a:r>
+              <a:rPr lang="en-US" sz="4800" b="1" dirty="0" smtClean="0"/>
+              <a:t> </a:t>
+            </a:r>
+            <a:r>
+              <a:rPr lang="en-US" sz="4800" b="1" dirty="0" err="1" smtClean="0"/>
+              <a:t>tiếp</a:t>
+            </a:r>
+            <a:r>
+              <a:rPr lang="en-US" sz="4800" b="1" dirty="0" smtClean="0"/>
+              <a:t> </a:t>
+            </a:r>
+            <a:r>
+              <a:rPr lang="en-US" sz="4800" b="1" dirty="0" err="1" smtClean="0"/>
+              <a:t>cận</a:t>
+            </a:r>
             <a:endParaRPr lang="en-US" sz="4800" b="1" dirty="0"/>
           </a:p>
         </p:txBody>
@@ -23077,7 +23125,11 @@
           <a:p>
             <a:r>
               <a:rPr lang="en" sz="4800" b="1" dirty="0" smtClean="0"/>
-              <a:t>Phương pháp</a:t>
+              <a:t>Phương </a:t>
+            </a:r>
+            <a:r>
+              <a:rPr lang="en" sz="4800" b="1" dirty="0" smtClean="0"/>
+              <a:t>pháp tiếp cận</a:t>
             </a:r>
             <a:endParaRPr lang="en-US" sz="4800" dirty="0"/>
           </a:p>
@@ -24586,7 +24638,11 @@
           <a:p>
             <a:r>
               <a:rPr lang="en" sz="4800" b="1" dirty="0" smtClean="0"/>
-              <a:t>Phương pháp</a:t>
+              <a:t>Phương </a:t>
+            </a:r>
+            <a:r>
+              <a:rPr lang="en" sz="4800" b="1" dirty="0" smtClean="0"/>
+              <a:t>pháp tiếp cận</a:t>
             </a:r>
             <a:endParaRPr lang="en-US" sz="4800" dirty="0"/>
           </a:p>
@@ -25019,7 +25075,11 @@
           <a:p>
             <a:r>
               <a:rPr lang="en" sz="4800" b="1" dirty="0" smtClean="0"/>
-              <a:t>Phương pháp</a:t>
+              <a:t>Phương </a:t>
+            </a:r>
+            <a:r>
+              <a:rPr lang="en" sz="4800" b="1" dirty="0" smtClean="0"/>
+              <a:t>pháp tiếp cận</a:t>
             </a:r>
             <a:endParaRPr lang="en-US" sz="4800" dirty="0"/>
           </a:p>
@@ -25385,7 +25445,11 @@
           <a:p>
             <a:r>
               <a:rPr lang="en" sz="4800" b="1" dirty="0" smtClean="0"/>
-              <a:t>Phương pháp</a:t>
+              <a:t>Phương </a:t>
+            </a:r>
+            <a:r>
+              <a:rPr lang="en" sz="4800" b="1" dirty="0" smtClean="0"/>
+              <a:t>pháp tiếp cận</a:t>
             </a:r>
             <a:endParaRPr lang="en-US" sz="4800" b="1" dirty="0"/>
           </a:p>
